--- a/ppt/图.pptx
+++ b/ppt/图.pptx
@@ -3377,7 +3377,7 @@
               <a:t>c</a:t>
             </a:r>
             <a:r>
-              <a:rPr lang="en-US" altLang="zh-CN" sz="1100" smtClean="0">
+              <a:rPr lang="en-US" altLang="zh-CN" sz="1100" dirty="0" err="1" smtClean="0">
                 <a:solidFill>
                   <a:schemeClr val="tx1"/>
                 </a:solidFill>
@@ -3888,8 +3888,8 @@
         </p:nvSpPr>
         <p:spPr>
           <a:xfrm>
-            <a:off x="5089579" y="3356327"/>
-            <a:ext cx="1637071" cy="732201"/>
+            <a:off x="5089579" y="3315459"/>
+            <a:ext cx="1637071" cy="817483"/>
           </a:xfrm>
           <a:prstGeom prst="rect">
             <a:avLst/>
@@ -4020,7 +4020,7 @@
         </p:nvSpPr>
         <p:spPr>
           <a:xfrm>
-            <a:off x="5089581" y="2258811"/>
+            <a:off x="5089579" y="2167085"/>
             <a:ext cx="1637071" cy="874907"/>
           </a:xfrm>
           <a:prstGeom prst="rect">
@@ -4131,20 +4131,29 @@
             <a:r>
               <a:rPr lang="en-US" altLang="zh-CN" sz="1100" dirty="0" err="1" smtClean="0">
                 <a:solidFill>
+                  <a:srgbClr val="FF0000"/>
+                </a:solidFill>
+                <a:ea typeface="微软雅黑" panose="020B0503020204020204" pitchFamily="34" charset="-122"/>
+              </a:rPr>
+              <a:t>sret</a:t>
+            </a:r>
+            <a:r>
+              <a:rPr lang="zh-CN" altLang="en-US" sz="1100" dirty="0" smtClean="0">
+                <a:solidFill>
+                  <a:srgbClr val="FF0000"/>
+                </a:solidFill>
+                <a:ea typeface="微软雅黑" panose="020B0503020204020204" pitchFamily="34" charset="-122"/>
+              </a:rPr>
+              <a:t>指令</a:t>
+            </a:r>
+            <a:r>
+              <a:rPr lang="zh-CN" altLang="en-US" sz="1100" dirty="0" smtClean="0">
+                <a:solidFill>
                   <a:schemeClr val="tx1"/>
                 </a:solidFill>
                 <a:ea typeface="微软雅黑" panose="020B0503020204020204" pitchFamily="34" charset="-122"/>
               </a:rPr>
-              <a:t>sret</a:t>
-            </a:r>
-            <a:r>
-              <a:rPr lang="zh-CN" altLang="en-US" sz="1100" dirty="0" smtClean="0">
-                <a:solidFill>
-                  <a:schemeClr val="tx1"/>
-                </a:solidFill>
-                <a:ea typeface="微软雅黑" panose="020B0503020204020204" pitchFamily="34" charset="-122"/>
-              </a:rPr>
-              <a:t>指令后，程序切回用户态</a:t>
+              <a:t>后，程序切回用户态</a:t>
             </a:r>
             <a:endParaRPr lang="en-US" altLang="zh-CN" sz="1100" dirty="0" smtClean="0">
               <a:solidFill>
@@ -4374,8 +4383,8 @@
         </p:nvCxnSpPr>
         <p:spPr>
           <a:xfrm flipV="1">
-            <a:off x="5908115" y="3133718"/>
-            <a:ext cx="2" cy="222609"/>
+            <a:off x="5908115" y="3041992"/>
+            <a:ext cx="0" cy="273467"/>
           </a:xfrm>
           <a:prstGeom prst="straightConnector1">
             <a:avLst/>
@@ -4511,9 +4520,9 @@
           <p:nvPr/>
         </p:nvCxnSpPr>
         <p:spPr>
-          <a:xfrm flipV="1">
-            <a:off x="4681760" y="3722428"/>
-            <a:ext cx="407819" cy="1773"/>
+          <a:xfrm>
+            <a:off x="4681760" y="3724201"/>
+            <a:ext cx="407819" cy="0"/>
           </a:xfrm>
           <a:prstGeom prst="straightConnector1">
             <a:avLst/>
@@ -4889,14 +4898,15 @@
         <p:nvCxnSpPr>
           <p:cNvPr id="56" name="直接箭头连接符 55"/>
           <p:cNvCxnSpPr>
+            <a:stCxn id="12" idx="0"/>
             <a:endCxn id="45" idx="2"/>
           </p:cNvCxnSpPr>
           <p:nvPr/>
         </p:nvCxnSpPr>
         <p:spPr>
-          <a:xfrm flipH="1" flipV="1">
-            <a:off x="5908116" y="1632703"/>
-            <a:ext cx="1" cy="626109"/>
+          <a:xfrm flipV="1">
+            <a:off x="5908115" y="1632703"/>
+            <a:ext cx="1" cy="534382"/>
           </a:xfrm>
           <a:prstGeom prst="straightConnector1">
             <a:avLst/>

--- a/ppt/图.pptx
+++ b/ppt/图.pptx
@@ -11132,176 +11132,6 @@
           </a:p>
         </p:txBody>
       </p:sp>
-      <p:sp>
-        <p:nvSpPr>
-          <p:cNvPr id="35" name="立方体 34"/>
-          <p:cNvSpPr/>
-          <p:nvPr/>
-        </p:nvSpPr>
-        <p:spPr>
-          <a:xfrm>
-            <a:off x="5052670" y="3693497"/>
-            <a:ext cx="806517" cy="348920"/>
-          </a:xfrm>
-          <a:prstGeom prst="cube">
-            <a:avLst/>
-          </a:prstGeom>
-          <a:solidFill>
-            <a:schemeClr val="bg1"/>
-          </a:solidFill>
-          <a:ln w="12700"/>
-        </p:spPr>
-        <p:style>
-          <a:lnRef idx="2">
-            <a:schemeClr val="accent1">
-              <a:shade val="50000"/>
-            </a:schemeClr>
-          </a:lnRef>
-          <a:fillRef idx="1">
-            <a:schemeClr val="accent1"/>
-          </a:fillRef>
-          <a:effectRef idx="0">
-            <a:schemeClr val="accent1"/>
-          </a:effectRef>
-          <a:fontRef idx="minor">
-            <a:schemeClr val="lt1"/>
-          </a:fontRef>
-        </p:style>
-        <p:txBody>
-          <a:bodyPr rtlCol="0" anchor="ctr"/>
-          <a:lstStyle/>
-          <a:p>
-            <a:pPr algn="ctr"/>
-            <a:r>
-              <a:rPr lang="en-US" altLang="zh-CN" sz="800" dirty="0">
-                <a:solidFill>
-                  <a:srgbClr val="FF0000"/>
-                </a:solidFill>
-                <a:latin typeface="微软雅黑" panose="020B0503020204020204" pitchFamily="34" charset="-122"/>
-                <a:ea typeface="微软雅黑" panose="020B0503020204020204" pitchFamily="34" charset="-122"/>
-              </a:rPr>
-              <a:t>timestamp</a:t>
-            </a:r>
-            <a:endParaRPr lang="zh-CN" altLang="en-US" sz="800" dirty="0">
-              <a:solidFill>
-                <a:srgbClr val="FF0000"/>
-              </a:solidFill>
-              <a:latin typeface="微软雅黑" panose="020B0503020204020204" pitchFamily="34" charset="-122"/>
-              <a:ea typeface="微软雅黑" panose="020B0503020204020204" pitchFamily="34" charset="-122"/>
-            </a:endParaRPr>
-          </a:p>
-        </p:txBody>
-      </p:sp>
-      <p:sp>
-        <p:nvSpPr>
-          <p:cNvPr id="36" name="立方体 35"/>
-          <p:cNvSpPr/>
-          <p:nvPr/>
-        </p:nvSpPr>
-        <p:spPr>
-          <a:xfrm>
-            <a:off x="4066884" y="3693497"/>
-            <a:ext cx="806517" cy="348920"/>
-          </a:xfrm>
-          <a:prstGeom prst="cube">
-            <a:avLst/>
-          </a:prstGeom>
-          <a:solidFill>
-            <a:schemeClr val="bg1"/>
-          </a:solidFill>
-          <a:ln w="12700"/>
-        </p:spPr>
-        <p:style>
-          <a:lnRef idx="2">
-            <a:schemeClr val="accent1">
-              <a:shade val="50000"/>
-            </a:schemeClr>
-          </a:lnRef>
-          <a:fillRef idx="1">
-            <a:schemeClr val="accent1"/>
-          </a:fillRef>
-          <a:effectRef idx="0">
-            <a:schemeClr val="accent1"/>
-          </a:effectRef>
-          <a:fontRef idx="minor">
-            <a:schemeClr val="lt1"/>
-          </a:fontRef>
-        </p:style>
-        <p:txBody>
-          <a:bodyPr rtlCol="0" anchor="ctr"/>
-          <a:lstStyle/>
-          <a:p>
-            <a:pPr algn="ctr"/>
-            <a:r>
-              <a:rPr lang="en-US" altLang="zh-CN" sz="800" dirty="0" smtClean="0">
-                <a:solidFill>
-                  <a:srgbClr val="FF0000"/>
-                </a:solidFill>
-                <a:latin typeface="微软雅黑" panose="020B0503020204020204" pitchFamily="34" charset="-122"/>
-                <a:ea typeface="微软雅黑" panose="020B0503020204020204" pitchFamily="34" charset="-122"/>
-              </a:rPr>
-              <a:t>timestamp</a:t>
-            </a:r>
-            <a:endParaRPr lang="zh-CN" altLang="en-US" sz="800" dirty="0">
-              <a:solidFill>
-                <a:srgbClr val="FF0000"/>
-              </a:solidFill>
-              <a:latin typeface="微软雅黑" panose="020B0503020204020204" pitchFamily="34" charset="-122"/>
-              <a:ea typeface="微软雅黑" panose="020B0503020204020204" pitchFamily="34" charset="-122"/>
-            </a:endParaRPr>
-          </a:p>
-        </p:txBody>
-      </p:sp>
-      <p:sp>
-        <p:nvSpPr>
-          <p:cNvPr id="38" name="立方体 37"/>
-          <p:cNvSpPr/>
-          <p:nvPr/>
-        </p:nvSpPr>
-        <p:spPr>
-          <a:xfrm>
-            <a:off x="4070693" y="3485350"/>
-            <a:ext cx="806517" cy="348920"/>
-          </a:xfrm>
-          <a:prstGeom prst="cube">
-            <a:avLst/>
-          </a:prstGeom>
-          <a:solidFill>
-            <a:schemeClr val="bg1"/>
-          </a:solidFill>
-          <a:ln w="12700"/>
-        </p:spPr>
-        <p:style>
-          <a:lnRef idx="2">
-            <a:schemeClr val="accent1">
-              <a:shade val="50000"/>
-            </a:schemeClr>
-          </a:lnRef>
-          <a:fillRef idx="1">
-            <a:schemeClr val="accent1"/>
-          </a:fillRef>
-          <a:effectRef idx="0">
-            <a:schemeClr val="accent1"/>
-          </a:effectRef>
-          <a:fontRef idx="minor">
-            <a:schemeClr val="lt1"/>
-          </a:fontRef>
-        </p:style>
-        <p:txBody>
-          <a:bodyPr rtlCol="0" anchor="ctr"/>
-          <a:lstStyle/>
-          <a:p>
-            <a:pPr algn="ctr"/>
-            <a:endParaRPr lang="zh-CN" altLang="en-US" sz="1200" dirty="0">
-              <a:solidFill>
-                <a:srgbClr val="FF0000"/>
-              </a:solidFill>
-              <a:latin typeface="微软雅黑" panose="020B0503020204020204" pitchFamily="34" charset="-122"/>
-              <a:ea typeface="微软雅黑" panose="020B0503020204020204" pitchFamily="34" charset="-122"/>
-            </a:endParaRPr>
-          </a:p>
-        </p:txBody>
-      </p:sp>
       <p:cxnSp>
         <p:nvCxnSpPr>
           <p:cNvPr id="41" name="直接箭头连接符 40"/>
@@ -11310,7 +11140,7 @@
         </p:nvCxnSpPr>
         <p:spPr>
           <a:xfrm flipV="1">
-            <a:off x="4875545" y="3719220"/>
+            <a:off x="4875477" y="3720981"/>
             <a:ext cx="182880" cy="2407"/>
           </a:xfrm>
           <a:prstGeom prst="straightConnector1">
@@ -11346,7 +11176,7 @@
         </p:nvCxnSpPr>
         <p:spPr>
           <a:xfrm flipV="1">
-            <a:off x="5878349" y="3716511"/>
+            <a:off x="5859312" y="3720981"/>
             <a:ext cx="182880" cy="2407"/>
           </a:xfrm>
           <a:prstGeom prst="straightConnector1">
@@ -11472,13 +11302,13 @@
       </p:sp>
       <p:sp>
         <p:nvSpPr>
-          <p:cNvPr id="47" name="立方体 46"/>
+          <p:cNvPr id="48" name="立方体 47"/>
           <p:cNvSpPr/>
           <p:nvPr/>
         </p:nvSpPr>
         <p:spPr>
           <a:xfrm>
-            <a:off x="5052671" y="3477329"/>
+            <a:off x="6019208" y="3471804"/>
             <a:ext cx="806517" cy="348920"/>
           </a:xfrm>
           <a:prstGeom prst="cube">
@@ -11522,13 +11352,13 @@
       </p:sp>
       <p:sp>
         <p:nvSpPr>
-          <p:cNvPr id="48" name="立方体 47"/>
+          <p:cNvPr id="49" name="立方体 48"/>
           <p:cNvSpPr/>
           <p:nvPr/>
         </p:nvSpPr>
         <p:spPr>
           <a:xfrm>
-            <a:off x="6019208" y="3471804"/>
+            <a:off x="7292951" y="3448050"/>
             <a:ext cx="806517" cy="348920"/>
           </a:xfrm>
           <a:prstGeom prst="cube">
@@ -11572,13 +11402,185 @@
       </p:sp>
       <p:sp>
         <p:nvSpPr>
-          <p:cNvPr id="49" name="立方体 48"/>
+          <p:cNvPr id="52" name="立方体 51"/>
           <p:cNvSpPr/>
           <p:nvPr/>
         </p:nvSpPr>
         <p:spPr>
           <a:xfrm>
-            <a:off x="7292951" y="3448050"/>
+            <a:off x="6019206" y="3211827"/>
+            <a:ext cx="806517" cy="348920"/>
+          </a:xfrm>
+          <a:prstGeom prst="cube">
+            <a:avLst/>
+          </a:prstGeom>
+          <a:solidFill>
+            <a:schemeClr val="bg1"/>
+          </a:solidFill>
+          <a:ln w="12700"/>
+        </p:spPr>
+        <p:style>
+          <a:lnRef idx="2">
+            <a:schemeClr val="accent1">
+              <a:shade val="50000"/>
+            </a:schemeClr>
+          </a:lnRef>
+          <a:fillRef idx="1">
+            <a:schemeClr val="accent1"/>
+          </a:fillRef>
+          <a:effectRef idx="0">
+            <a:schemeClr val="accent1"/>
+          </a:effectRef>
+          <a:fontRef idx="minor">
+            <a:schemeClr val="lt1"/>
+          </a:fontRef>
+        </p:style>
+        <p:txBody>
+          <a:bodyPr rtlCol="0" anchor="ctr"/>
+          <a:lstStyle/>
+          <a:p>
+            <a:pPr algn="ctr"/>
+            <a:r>
+              <a:rPr lang="en-US" altLang="zh-CN" sz="1200" dirty="0">
+                <a:solidFill>
+                  <a:schemeClr val="tx1"/>
+                </a:solidFill>
+              </a:rPr>
+              <a:t>b-&gt;lock</a:t>
+            </a:r>
+            <a:endParaRPr lang="en-US" altLang="zh-CN" sz="1200" dirty="0">
+              <a:solidFill>
+                <a:schemeClr val="tx1"/>
+              </a:solidFill>
+            </a:endParaRPr>
+          </a:p>
+        </p:txBody>
+      </p:sp>
+      <p:sp>
+        <p:nvSpPr>
+          <p:cNvPr id="53" name="立方体 52"/>
+          <p:cNvSpPr/>
+          <p:nvPr/>
+        </p:nvSpPr>
+        <p:spPr>
+          <a:xfrm>
+            <a:off x="7292949" y="3212428"/>
+            <a:ext cx="806517" cy="348920"/>
+          </a:xfrm>
+          <a:prstGeom prst="cube">
+            <a:avLst/>
+          </a:prstGeom>
+          <a:solidFill>
+            <a:schemeClr val="bg1"/>
+          </a:solidFill>
+          <a:ln w="12700"/>
+        </p:spPr>
+        <p:style>
+          <a:lnRef idx="2">
+            <a:schemeClr val="accent1">
+              <a:shade val="50000"/>
+            </a:schemeClr>
+          </a:lnRef>
+          <a:fillRef idx="1">
+            <a:schemeClr val="accent1"/>
+          </a:fillRef>
+          <a:effectRef idx="0">
+            <a:schemeClr val="accent1"/>
+          </a:effectRef>
+          <a:fontRef idx="minor">
+            <a:schemeClr val="lt1"/>
+          </a:fontRef>
+        </p:style>
+        <p:txBody>
+          <a:bodyPr rtlCol="0" anchor="ctr"/>
+          <a:lstStyle/>
+          <a:p>
+            <a:pPr algn="ctr"/>
+            <a:r>
+              <a:rPr lang="en-US" altLang="zh-CN" sz="1200" dirty="0">
+                <a:solidFill>
+                  <a:schemeClr val="tx1"/>
+                </a:solidFill>
+              </a:rPr>
+              <a:t>b-&gt;lock</a:t>
+            </a:r>
+            <a:endParaRPr lang="en-US" altLang="zh-CN" sz="1200" dirty="0">
+              <a:solidFill>
+                <a:schemeClr val="tx1"/>
+              </a:solidFill>
+            </a:endParaRPr>
+          </a:p>
+        </p:txBody>
+      </p:sp>
+      <p:sp>
+        <p:nvSpPr>
+          <p:cNvPr id="54" name="立方体 53"/>
+          <p:cNvSpPr/>
+          <p:nvPr/>
+        </p:nvSpPr>
+        <p:spPr>
+          <a:xfrm>
+            <a:off x="5059796" y="3723668"/>
+            <a:ext cx="806517" cy="348920"/>
+          </a:xfrm>
+          <a:prstGeom prst="cube">
+            <a:avLst/>
+          </a:prstGeom>
+          <a:solidFill>
+            <a:schemeClr val="bg1"/>
+          </a:solidFill>
+          <a:ln w="12700"/>
+        </p:spPr>
+        <p:style>
+          <a:lnRef idx="2">
+            <a:schemeClr val="accent1">
+              <a:shade val="50000"/>
+            </a:schemeClr>
+          </a:lnRef>
+          <a:fillRef idx="1">
+            <a:schemeClr val="accent1"/>
+          </a:fillRef>
+          <a:effectRef idx="0">
+            <a:schemeClr val="accent1"/>
+          </a:effectRef>
+          <a:fontRef idx="minor">
+            <a:schemeClr val="lt1"/>
+          </a:fontRef>
+        </p:style>
+        <p:txBody>
+          <a:bodyPr rtlCol="0" anchor="ctr"/>
+          <a:lstStyle/>
+          <a:p>
+            <a:pPr algn="ctr"/>
+            <a:r>
+              <a:rPr lang="en-US" altLang="zh-CN" sz="800" dirty="0" smtClean="0">
+                <a:solidFill>
+                  <a:srgbClr val="FF0000"/>
+                </a:solidFill>
+                <a:latin typeface="微软雅黑" panose="020B0503020204020204" pitchFamily="34" charset="-122"/>
+                <a:ea typeface="微软雅黑" panose="020B0503020204020204" pitchFamily="34" charset="-122"/>
+              </a:rPr>
+              <a:t>timestamp</a:t>
+            </a:r>
+            <a:endParaRPr lang="zh-CN" altLang="en-US" sz="800" dirty="0">
+              <a:solidFill>
+                <a:srgbClr val="FF0000"/>
+              </a:solidFill>
+              <a:latin typeface="微软雅黑" panose="020B0503020204020204" pitchFamily="34" charset="-122"/>
+              <a:ea typeface="微软雅黑" panose="020B0503020204020204" pitchFamily="34" charset="-122"/>
+            </a:endParaRPr>
+          </a:p>
+        </p:txBody>
+      </p:sp>
+      <p:sp>
+        <p:nvSpPr>
+          <p:cNvPr id="55" name="立方体 54"/>
+          <p:cNvSpPr/>
+          <p:nvPr/>
+        </p:nvSpPr>
+        <p:spPr>
+          <a:xfrm>
+            <a:off x="5059797" y="3490252"/>
             <a:ext cx="806517" cy="348920"/>
           </a:xfrm>
           <a:prstGeom prst="cube">
@@ -11622,13 +11624,13 @@
       </p:sp>
       <p:sp>
         <p:nvSpPr>
-          <p:cNvPr id="50" name="立方体 49"/>
+          <p:cNvPr id="56" name="立方体 55"/>
           <p:cNvSpPr/>
           <p:nvPr/>
         </p:nvSpPr>
         <p:spPr>
           <a:xfrm>
-            <a:off x="4066884" y="3230275"/>
+            <a:off x="5059795" y="3230275"/>
             <a:ext cx="806517" cy="348920"/>
           </a:xfrm>
           <a:prstGeom prst="cube">
@@ -11678,13 +11680,13 @@
       </p:sp>
       <p:sp>
         <p:nvSpPr>
-          <p:cNvPr id="51" name="立方体 50"/>
+          <p:cNvPr id="57" name="立方体 56"/>
           <p:cNvSpPr/>
           <p:nvPr/>
         </p:nvSpPr>
         <p:spPr>
           <a:xfrm>
-            <a:off x="5050527" y="3228070"/>
+            <a:off x="4067520" y="3723668"/>
             <a:ext cx="806517" cy="348920"/>
           </a:xfrm>
           <a:prstGeom prst="cube">
@@ -11717,30 +11719,34 @@
           <a:p>
             <a:pPr algn="ctr"/>
             <a:r>
-              <a:rPr lang="en-US" altLang="zh-CN" sz="1200" dirty="0">
-                <a:solidFill>
-                  <a:schemeClr val="tx1"/>
-                </a:solidFill>
-              </a:rPr>
-              <a:t>b-&gt;lock</a:t>
-            </a:r>
-            <a:endParaRPr lang="en-US" altLang="zh-CN" sz="1200" dirty="0">
+              <a:rPr lang="en-US" altLang="zh-CN" sz="800" dirty="0" smtClean="0">
+                <a:solidFill>
+                  <a:srgbClr val="FF0000"/>
+                </a:solidFill>
+                <a:latin typeface="微软雅黑" panose="020B0503020204020204" pitchFamily="34" charset="-122"/>
+                <a:ea typeface="微软雅黑" panose="020B0503020204020204" pitchFamily="34" charset="-122"/>
+              </a:rPr>
+              <a:t>timestamp</a:t>
+            </a:r>
+            <a:endParaRPr lang="zh-CN" altLang="en-US" sz="800" dirty="0">
               <a:solidFill>
-                <a:schemeClr val="tx1"/>
+                <a:srgbClr val="FF0000"/>
               </a:solidFill>
+              <a:latin typeface="微软雅黑" panose="020B0503020204020204" pitchFamily="34" charset="-122"/>
+              <a:ea typeface="微软雅黑" panose="020B0503020204020204" pitchFamily="34" charset="-122"/>
             </a:endParaRPr>
           </a:p>
         </p:txBody>
       </p:sp>
       <p:sp>
         <p:nvSpPr>
-          <p:cNvPr id="52" name="立方体 51"/>
+          <p:cNvPr id="58" name="立方体 57"/>
           <p:cNvSpPr/>
           <p:nvPr/>
         </p:nvSpPr>
         <p:spPr>
           <a:xfrm>
-            <a:off x="6019206" y="3211827"/>
+            <a:off x="4067521" y="3490252"/>
             <a:ext cx="806517" cy="348920"/>
           </a:xfrm>
           <a:prstGeom prst="cube">
@@ -11772,31 +11778,25 @@
           <a:lstStyle/>
           <a:p>
             <a:pPr algn="ctr"/>
-            <a:r>
-              <a:rPr lang="en-US" altLang="zh-CN" sz="1200" dirty="0">
-                <a:solidFill>
-                  <a:schemeClr val="tx1"/>
-                </a:solidFill>
-              </a:rPr>
-              <a:t>b-&gt;lock</a:t>
-            </a:r>
-            <a:endParaRPr lang="en-US" altLang="zh-CN" sz="1200" dirty="0">
+            <a:endParaRPr lang="zh-CN" altLang="en-US" sz="1200" dirty="0">
               <a:solidFill>
-                <a:schemeClr val="tx1"/>
+                <a:srgbClr val="FF0000"/>
               </a:solidFill>
+              <a:latin typeface="微软雅黑" panose="020B0503020204020204" pitchFamily="34" charset="-122"/>
+              <a:ea typeface="微软雅黑" panose="020B0503020204020204" pitchFamily="34" charset="-122"/>
             </a:endParaRPr>
           </a:p>
         </p:txBody>
       </p:sp>
       <p:sp>
         <p:nvSpPr>
-          <p:cNvPr id="53" name="立方体 52"/>
+          <p:cNvPr id="59" name="立方体 58"/>
           <p:cNvSpPr/>
           <p:nvPr/>
         </p:nvSpPr>
         <p:spPr>
           <a:xfrm>
-            <a:off x="7292949" y="3212428"/>
+            <a:off x="4067519" y="3230275"/>
             <a:ext cx="806517" cy="348920"/>
           </a:xfrm>
           <a:prstGeom prst="cube">
@@ -11878,7 +11878,7 @@
                             </p:stCondLst>
                             <p:childTnLst>
                               <p:par>
-                                <p:cTn id="5" presetID="16" presetClass="entr" presetSubtype="21" fill="hold" grpId="0" nodeType="withEffect">
+                                <p:cTn id="5" presetID="16" presetClass="entr" presetSubtype="21" fill="hold" nodeType="withEffect">
                                   <p:stCondLst>
                                     <p:cond delay="0"/>
                                   </p:stCondLst>
@@ -11891,7 +11891,7 @@
                                           </p:stCondLst>
                                         </p:cTn>
                                         <p:tgtEl>
-                                          <p:spTgt spid="38"/>
+                                          <p:spTgt spid="41"/>
                                         </p:tgtEl>
                                         <p:attrNameLst>
                                           <p:attrName>style.visibility</p:attrName>
@@ -11905,7 +11905,7 @@
                                       <p:cBhvr>
                                         <p:cTn id="7" dur="500"/>
                                         <p:tgtEl>
-                                          <p:spTgt spid="38"/>
+                                          <p:spTgt spid="41"/>
                                         </p:tgtEl>
                                       </p:cBhvr>
                                     </p:animEffect>
@@ -11926,7 +11926,7 @@
                                           </p:stCondLst>
                                         </p:cTn>
                                         <p:tgtEl>
-                                          <p:spTgt spid="41"/>
+                                          <p:spTgt spid="43"/>
                                         </p:tgtEl>
                                         <p:attrNameLst>
                                           <p:attrName>style.visibility</p:attrName>
@@ -11939,41 +11939,6 @@
                                     <p:animEffect transition="in" filter="barn(inVertical)">
                                       <p:cBhvr>
                                         <p:cTn id="10" dur="500"/>
-                                        <p:tgtEl>
-                                          <p:spTgt spid="41"/>
-                                        </p:tgtEl>
-                                      </p:cBhvr>
-                                    </p:animEffect>
-                                  </p:childTnLst>
-                                </p:cTn>
-                              </p:par>
-                              <p:par>
-                                <p:cTn id="11" presetID="16" presetClass="entr" presetSubtype="21" fill="hold" nodeType="withEffect">
-                                  <p:stCondLst>
-                                    <p:cond delay="0"/>
-                                  </p:stCondLst>
-                                  <p:childTnLst>
-                                    <p:set>
-                                      <p:cBhvr>
-                                        <p:cTn id="12" dur="1" fill="hold">
-                                          <p:stCondLst>
-                                            <p:cond delay="0"/>
-                                          </p:stCondLst>
-                                        </p:cTn>
-                                        <p:tgtEl>
-                                          <p:spTgt spid="43"/>
-                                        </p:tgtEl>
-                                        <p:attrNameLst>
-                                          <p:attrName>style.visibility</p:attrName>
-                                        </p:attrNameLst>
-                                      </p:cBhvr>
-                                      <p:to>
-                                        <p:strVal val="visible"/>
-                                      </p:to>
-                                    </p:set>
-                                    <p:animEffect transition="in" filter="barn(inVertical)">
-                                      <p:cBhvr>
-                                        <p:cTn id="13" dur="500"/>
                                         <p:tgtEl>
                                           <p:spTgt spid="43"/>
                                         </p:tgtEl>
@@ -11989,32 +11954,67 @@
                     </p:cTn>
                   </p:par>
                   <p:par>
-                    <p:cTn id="14" fill="hold">
+                    <p:cTn id="11" fill="hold">
                       <p:stCondLst>
                         <p:cond delay="indefinite"/>
                       </p:stCondLst>
                       <p:childTnLst>
                         <p:par>
-                          <p:cTn id="15" fill="hold">
+                          <p:cTn id="12" fill="hold">
                             <p:stCondLst>
                               <p:cond delay="0"/>
                             </p:stCondLst>
                             <p:childTnLst>
                               <p:par>
-                                <p:cTn id="16" presetID="16" presetClass="entr" presetSubtype="21" fill="hold" grpId="0" nodeType="clickEffect">
+                                <p:cTn id="13" presetID="16" presetClass="entr" presetSubtype="21" fill="hold" grpId="0" nodeType="clickEffect">
                                   <p:stCondLst>
                                     <p:cond delay="0"/>
                                   </p:stCondLst>
                                   <p:childTnLst>
                                     <p:set>
                                       <p:cBhvr>
+                                        <p:cTn id="14" dur="1" fill="hold">
+                                          <p:stCondLst>
+                                            <p:cond delay="0"/>
+                                          </p:stCondLst>
+                                        </p:cTn>
+                                        <p:tgtEl>
+                                          <p:spTgt spid="46"/>
+                                        </p:tgtEl>
+                                        <p:attrNameLst>
+                                          <p:attrName>style.visibility</p:attrName>
+                                        </p:attrNameLst>
+                                      </p:cBhvr>
+                                      <p:to>
+                                        <p:strVal val="visible"/>
+                                      </p:to>
+                                    </p:set>
+                                    <p:animEffect transition="in" filter="barn(inVertical)">
+                                      <p:cBhvr>
+                                        <p:cTn id="15" dur="500"/>
+                                        <p:tgtEl>
+                                          <p:spTgt spid="46"/>
+                                        </p:tgtEl>
+                                      </p:cBhvr>
+                                    </p:animEffect>
+                                  </p:childTnLst>
+                                </p:cTn>
+                              </p:par>
+                              <p:par>
+                                <p:cTn id="16" presetID="16" presetClass="entr" presetSubtype="21" fill="hold" grpId="0" nodeType="withEffect">
+                                  <p:stCondLst>
+                                    <p:cond delay="0"/>
+                                  </p:stCondLst>
+                                  <p:childTnLst>
+                                    <p:set>
+                                      <p:cBhvr>
                                         <p:cTn id="17" dur="1" fill="hold">
                                           <p:stCondLst>
                                             <p:cond delay="0"/>
                                           </p:stCondLst>
                                         </p:cTn>
                                         <p:tgtEl>
-                                          <p:spTgt spid="46"/>
+                                          <p:spTgt spid="45"/>
                                         </p:tgtEl>
                                         <p:attrNameLst>
                                           <p:attrName>style.visibility</p:attrName>
@@ -12028,7 +12028,7 @@
                                       <p:cBhvr>
                                         <p:cTn id="18" dur="500"/>
                                         <p:tgtEl>
-                                          <p:spTgt spid="46"/>
+                                          <p:spTgt spid="45"/>
                                         </p:tgtEl>
                                       </p:cBhvr>
                                     </p:animEffect>
@@ -12049,7 +12049,7 @@
                                           </p:stCondLst>
                                         </p:cTn>
                                         <p:tgtEl>
-                                          <p:spTgt spid="45"/>
+                                          <p:spTgt spid="48"/>
                                         </p:tgtEl>
                                         <p:attrNameLst>
                                           <p:attrName>style.visibility</p:attrName>
@@ -12063,7 +12063,7 @@
                                       <p:cBhvr>
                                         <p:cTn id="21" dur="500"/>
                                         <p:tgtEl>
-                                          <p:spTgt spid="45"/>
+                                          <p:spTgt spid="48"/>
                                         </p:tgtEl>
                                       </p:cBhvr>
                                     </p:animEffect>
@@ -12084,7 +12084,7 @@
                                           </p:stCondLst>
                                         </p:cTn>
                                         <p:tgtEl>
-                                          <p:spTgt spid="47"/>
+                                          <p:spTgt spid="49"/>
                                         </p:tgtEl>
                                         <p:attrNameLst>
                                           <p:attrName>style.visibility</p:attrName>
@@ -12098,7 +12098,7 @@
                                       <p:cBhvr>
                                         <p:cTn id="24" dur="500"/>
                                         <p:tgtEl>
-                                          <p:spTgt spid="47"/>
+                                          <p:spTgt spid="49"/>
                                         </p:tgtEl>
                                       </p:cBhvr>
                                     </p:animEffect>
@@ -12119,7 +12119,7 @@
                                           </p:stCondLst>
                                         </p:cTn>
                                         <p:tgtEl>
-                                          <p:spTgt spid="48"/>
+                                          <p:spTgt spid="34"/>
                                         </p:tgtEl>
                                         <p:attrNameLst>
                                           <p:attrName>style.visibility</p:attrName>
@@ -12133,7 +12133,7 @@
                                       <p:cBhvr>
                                         <p:cTn id="27" dur="500"/>
                                         <p:tgtEl>
-                                          <p:spTgt spid="48"/>
+                                          <p:spTgt spid="34"/>
                                         </p:tgtEl>
                                       </p:cBhvr>
                                     </p:animEffect>
@@ -12154,7 +12154,7 @@
                                           </p:stCondLst>
                                         </p:cTn>
                                         <p:tgtEl>
-                                          <p:spTgt spid="49"/>
+                                          <p:spTgt spid="33"/>
                                         </p:tgtEl>
                                         <p:attrNameLst>
                                           <p:attrName>style.visibility</p:attrName>
@@ -12168,7 +12168,7 @@
                                       <p:cBhvr>
                                         <p:cTn id="30" dur="500"/>
                                         <p:tgtEl>
-                                          <p:spTgt spid="49"/>
+                                          <p:spTgt spid="33"/>
                                         </p:tgtEl>
                                       </p:cBhvr>
                                     </p:animEffect>
@@ -12189,7 +12189,7 @@
                                           </p:stCondLst>
                                         </p:cTn>
                                         <p:tgtEl>
-                                          <p:spTgt spid="36"/>
+                                          <p:spTgt spid="52"/>
                                         </p:tgtEl>
                                         <p:attrNameLst>
                                           <p:attrName>style.visibility</p:attrName>
@@ -12203,7 +12203,7 @@
                                       <p:cBhvr>
                                         <p:cTn id="33" dur="500"/>
                                         <p:tgtEl>
-                                          <p:spTgt spid="36"/>
+                                          <p:spTgt spid="52"/>
                                         </p:tgtEl>
                                       </p:cBhvr>
                                     </p:animEffect>
@@ -12224,7 +12224,7 @@
                                           </p:stCondLst>
                                         </p:cTn>
                                         <p:tgtEl>
-                                          <p:spTgt spid="35"/>
+                                          <p:spTgt spid="53"/>
                                         </p:tgtEl>
                                         <p:attrNameLst>
                                           <p:attrName>style.visibility</p:attrName>
@@ -12238,7 +12238,7 @@
                                       <p:cBhvr>
                                         <p:cTn id="36" dur="500"/>
                                         <p:tgtEl>
-                                          <p:spTgt spid="35"/>
+                                          <p:spTgt spid="53"/>
                                         </p:tgtEl>
                                       </p:cBhvr>
                                     </p:animEffect>
@@ -12259,7 +12259,7 @@
                                           </p:stCondLst>
                                         </p:cTn>
                                         <p:tgtEl>
-                                          <p:spTgt spid="34"/>
+                                          <p:spTgt spid="55"/>
                                         </p:tgtEl>
                                         <p:attrNameLst>
                                           <p:attrName>style.visibility</p:attrName>
@@ -12273,7 +12273,7 @@
                                       <p:cBhvr>
                                         <p:cTn id="39" dur="500"/>
                                         <p:tgtEl>
-                                          <p:spTgt spid="34"/>
+                                          <p:spTgt spid="55"/>
                                         </p:tgtEl>
                                       </p:cBhvr>
                                     </p:animEffect>
@@ -12294,7 +12294,7 @@
                                           </p:stCondLst>
                                         </p:cTn>
                                         <p:tgtEl>
-                                          <p:spTgt spid="33"/>
+                                          <p:spTgt spid="54"/>
                                         </p:tgtEl>
                                         <p:attrNameLst>
                                           <p:attrName>style.visibility</p:attrName>
@@ -12308,7 +12308,7 @@
                                       <p:cBhvr>
                                         <p:cTn id="42" dur="500"/>
                                         <p:tgtEl>
-                                          <p:spTgt spid="33"/>
+                                          <p:spTgt spid="54"/>
                                         </p:tgtEl>
                                       </p:cBhvr>
                                     </p:animEffect>
@@ -12329,7 +12329,7 @@
                                           </p:stCondLst>
                                         </p:cTn>
                                         <p:tgtEl>
-                                          <p:spTgt spid="50"/>
+                                          <p:spTgt spid="56"/>
                                         </p:tgtEl>
                                         <p:attrNameLst>
                                           <p:attrName>style.visibility</p:attrName>
@@ -12343,7 +12343,7 @@
                                       <p:cBhvr>
                                         <p:cTn id="45" dur="500"/>
                                         <p:tgtEl>
-                                          <p:spTgt spid="50"/>
+                                          <p:spTgt spid="56"/>
                                         </p:tgtEl>
                                       </p:cBhvr>
                                     </p:animEffect>
@@ -12364,7 +12364,7 @@
                                           </p:stCondLst>
                                         </p:cTn>
                                         <p:tgtEl>
-                                          <p:spTgt spid="51"/>
+                                          <p:spTgt spid="58"/>
                                         </p:tgtEl>
                                         <p:attrNameLst>
                                           <p:attrName>style.visibility</p:attrName>
@@ -12378,7 +12378,7 @@
                                       <p:cBhvr>
                                         <p:cTn id="48" dur="500"/>
                                         <p:tgtEl>
-                                          <p:spTgt spid="51"/>
+                                          <p:spTgt spid="58"/>
                                         </p:tgtEl>
                                       </p:cBhvr>
                                     </p:animEffect>
@@ -12399,7 +12399,7 @@
                                           </p:stCondLst>
                                         </p:cTn>
                                         <p:tgtEl>
-                                          <p:spTgt spid="52"/>
+                                          <p:spTgt spid="57"/>
                                         </p:tgtEl>
                                         <p:attrNameLst>
                                           <p:attrName>style.visibility</p:attrName>
@@ -12413,7 +12413,7 @@
                                       <p:cBhvr>
                                         <p:cTn id="51" dur="500"/>
                                         <p:tgtEl>
-                                          <p:spTgt spid="52"/>
+                                          <p:spTgt spid="57"/>
                                         </p:tgtEl>
                                       </p:cBhvr>
                                     </p:animEffect>
@@ -12434,7 +12434,7 @@
                                           </p:stCondLst>
                                         </p:cTn>
                                         <p:tgtEl>
-                                          <p:spTgt spid="53"/>
+                                          <p:spTgt spid="59"/>
                                         </p:tgtEl>
                                         <p:attrNameLst>
                                           <p:attrName>style.visibility</p:attrName>
@@ -12448,7 +12448,7 @@
                                       <p:cBhvr>
                                         <p:cTn id="54" dur="500"/>
                                         <p:tgtEl>
-                                          <p:spTgt spid="53"/>
+                                          <p:spTgt spid="59"/>
                                         </p:tgtEl>
                                       </p:cBhvr>
                                     </p:animEffect>
@@ -12485,18 +12485,18 @@
     <p:bldLst>
       <p:bldP spid="33" grpId="0" animBg="1"/>
       <p:bldP spid="34" grpId="0" animBg="1"/>
-      <p:bldP spid="35" grpId="0" animBg="1"/>
-      <p:bldP spid="36" grpId="0" animBg="1"/>
-      <p:bldP spid="38" grpId="0" animBg="1"/>
       <p:bldP spid="45" grpId="0"/>
       <p:bldP spid="46" grpId="0" animBg="1"/>
-      <p:bldP spid="47" grpId="0" animBg="1"/>
       <p:bldP spid="48" grpId="0" animBg="1"/>
       <p:bldP spid="49" grpId="0" animBg="1"/>
-      <p:bldP spid="50" grpId="0" animBg="1"/>
-      <p:bldP spid="51" grpId="0" animBg="1"/>
       <p:bldP spid="52" grpId="0" animBg="1"/>
       <p:bldP spid="53" grpId="0" animBg="1"/>
+      <p:bldP spid="54" grpId="0" animBg="1"/>
+      <p:bldP spid="55" grpId="0" animBg="1"/>
+      <p:bldP spid="56" grpId="0" animBg="1"/>
+      <p:bldP spid="57" grpId="0" animBg="1"/>
+      <p:bldP spid="58" grpId="0" animBg="1"/>
+      <p:bldP spid="59" grpId="0" animBg="1"/>
     </p:bldLst>
   </p:timing>
 </p:sld>

--- a/ppt/图.pptx
+++ b/ppt/图.pptx
@@ -15,6 +15,7 @@
     <p:sldId id="262" r:id="rId9"/>
     <p:sldId id="259" r:id="rId10"/>
     <p:sldId id="263" r:id="rId11"/>
+    <p:sldId id="266" r:id="rId12"/>
   </p:sldIdLst>
   <p:sldSz cx="12192000" cy="6858000"/>
   <p:notesSz cx="6858000" cy="9144000"/>
@@ -252,7 +253,7 @@
           <a:p>
             <a:fld id="{F0B9B6C9-3441-4C34-9D03-83756ADC5209}" type="datetimeFigureOut">
               <a:rPr lang="zh-CN" altLang="en-US" smtClean="0"/>
-              <a:t>2022/10/13</a:t>
+              <a:t>2022/10/24</a:t>
             </a:fld>
             <a:endParaRPr lang="zh-CN" altLang="en-US"/>
           </a:p>
@@ -422,7 +423,7 @@
           <a:p>
             <a:fld id="{F0B9B6C9-3441-4C34-9D03-83756ADC5209}" type="datetimeFigureOut">
               <a:rPr lang="zh-CN" altLang="en-US" smtClean="0"/>
-              <a:t>2022/10/13</a:t>
+              <a:t>2022/10/24</a:t>
             </a:fld>
             <a:endParaRPr lang="zh-CN" altLang="en-US"/>
           </a:p>
@@ -602,7 +603,7 @@
           <a:p>
             <a:fld id="{F0B9B6C9-3441-4C34-9D03-83756ADC5209}" type="datetimeFigureOut">
               <a:rPr lang="zh-CN" altLang="en-US" smtClean="0"/>
-              <a:t>2022/10/13</a:t>
+              <a:t>2022/10/24</a:t>
             </a:fld>
             <a:endParaRPr lang="zh-CN" altLang="en-US"/>
           </a:p>
@@ -772,7 +773,7 @@
           <a:p>
             <a:fld id="{F0B9B6C9-3441-4C34-9D03-83756ADC5209}" type="datetimeFigureOut">
               <a:rPr lang="zh-CN" altLang="en-US" smtClean="0"/>
-              <a:t>2022/10/13</a:t>
+              <a:t>2022/10/24</a:t>
             </a:fld>
             <a:endParaRPr lang="zh-CN" altLang="en-US"/>
           </a:p>
@@ -1018,7 +1019,7 @@
           <a:p>
             <a:fld id="{F0B9B6C9-3441-4C34-9D03-83756ADC5209}" type="datetimeFigureOut">
               <a:rPr lang="zh-CN" altLang="en-US" smtClean="0"/>
-              <a:t>2022/10/13</a:t>
+              <a:t>2022/10/24</a:t>
             </a:fld>
             <a:endParaRPr lang="zh-CN" altLang="en-US"/>
           </a:p>
@@ -1250,7 +1251,7 @@
           <a:p>
             <a:fld id="{F0B9B6C9-3441-4C34-9D03-83756ADC5209}" type="datetimeFigureOut">
               <a:rPr lang="zh-CN" altLang="en-US" smtClean="0"/>
-              <a:t>2022/10/13</a:t>
+              <a:t>2022/10/24</a:t>
             </a:fld>
             <a:endParaRPr lang="zh-CN" altLang="en-US"/>
           </a:p>
@@ -1617,7 +1618,7 @@
           <a:p>
             <a:fld id="{F0B9B6C9-3441-4C34-9D03-83756ADC5209}" type="datetimeFigureOut">
               <a:rPr lang="zh-CN" altLang="en-US" smtClean="0"/>
-              <a:t>2022/10/13</a:t>
+              <a:t>2022/10/24</a:t>
             </a:fld>
             <a:endParaRPr lang="zh-CN" altLang="en-US"/>
           </a:p>
@@ -1735,7 +1736,7 @@
           <a:p>
             <a:fld id="{F0B9B6C9-3441-4C34-9D03-83756ADC5209}" type="datetimeFigureOut">
               <a:rPr lang="zh-CN" altLang="en-US" smtClean="0"/>
-              <a:t>2022/10/13</a:t>
+              <a:t>2022/10/24</a:t>
             </a:fld>
             <a:endParaRPr lang="zh-CN" altLang="en-US"/>
           </a:p>
@@ -1830,7 +1831,7 @@
           <a:p>
             <a:fld id="{F0B9B6C9-3441-4C34-9D03-83756ADC5209}" type="datetimeFigureOut">
               <a:rPr lang="zh-CN" altLang="en-US" smtClean="0"/>
-              <a:t>2022/10/13</a:t>
+              <a:t>2022/10/24</a:t>
             </a:fld>
             <a:endParaRPr lang="zh-CN" altLang="en-US"/>
           </a:p>
@@ -2107,7 +2108,7 @@
           <a:p>
             <a:fld id="{F0B9B6C9-3441-4C34-9D03-83756ADC5209}" type="datetimeFigureOut">
               <a:rPr lang="zh-CN" altLang="en-US" smtClean="0"/>
-              <a:t>2022/10/13</a:t>
+              <a:t>2022/10/24</a:t>
             </a:fld>
             <a:endParaRPr lang="zh-CN" altLang="en-US"/>
           </a:p>
@@ -2360,7 +2361,7 @@
           <a:p>
             <a:fld id="{F0B9B6C9-3441-4C34-9D03-83756ADC5209}" type="datetimeFigureOut">
               <a:rPr lang="zh-CN" altLang="en-US" smtClean="0"/>
-              <a:t>2022/10/13</a:t>
+              <a:t>2022/10/24</a:t>
             </a:fld>
             <a:endParaRPr lang="zh-CN" altLang="en-US"/>
           </a:p>
@@ -2573,7 +2574,7 @@
           <a:p>
             <a:fld id="{F0B9B6C9-3441-4C34-9D03-83756ADC5209}" type="datetimeFigureOut">
               <a:rPr lang="zh-CN" altLang="en-US" smtClean="0"/>
-              <a:t>2022/10/13</a:t>
+              <a:t>2022/10/24</a:t>
             </a:fld>
             <a:endParaRPr lang="zh-CN" altLang="en-US"/>
           </a:p>
@@ -9525,6 +9526,996 @@
       <p:bldP spid="93" grpId="0" animBg="1"/>
       <p:bldP spid="94" grpId="0" animBg="1"/>
       <p:bldP spid="96" grpId="0" animBg="1"/>
+    </p:bldLst>
+  </p:timing>
+</p:sld>
+</file>
+
+<file path=ppt/slides/slide11.xml><?xml version="1.0" encoding="utf-8"?>
+<p:sld xmlns:a="http://schemas.openxmlformats.org/drawingml/2006/main" xmlns:r="http://schemas.openxmlformats.org/officeDocument/2006/relationships" xmlns:p="http://schemas.openxmlformats.org/presentationml/2006/main">
+  <p:cSld>
+    <p:spTree>
+      <p:nvGrpSpPr>
+        <p:cNvPr id="1" name=""/>
+        <p:cNvGrpSpPr/>
+        <p:nvPr/>
+      </p:nvGrpSpPr>
+      <p:grpSpPr>
+        <a:xfrm>
+          <a:off x="0" y="0"/>
+          <a:ext cx="0" cy="0"/>
+          <a:chOff x="0" y="0"/>
+          <a:chExt cx="0" cy="0"/>
+        </a:xfrm>
+      </p:grpSpPr>
+      <p:pic>
+        <p:nvPicPr>
+          <p:cNvPr id="4" name="Picture 2"/>
+          <p:cNvPicPr>
+            <a:picLocks noChangeAspect="1" noChangeArrowheads="1"/>
+          </p:cNvPicPr>
+          <p:nvPr/>
+        </p:nvPicPr>
+        <p:blipFill>
+          <a:blip r:embed="rId2">
+            <a:extLst>
+              <a:ext uri="{28A0092B-C50C-407E-A947-70E740481C1C}">
+                <a14:useLocalDpi xmlns:a14="http://schemas.microsoft.com/office/drawing/2010/main" val="0"/>
+              </a:ext>
+            </a:extLst>
+          </a:blip>
+          <a:srcRect/>
+          <a:stretch>
+            <a:fillRect/>
+          </a:stretch>
+        </p:blipFill>
+        <p:spPr bwMode="auto">
+          <a:xfrm>
+            <a:off x="2942117" y="1256347"/>
+            <a:ext cx="5116149" cy="4464333"/>
+          </a:xfrm>
+          <a:prstGeom prst="rect">
+            <a:avLst/>
+          </a:prstGeom>
+          <a:noFill/>
+          <a:ln>
+            <a:noFill/>
+          </a:ln>
+          <a:effectLst/>
+          <a:extLst>
+            <a:ext uri="{909E8E84-426E-40DD-AFC4-6F175D3DCCD1}">
+              <a14:hiddenFill xmlns:a14="http://schemas.microsoft.com/office/drawing/2010/main">
+                <a:solidFill>
+                  <a:schemeClr val="accent1"/>
+                </a:solidFill>
+              </a14:hiddenFill>
+            </a:ext>
+            <a:ext uri="{91240B29-F687-4F45-9708-019B960494DF}">
+              <a14:hiddenLine xmlns:a14="http://schemas.microsoft.com/office/drawing/2010/main" w="9525">
+                <a:solidFill>
+                  <a:schemeClr val="tx1"/>
+                </a:solidFill>
+                <a:miter lim="800000"/>
+                <a:headEnd/>
+                <a:tailEnd/>
+              </a14:hiddenLine>
+            </a:ext>
+            <a:ext uri="{AF507438-7753-43E0-B8FC-AC1667EBCBE1}">
+              <a14:hiddenEffects xmlns:a14="http://schemas.microsoft.com/office/drawing/2010/main">
+                <a:effectLst>
+                  <a:outerShdw dist="35921" dir="2700000" algn="ctr" rotWithShape="0">
+                    <a:schemeClr val="bg2"/>
+                  </a:outerShdw>
+                </a:effectLst>
+              </a14:hiddenEffects>
+            </a:ext>
+          </a:extLst>
+        </p:spPr>
+      </p:pic>
+      <p:cxnSp>
+        <p:nvCxnSpPr>
+          <p:cNvPr id="5" name="直接连接符 4"/>
+          <p:cNvCxnSpPr/>
+          <p:nvPr/>
+        </p:nvCxnSpPr>
+        <p:spPr>
+          <a:xfrm>
+            <a:off x="2995448" y="5200255"/>
+            <a:ext cx="2202180" cy="0"/>
+          </a:xfrm>
+          <a:prstGeom prst="line">
+            <a:avLst/>
+          </a:prstGeom>
+          <a:ln>
+            <a:solidFill>
+              <a:schemeClr val="tx1"/>
+            </a:solidFill>
+          </a:ln>
+        </p:spPr>
+        <p:style>
+          <a:lnRef idx="1">
+            <a:schemeClr val="accent1"/>
+          </a:lnRef>
+          <a:fillRef idx="0">
+            <a:schemeClr val="accent1"/>
+          </a:fillRef>
+          <a:effectRef idx="0">
+            <a:schemeClr val="accent1"/>
+          </a:effectRef>
+          <a:fontRef idx="minor">
+            <a:schemeClr val="tx1"/>
+          </a:fontRef>
+        </p:style>
+      </p:cxnSp>
+      <p:cxnSp>
+        <p:nvCxnSpPr>
+          <p:cNvPr id="6" name="直接连接符 5"/>
+          <p:cNvCxnSpPr/>
+          <p:nvPr/>
+        </p:nvCxnSpPr>
+        <p:spPr>
+          <a:xfrm>
+            <a:off x="2942117" y="4376630"/>
+            <a:ext cx="2279800" cy="6679"/>
+          </a:xfrm>
+          <a:prstGeom prst="line">
+            <a:avLst/>
+          </a:prstGeom>
+          <a:ln>
+            <a:solidFill>
+              <a:schemeClr val="tx1"/>
+            </a:solidFill>
+          </a:ln>
+        </p:spPr>
+        <p:style>
+          <a:lnRef idx="1">
+            <a:schemeClr val="accent1"/>
+          </a:lnRef>
+          <a:fillRef idx="0">
+            <a:schemeClr val="accent1"/>
+          </a:fillRef>
+          <a:effectRef idx="0">
+            <a:schemeClr val="accent1"/>
+          </a:effectRef>
+          <a:fontRef idx="minor">
+            <a:schemeClr val="tx1"/>
+          </a:fontRef>
+        </p:style>
+      </p:cxnSp>
+      <p:sp>
+        <p:nvSpPr>
+          <p:cNvPr id="7" name="TextBox 26"/>
+          <p:cNvSpPr txBox="1"/>
+          <p:nvPr/>
+        </p:nvSpPr>
+        <p:spPr>
+          <a:xfrm>
+            <a:off x="2884784" y="4605054"/>
+            <a:ext cx="1061436" cy="415498"/>
+          </a:xfrm>
+          <a:prstGeom prst="rect">
+            <a:avLst/>
+          </a:prstGeom>
+          <a:noFill/>
+        </p:spPr>
+        <p:txBody>
+          <a:bodyPr wrap="square" rtlCol="0">
+            <a:spAutoFit/>
+          </a:bodyPr>
+          <a:lstStyle/>
+          <a:p>
+            <a:pPr algn="ctr"/>
+            <a:r>
+              <a:rPr lang="zh-CN" altLang="en-US" sz="1000" dirty="0" smtClean="0">
+                <a:solidFill>
+                  <a:srgbClr val="00B050"/>
+                </a:solidFill>
+                <a:latin typeface="微软雅黑" pitchFamily="34" charset="-122"/>
+                <a:ea typeface="微软雅黑" pitchFamily="34" charset="-122"/>
+              </a:rPr>
+              <a:t>用户可用的</a:t>
+            </a:r>
+            <a:endParaRPr lang="en-US" altLang="zh-CN" sz="1000" dirty="0" smtClean="0">
+              <a:solidFill>
+                <a:srgbClr val="00B050"/>
+              </a:solidFill>
+              <a:latin typeface="微软雅黑" pitchFamily="34" charset="-122"/>
+              <a:ea typeface="微软雅黑" pitchFamily="34" charset="-122"/>
+            </a:endParaRPr>
+          </a:p>
+          <a:p>
+            <a:pPr algn="ctr"/>
+            <a:r>
+              <a:rPr lang="zh-CN" altLang="en-US" sz="1000" dirty="0" smtClean="0">
+                <a:solidFill>
+                  <a:srgbClr val="00B050"/>
+                </a:solidFill>
+                <a:latin typeface="微软雅黑" pitchFamily="34" charset="-122"/>
+                <a:ea typeface="微软雅黑" pitchFamily="34" charset="-122"/>
+              </a:rPr>
+              <a:t>虚拟地址空间</a:t>
+            </a:r>
+            <a:endParaRPr lang="zh-CN" altLang="en-US" sz="1000" dirty="0">
+              <a:solidFill>
+                <a:srgbClr val="00B050"/>
+              </a:solidFill>
+              <a:latin typeface="微软雅黑" pitchFamily="34" charset="-122"/>
+              <a:ea typeface="微软雅黑" pitchFamily="34" charset="-122"/>
+            </a:endParaRPr>
+          </a:p>
+        </p:txBody>
+      </p:sp>
+      <p:cxnSp>
+        <p:nvCxnSpPr>
+          <p:cNvPr id="8" name="直接箭头连接符 7"/>
+          <p:cNvCxnSpPr/>
+          <p:nvPr/>
+        </p:nvCxnSpPr>
+        <p:spPr>
+          <a:xfrm>
+            <a:off x="3420189" y="5011898"/>
+            <a:ext cx="0" cy="188357"/>
+          </a:xfrm>
+          <a:prstGeom prst="straightConnector1">
+            <a:avLst/>
+          </a:prstGeom>
+          <a:ln>
+            <a:solidFill>
+              <a:srgbClr val="00B050"/>
+            </a:solidFill>
+            <a:tailEnd type="arrow"/>
+          </a:ln>
+        </p:spPr>
+        <p:style>
+          <a:lnRef idx="1">
+            <a:schemeClr val="accent1"/>
+          </a:lnRef>
+          <a:fillRef idx="0">
+            <a:schemeClr val="accent1"/>
+          </a:fillRef>
+          <a:effectRef idx="0">
+            <a:schemeClr val="accent1"/>
+          </a:effectRef>
+          <a:fontRef idx="minor">
+            <a:schemeClr val="tx1"/>
+          </a:fontRef>
+        </p:style>
+      </p:cxnSp>
+      <p:cxnSp>
+        <p:nvCxnSpPr>
+          <p:cNvPr id="9" name="直接箭头连接符 8"/>
+          <p:cNvCxnSpPr/>
+          <p:nvPr/>
+        </p:nvCxnSpPr>
+        <p:spPr>
+          <a:xfrm flipV="1">
+            <a:off x="3415502" y="4380134"/>
+            <a:ext cx="0" cy="218241"/>
+          </a:xfrm>
+          <a:prstGeom prst="straightConnector1">
+            <a:avLst/>
+          </a:prstGeom>
+          <a:ln>
+            <a:solidFill>
+              <a:srgbClr val="00B050"/>
+            </a:solidFill>
+            <a:tailEnd type="arrow"/>
+          </a:ln>
+        </p:spPr>
+        <p:style>
+          <a:lnRef idx="1">
+            <a:schemeClr val="accent1"/>
+          </a:lnRef>
+          <a:fillRef idx="0">
+            <a:schemeClr val="accent1"/>
+          </a:fillRef>
+          <a:effectRef idx="0">
+            <a:schemeClr val="accent1"/>
+          </a:effectRef>
+          <a:fontRef idx="minor">
+            <a:schemeClr val="tx1"/>
+          </a:fontRef>
+        </p:style>
+      </p:cxnSp>
+      <p:sp>
+        <p:nvSpPr>
+          <p:cNvPr id="10" name="矩形 9"/>
+          <p:cNvSpPr/>
+          <p:nvPr/>
+        </p:nvSpPr>
+        <p:spPr>
+          <a:xfrm>
+            <a:off x="3364312" y="1117373"/>
+            <a:ext cx="1833316" cy="261610"/>
+          </a:xfrm>
+          <a:prstGeom prst="rect">
+            <a:avLst/>
+          </a:prstGeom>
+        </p:spPr>
+        <p:txBody>
+          <a:bodyPr wrap="square">
+            <a:spAutoFit/>
+          </a:bodyPr>
+          <a:lstStyle/>
+          <a:p>
+            <a:r>
+              <a:rPr lang="zh-CN" altLang="en-US" sz="1100" b="1" dirty="0">
+                <a:solidFill>
+                  <a:srgbClr val="FF0000"/>
+                </a:solidFill>
+                <a:latin typeface="Roboto" panose="02000000000000000000" pitchFamily="2" charset="0"/>
+              </a:rPr>
+              <a:t>用户页表和内核页表合并</a:t>
+            </a:r>
+            <a:endParaRPr lang="zh-CN" altLang="en-US" sz="1100" b="1" i="0" dirty="0">
+              <a:solidFill>
+                <a:srgbClr val="FF0000"/>
+              </a:solidFill>
+              <a:effectLst/>
+              <a:latin typeface="Roboto" panose="02000000000000000000" pitchFamily="2" charset="0"/>
+            </a:endParaRPr>
+          </a:p>
+        </p:txBody>
+      </p:sp>
+      <p:cxnSp>
+        <p:nvCxnSpPr>
+          <p:cNvPr id="11" name="直接连接符 10"/>
+          <p:cNvCxnSpPr/>
+          <p:nvPr/>
+        </p:nvCxnSpPr>
+        <p:spPr>
+          <a:xfrm>
+            <a:off x="2956638" y="1526191"/>
+            <a:ext cx="2279800" cy="6679"/>
+          </a:xfrm>
+          <a:prstGeom prst="line">
+            <a:avLst/>
+          </a:prstGeom>
+          <a:ln>
+            <a:solidFill>
+              <a:schemeClr val="tx1"/>
+            </a:solidFill>
+          </a:ln>
+        </p:spPr>
+        <p:style>
+          <a:lnRef idx="1">
+            <a:schemeClr val="accent1"/>
+          </a:lnRef>
+          <a:fillRef idx="0">
+            <a:schemeClr val="accent1"/>
+          </a:fillRef>
+          <a:effectRef idx="0">
+            <a:schemeClr val="accent1"/>
+          </a:effectRef>
+          <a:fontRef idx="minor">
+            <a:schemeClr val="tx1"/>
+          </a:fontRef>
+        </p:style>
+      </p:cxnSp>
+      <p:cxnSp>
+        <p:nvCxnSpPr>
+          <p:cNvPr id="12" name="直接箭头连接符 11"/>
+          <p:cNvCxnSpPr>
+            <a:stCxn id="14" idx="0"/>
+          </p:cNvCxnSpPr>
+          <p:nvPr/>
+        </p:nvCxnSpPr>
+        <p:spPr>
+          <a:xfrm flipV="1">
+            <a:off x="3415502" y="1532871"/>
+            <a:ext cx="0" cy="1119951"/>
+          </a:xfrm>
+          <a:prstGeom prst="straightConnector1">
+            <a:avLst/>
+          </a:prstGeom>
+          <a:ln>
+            <a:solidFill>
+              <a:srgbClr val="0070C0"/>
+            </a:solidFill>
+            <a:tailEnd type="arrow"/>
+          </a:ln>
+        </p:spPr>
+        <p:style>
+          <a:lnRef idx="1">
+            <a:schemeClr val="accent1"/>
+          </a:lnRef>
+          <a:fillRef idx="0">
+            <a:schemeClr val="accent1"/>
+          </a:fillRef>
+          <a:effectRef idx="0">
+            <a:schemeClr val="accent1"/>
+          </a:effectRef>
+          <a:fontRef idx="minor">
+            <a:schemeClr val="tx1"/>
+          </a:fontRef>
+        </p:style>
+      </p:cxnSp>
+      <p:cxnSp>
+        <p:nvCxnSpPr>
+          <p:cNvPr id="13" name="直接箭头连接符 12"/>
+          <p:cNvCxnSpPr>
+            <a:stCxn id="14" idx="2"/>
+          </p:cNvCxnSpPr>
+          <p:nvPr/>
+        </p:nvCxnSpPr>
+        <p:spPr>
+          <a:xfrm>
+            <a:off x="3415502" y="3068320"/>
+            <a:ext cx="0" cy="1308310"/>
+          </a:xfrm>
+          <a:prstGeom prst="straightConnector1">
+            <a:avLst/>
+          </a:prstGeom>
+          <a:ln>
+            <a:solidFill>
+              <a:srgbClr val="0070C0"/>
+            </a:solidFill>
+            <a:tailEnd type="arrow"/>
+          </a:ln>
+        </p:spPr>
+        <p:style>
+          <a:lnRef idx="1">
+            <a:schemeClr val="accent1"/>
+          </a:lnRef>
+          <a:fillRef idx="0">
+            <a:schemeClr val="accent1"/>
+          </a:fillRef>
+          <a:effectRef idx="0">
+            <a:schemeClr val="accent1"/>
+          </a:effectRef>
+          <a:fontRef idx="minor">
+            <a:schemeClr val="tx1"/>
+          </a:fontRef>
+        </p:style>
+      </p:cxnSp>
+      <p:sp>
+        <p:nvSpPr>
+          <p:cNvPr id="14" name="TextBox 26"/>
+          <p:cNvSpPr txBox="1"/>
+          <p:nvPr/>
+        </p:nvSpPr>
+        <p:spPr>
+          <a:xfrm>
+            <a:off x="2884784" y="2652822"/>
+            <a:ext cx="1061436" cy="415498"/>
+          </a:xfrm>
+          <a:prstGeom prst="rect">
+            <a:avLst/>
+          </a:prstGeom>
+          <a:noFill/>
+        </p:spPr>
+        <p:txBody>
+          <a:bodyPr wrap="square" rtlCol="0">
+            <a:spAutoFit/>
+          </a:bodyPr>
+          <a:lstStyle/>
+          <a:p>
+            <a:pPr algn="ctr"/>
+            <a:r>
+              <a:rPr lang="zh-CN" altLang="en-US" sz="1000" dirty="0">
+                <a:solidFill>
+                  <a:srgbClr val="0070C0"/>
+                </a:solidFill>
+                <a:latin typeface="微软雅黑" pitchFamily="34" charset="-122"/>
+                <a:ea typeface="微软雅黑" pitchFamily="34" charset="-122"/>
+              </a:rPr>
+              <a:t>内核</a:t>
+            </a:r>
+            <a:r>
+              <a:rPr lang="zh-CN" altLang="en-US" sz="1000" dirty="0" smtClean="0">
+                <a:solidFill>
+                  <a:srgbClr val="0070C0"/>
+                </a:solidFill>
+                <a:latin typeface="微软雅黑" pitchFamily="34" charset="-122"/>
+                <a:ea typeface="微软雅黑" pitchFamily="34" charset="-122"/>
+              </a:rPr>
+              <a:t>可用</a:t>
+            </a:r>
+            <a:r>
+              <a:rPr lang="zh-CN" altLang="en-US" sz="1000" dirty="0" smtClean="0">
+                <a:solidFill>
+                  <a:srgbClr val="0070C0"/>
+                </a:solidFill>
+                <a:latin typeface="微软雅黑" pitchFamily="34" charset="-122"/>
+                <a:ea typeface="微软雅黑" pitchFamily="34" charset="-122"/>
+              </a:rPr>
+              <a:t>的</a:t>
+            </a:r>
+            <a:endParaRPr lang="en-US" altLang="zh-CN" sz="1000" dirty="0" smtClean="0">
+              <a:solidFill>
+                <a:srgbClr val="0070C0"/>
+              </a:solidFill>
+              <a:latin typeface="微软雅黑" pitchFamily="34" charset="-122"/>
+              <a:ea typeface="微软雅黑" pitchFamily="34" charset="-122"/>
+            </a:endParaRPr>
+          </a:p>
+          <a:p>
+            <a:pPr algn="ctr"/>
+            <a:r>
+              <a:rPr lang="zh-CN" altLang="en-US" sz="1000" dirty="0" smtClean="0">
+                <a:solidFill>
+                  <a:srgbClr val="0070C0"/>
+                </a:solidFill>
+                <a:latin typeface="微软雅黑" pitchFamily="34" charset="-122"/>
+                <a:ea typeface="微软雅黑" pitchFamily="34" charset="-122"/>
+              </a:rPr>
+              <a:t>虚拟地址空间</a:t>
+            </a:r>
+            <a:endParaRPr lang="zh-CN" altLang="en-US" sz="1000" dirty="0">
+              <a:solidFill>
+                <a:srgbClr val="0070C0"/>
+              </a:solidFill>
+              <a:latin typeface="微软雅黑" pitchFamily="34" charset="-122"/>
+              <a:ea typeface="微软雅黑" pitchFamily="34" charset="-122"/>
+            </a:endParaRPr>
+          </a:p>
+        </p:txBody>
+      </p:sp>
+    </p:spTree>
+    <p:extLst>
+      <p:ext uri="{BB962C8B-B14F-4D97-AF65-F5344CB8AC3E}">
+        <p14:creationId xmlns:p14="http://schemas.microsoft.com/office/powerpoint/2010/main" val="3219046358"/>
+      </p:ext>
+    </p:extLst>
+  </p:cSld>
+  <p:clrMapOvr>
+    <a:masterClrMapping/>
+  </p:clrMapOvr>
+  <p:timing>
+    <p:tnLst>
+      <p:par>
+        <p:cTn id="1" dur="indefinite" restart="never" nodeType="tmRoot">
+          <p:childTnLst>
+            <p:seq concurrent="1" nextAc="seek">
+              <p:cTn id="2" dur="indefinite" nodeType="mainSeq">
+                <p:childTnLst>
+                  <p:par>
+                    <p:cTn id="3" fill="hold">
+                      <p:stCondLst>
+                        <p:cond delay="indefinite"/>
+                      </p:stCondLst>
+                      <p:childTnLst>
+                        <p:par>
+                          <p:cTn id="4" fill="hold">
+                            <p:stCondLst>
+                              <p:cond delay="0"/>
+                            </p:stCondLst>
+                            <p:childTnLst>
+                              <p:par>
+                                <p:cTn id="5" presetID="22" presetClass="entr" presetSubtype="1" fill="hold" grpId="0" nodeType="clickEffect">
+                                  <p:stCondLst>
+                                    <p:cond delay="0"/>
+                                  </p:stCondLst>
+                                  <p:childTnLst>
+                                    <p:set>
+                                      <p:cBhvr>
+                                        <p:cTn id="6" dur="1" fill="hold">
+                                          <p:stCondLst>
+                                            <p:cond delay="0"/>
+                                          </p:stCondLst>
+                                        </p:cTn>
+                                        <p:tgtEl>
+                                          <p:spTgt spid="10"/>
+                                        </p:tgtEl>
+                                        <p:attrNameLst>
+                                          <p:attrName>style.visibility</p:attrName>
+                                        </p:attrNameLst>
+                                      </p:cBhvr>
+                                      <p:to>
+                                        <p:strVal val="visible"/>
+                                      </p:to>
+                                    </p:set>
+                                    <p:animEffect transition="in" filter="wipe(up)">
+                                      <p:cBhvr>
+                                        <p:cTn id="7" dur="500"/>
+                                        <p:tgtEl>
+                                          <p:spTgt spid="10"/>
+                                        </p:tgtEl>
+                                      </p:cBhvr>
+                                    </p:animEffect>
+                                  </p:childTnLst>
+                                </p:cTn>
+                              </p:par>
+                            </p:childTnLst>
+                          </p:cTn>
+                        </p:par>
+                      </p:childTnLst>
+                    </p:cTn>
+                  </p:par>
+                  <p:par>
+                    <p:cTn id="8" fill="hold">
+                      <p:stCondLst>
+                        <p:cond delay="indefinite"/>
+                      </p:stCondLst>
+                      <p:childTnLst>
+                        <p:par>
+                          <p:cTn id="9" fill="hold">
+                            <p:stCondLst>
+                              <p:cond delay="0"/>
+                            </p:stCondLst>
+                            <p:childTnLst>
+                              <p:par>
+                                <p:cTn id="10" presetID="16" presetClass="entr" presetSubtype="21" fill="hold" nodeType="clickEffect">
+                                  <p:stCondLst>
+                                    <p:cond delay="0"/>
+                                  </p:stCondLst>
+                                  <p:childTnLst>
+                                    <p:set>
+                                      <p:cBhvr>
+                                        <p:cTn id="11" dur="1" fill="hold">
+                                          <p:stCondLst>
+                                            <p:cond delay="0"/>
+                                          </p:stCondLst>
+                                        </p:cTn>
+                                        <p:tgtEl>
+                                          <p:spTgt spid="5"/>
+                                        </p:tgtEl>
+                                        <p:attrNameLst>
+                                          <p:attrName>style.visibility</p:attrName>
+                                        </p:attrNameLst>
+                                      </p:cBhvr>
+                                      <p:to>
+                                        <p:strVal val="visible"/>
+                                      </p:to>
+                                    </p:set>
+                                    <p:animEffect transition="in" filter="barn(inVertical)">
+                                      <p:cBhvr>
+                                        <p:cTn id="12" dur="500"/>
+                                        <p:tgtEl>
+                                          <p:spTgt spid="5"/>
+                                        </p:tgtEl>
+                                      </p:cBhvr>
+                                    </p:animEffect>
+                                  </p:childTnLst>
+                                </p:cTn>
+                              </p:par>
+                              <p:par>
+                                <p:cTn id="13" presetID="16" presetClass="entr" presetSubtype="21" fill="hold" nodeType="withEffect">
+                                  <p:stCondLst>
+                                    <p:cond delay="0"/>
+                                  </p:stCondLst>
+                                  <p:childTnLst>
+                                    <p:set>
+                                      <p:cBhvr>
+                                        <p:cTn id="14" dur="1" fill="hold">
+                                          <p:stCondLst>
+                                            <p:cond delay="0"/>
+                                          </p:stCondLst>
+                                        </p:cTn>
+                                        <p:tgtEl>
+                                          <p:spTgt spid="8"/>
+                                        </p:tgtEl>
+                                        <p:attrNameLst>
+                                          <p:attrName>style.visibility</p:attrName>
+                                        </p:attrNameLst>
+                                      </p:cBhvr>
+                                      <p:to>
+                                        <p:strVal val="visible"/>
+                                      </p:to>
+                                    </p:set>
+                                    <p:animEffect transition="in" filter="barn(inVertical)">
+                                      <p:cBhvr>
+                                        <p:cTn id="15" dur="500"/>
+                                        <p:tgtEl>
+                                          <p:spTgt spid="8"/>
+                                        </p:tgtEl>
+                                      </p:cBhvr>
+                                    </p:animEffect>
+                                  </p:childTnLst>
+                                </p:cTn>
+                              </p:par>
+                              <p:par>
+                                <p:cTn id="16" presetID="16" presetClass="entr" presetSubtype="21" fill="hold" nodeType="withEffect">
+                                  <p:stCondLst>
+                                    <p:cond delay="0"/>
+                                  </p:stCondLst>
+                                  <p:childTnLst>
+                                    <p:set>
+                                      <p:cBhvr>
+                                        <p:cTn id="17" dur="1" fill="hold">
+                                          <p:stCondLst>
+                                            <p:cond delay="0"/>
+                                          </p:stCondLst>
+                                        </p:cTn>
+                                        <p:tgtEl>
+                                          <p:spTgt spid="9"/>
+                                        </p:tgtEl>
+                                        <p:attrNameLst>
+                                          <p:attrName>style.visibility</p:attrName>
+                                        </p:attrNameLst>
+                                      </p:cBhvr>
+                                      <p:to>
+                                        <p:strVal val="visible"/>
+                                      </p:to>
+                                    </p:set>
+                                    <p:animEffect transition="in" filter="barn(inVertical)">
+                                      <p:cBhvr>
+                                        <p:cTn id="18" dur="500"/>
+                                        <p:tgtEl>
+                                          <p:spTgt spid="9"/>
+                                        </p:tgtEl>
+                                      </p:cBhvr>
+                                    </p:animEffect>
+                                  </p:childTnLst>
+                                </p:cTn>
+                              </p:par>
+                              <p:par>
+                                <p:cTn id="19" presetID="16" presetClass="entr" presetSubtype="21" fill="hold" nodeType="withEffect">
+                                  <p:stCondLst>
+                                    <p:cond delay="0"/>
+                                  </p:stCondLst>
+                                  <p:childTnLst>
+                                    <p:set>
+                                      <p:cBhvr>
+                                        <p:cTn id="20" dur="1" fill="hold">
+                                          <p:stCondLst>
+                                            <p:cond delay="0"/>
+                                          </p:stCondLst>
+                                        </p:cTn>
+                                        <p:tgtEl>
+                                          <p:spTgt spid="6"/>
+                                        </p:tgtEl>
+                                        <p:attrNameLst>
+                                          <p:attrName>style.visibility</p:attrName>
+                                        </p:attrNameLst>
+                                      </p:cBhvr>
+                                      <p:to>
+                                        <p:strVal val="visible"/>
+                                      </p:to>
+                                    </p:set>
+                                    <p:animEffect transition="in" filter="barn(inVertical)">
+                                      <p:cBhvr>
+                                        <p:cTn id="21" dur="500"/>
+                                        <p:tgtEl>
+                                          <p:spTgt spid="6"/>
+                                        </p:tgtEl>
+                                      </p:cBhvr>
+                                    </p:animEffect>
+                                  </p:childTnLst>
+                                </p:cTn>
+                              </p:par>
+                            </p:childTnLst>
+                          </p:cTn>
+                        </p:par>
+                      </p:childTnLst>
+                    </p:cTn>
+                  </p:par>
+                  <p:par>
+                    <p:cTn id="22" fill="hold">
+                      <p:stCondLst>
+                        <p:cond delay="indefinite"/>
+                      </p:stCondLst>
+                      <p:childTnLst>
+                        <p:par>
+                          <p:cTn id="23" fill="hold">
+                            <p:stCondLst>
+                              <p:cond delay="0"/>
+                            </p:stCondLst>
+                            <p:childTnLst>
+                              <p:par>
+                                <p:cTn id="24" presetID="16" presetClass="entr" presetSubtype="21" fill="hold" grpId="0" nodeType="clickEffect">
+                                  <p:stCondLst>
+                                    <p:cond delay="0"/>
+                                  </p:stCondLst>
+                                  <p:childTnLst>
+                                    <p:set>
+                                      <p:cBhvr>
+                                        <p:cTn id="25" dur="1" fill="hold">
+                                          <p:stCondLst>
+                                            <p:cond delay="0"/>
+                                          </p:stCondLst>
+                                        </p:cTn>
+                                        <p:tgtEl>
+                                          <p:spTgt spid="7"/>
+                                        </p:tgtEl>
+                                        <p:attrNameLst>
+                                          <p:attrName>style.visibility</p:attrName>
+                                        </p:attrNameLst>
+                                      </p:cBhvr>
+                                      <p:to>
+                                        <p:strVal val="visible"/>
+                                      </p:to>
+                                    </p:set>
+                                    <p:animEffect transition="in" filter="barn(inVertical)">
+                                      <p:cBhvr>
+                                        <p:cTn id="26" dur="500"/>
+                                        <p:tgtEl>
+                                          <p:spTgt spid="7"/>
+                                        </p:tgtEl>
+                                      </p:cBhvr>
+                                    </p:animEffect>
+                                  </p:childTnLst>
+                                </p:cTn>
+                              </p:par>
+                              <p:par>
+                                <p:cTn id="27" presetID="16" presetClass="entr" presetSubtype="21" fill="hold" nodeType="withEffect">
+                                  <p:stCondLst>
+                                    <p:cond delay="0"/>
+                                  </p:stCondLst>
+                                  <p:childTnLst>
+                                    <p:set>
+                                      <p:cBhvr>
+                                        <p:cTn id="28" dur="1" fill="hold">
+                                          <p:stCondLst>
+                                            <p:cond delay="0"/>
+                                          </p:stCondLst>
+                                        </p:cTn>
+                                        <p:tgtEl>
+                                          <p:spTgt spid="11"/>
+                                        </p:tgtEl>
+                                        <p:attrNameLst>
+                                          <p:attrName>style.visibility</p:attrName>
+                                        </p:attrNameLst>
+                                      </p:cBhvr>
+                                      <p:to>
+                                        <p:strVal val="visible"/>
+                                      </p:to>
+                                    </p:set>
+                                    <p:animEffect transition="in" filter="barn(inVertical)">
+                                      <p:cBhvr>
+                                        <p:cTn id="29" dur="500"/>
+                                        <p:tgtEl>
+                                          <p:spTgt spid="11"/>
+                                        </p:tgtEl>
+                                      </p:cBhvr>
+                                    </p:animEffect>
+                                  </p:childTnLst>
+                                </p:cTn>
+                              </p:par>
+                              <p:par>
+                                <p:cTn id="30" presetID="16" presetClass="entr" presetSubtype="21" fill="hold" nodeType="withEffect">
+                                  <p:stCondLst>
+                                    <p:cond delay="0"/>
+                                  </p:stCondLst>
+                                  <p:childTnLst>
+                                    <p:set>
+                                      <p:cBhvr>
+                                        <p:cTn id="31" dur="1" fill="hold">
+                                          <p:stCondLst>
+                                            <p:cond delay="0"/>
+                                          </p:stCondLst>
+                                        </p:cTn>
+                                        <p:tgtEl>
+                                          <p:spTgt spid="12"/>
+                                        </p:tgtEl>
+                                        <p:attrNameLst>
+                                          <p:attrName>style.visibility</p:attrName>
+                                        </p:attrNameLst>
+                                      </p:cBhvr>
+                                      <p:to>
+                                        <p:strVal val="visible"/>
+                                      </p:to>
+                                    </p:set>
+                                    <p:animEffect transition="in" filter="barn(inVertical)">
+                                      <p:cBhvr>
+                                        <p:cTn id="32" dur="500"/>
+                                        <p:tgtEl>
+                                          <p:spTgt spid="12"/>
+                                        </p:tgtEl>
+                                      </p:cBhvr>
+                                    </p:animEffect>
+                                  </p:childTnLst>
+                                </p:cTn>
+                              </p:par>
+                              <p:par>
+                                <p:cTn id="33" presetID="16" presetClass="entr" presetSubtype="21" fill="hold" nodeType="withEffect">
+                                  <p:stCondLst>
+                                    <p:cond delay="0"/>
+                                  </p:stCondLst>
+                                  <p:childTnLst>
+                                    <p:set>
+                                      <p:cBhvr>
+                                        <p:cTn id="34" dur="1" fill="hold">
+                                          <p:stCondLst>
+                                            <p:cond delay="0"/>
+                                          </p:stCondLst>
+                                        </p:cTn>
+                                        <p:tgtEl>
+                                          <p:spTgt spid="13"/>
+                                        </p:tgtEl>
+                                        <p:attrNameLst>
+                                          <p:attrName>style.visibility</p:attrName>
+                                        </p:attrNameLst>
+                                      </p:cBhvr>
+                                      <p:to>
+                                        <p:strVal val="visible"/>
+                                      </p:to>
+                                    </p:set>
+                                    <p:animEffect transition="in" filter="barn(inVertical)">
+                                      <p:cBhvr>
+                                        <p:cTn id="35" dur="500"/>
+                                        <p:tgtEl>
+                                          <p:spTgt spid="13"/>
+                                        </p:tgtEl>
+                                      </p:cBhvr>
+                                    </p:animEffect>
+                                  </p:childTnLst>
+                                </p:cTn>
+                              </p:par>
+                            </p:childTnLst>
+                          </p:cTn>
+                        </p:par>
+                      </p:childTnLst>
+                    </p:cTn>
+                  </p:par>
+                  <p:par>
+                    <p:cTn id="36" fill="hold">
+                      <p:stCondLst>
+                        <p:cond delay="indefinite"/>
+                      </p:stCondLst>
+                      <p:childTnLst>
+                        <p:par>
+                          <p:cTn id="37" fill="hold">
+                            <p:stCondLst>
+                              <p:cond delay="0"/>
+                            </p:stCondLst>
+                            <p:childTnLst>
+                              <p:par>
+                                <p:cTn id="38" presetID="16" presetClass="entr" presetSubtype="21" fill="hold" grpId="0" nodeType="clickEffect">
+                                  <p:stCondLst>
+                                    <p:cond delay="0"/>
+                                  </p:stCondLst>
+                                  <p:childTnLst>
+                                    <p:set>
+                                      <p:cBhvr>
+                                        <p:cTn id="39" dur="1" fill="hold">
+                                          <p:stCondLst>
+                                            <p:cond delay="0"/>
+                                          </p:stCondLst>
+                                        </p:cTn>
+                                        <p:tgtEl>
+                                          <p:spTgt spid="14"/>
+                                        </p:tgtEl>
+                                        <p:attrNameLst>
+                                          <p:attrName>style.visibility</p:attrName>
+                                        </p:attrNameLst>
+                                      </p:cBhvr>
+                                      <p:to>
+                                        <p:strVal val="visible"/>
+                                      </p:to>
+                                    </p:set>
+                                    <p:animEffect transition="in" filter="barn(inVertical)">
+                                      <p:cBhvr>
+                                        <p:cTn id="40" dur="500"/>
+                                        <p:tgtEl>
+                                          <p:spTgt spid="14"/>
+                                        </p:tgtEl>
+                                      </p:cBhvr>
+                                    </p:animEffect>
+                                  </p:childTnLst>
+                                </p:cTn>
+                              </p:par>
+                            </p:childTnLst>
+                          </p:cTn>
+                        </p:par>
+                      </p:childTnLst>
+                    </p:cTn>
+                  </p:par>
+                </p:childTnLst>
+              </p:cTn>
+              <p:prevCondLst>
+                <p:cond evt="onPrev" delay="0">
+                  <p:tgtEl>
+                    <p:sldTgt/>
+                  </p:tgtEl>
+                </p:cond>
+              </p:prevCondLst>
+              <p:nextCondLst>
+                <p:cond evt="onNext" delay="0">
+                  <p:tgtEl>
+                    <p:sldTgt/>
+                  </p:tgtEl>
+                </p:cond>
+              </p:nextCondLst>
+            </p:seq>
+          </p:childTnLst>
+        </p:cTn>
+      </p:par>
+    </p:tnLst>
+    <p:bldLst>
+      <p:bldP spid="7" grpId="0"/>
+      <p:bldP spid="10" grpId="0"/>
+      <p:bldP spid="14" grpId="0"/>
     </p:bldLst>
   </p:timing>
 </p:sld>

--- a/ppt/图.pptx
+++ b/ppt/图.pptx
@@ -16,6 +16,7 @@
     <p:sldId id="259" r:id="rId10"/>
     <p:sldId id="263" r:id="rId11"/>
     <p:sldId id="266" r:id="rId12"/>
+    <p:sldId id="267" r:id="rId13"/>
   </p:sldIdLst>
   <p:sldSz cx="12192000" cy="6858000"/>
   <p:notesSz cx="6858000" cy="9144000"/>
@@ -253,7 +254,7 @@
           <a:p>
             <a:fld id="{F0B9B6C9-3441-4C34-9D03-83756ADC5209}" type="datetimeFigureOut">
               <a:rPr lang="zh-CN" altLang="en-US" smtClean="0"/>
-              <a:t>2022/10/24</a:t>
+              <a:t>2023/11/2</a:t>
             </a:fld>
             <a:endParaRPr lang="zh-CN" altLang="en-US"/>
           </a:p>
@@ -423,7 +424,7 @@
           <a:p>
             <a:fld id="{F0B9B6C9-3441-4C34-9D03-83756ADC5209}" type="datetimeFigureOut">
               <a:rPr lang="zh-CN" altLang="en-US" smtClean="0"/>
-              <a:t>2022/10/24</a:t>
+              <a:t>2023/11/2</a:t>
             </a:fld>
             <a:endParaRPr lang="zh-CN" altLang="en-US"/>
           </a:p>
@@ -603,7 +604,7 @@
           <a:p>
             <a:fld id="{F0B9B6C9-3441-4C34-9D03-83756ADC5209}" type="datetimeFigureOut">
               <a:rPr lang="zh-CN" altLang="en-US" smtClean="0"/>
-              <a:t>2022/10/24</a:t>
+              <a:t>2023/11/2</a:t>
             </a:fld>
             <a:endParaRPr lang="zh-CN" altLang="en-US"/>
           </a:p>
@@ -773,7 +774,7 @@
           <a:p>
             <a:fld id="{F0B9B6C9-3441-4C34-9D03-83756ADC5209}" type="datetimeFigureOut">
               <a:rPr lang="zh-CN" altLang="en-US" smtClean="0"/>
-              <a:t>2022/10/24</a:t>
+              <a:t>2023/11/2</a:t>
             </a:fld>
             <a:endParaRPr lang="zh-CN" altLang="en-US"/>
           </a:p>
@@ -1019,7 +1020,7 @@
           <a:p>
             <a:fld id="{F0B9B6C9-3441-4C34-9D03-83756ADC5209}" type="datetimeFigureOut">
               <a:rPr lang="zh-CN" altLang="en-US" smtClean="0"/>
-              <a:t>2022/10/24</a:t>
+              <a:t>2023/11/2</a:t>
             </a:fld>
             <a:endParaRPr lang="zh-CN" altLang="en-US"/>
           </a:p>
@@ -1251,7 +1252,7 @@
           <a:p>
             <a:fld id="{F0B9B6C9-3441-4C34-9D03-83756ADC5209}" type="datetimeFigureOut">
               <a:rPr lang="zh-CN" altLang="en-US" smtClean="0"/>
-              <a:t>2022/10/24</a:t>
+              <a:t>2023/11/2</a:t>
             </a:fld>
             <a:endParaRPr lang="zh-CN" altLang="en-US"/>
           </a:p>
@@ -1618,7 +1619,7 @@
           <a:p>
             <a:fld id="{F0B9B6C9-3441-4C34-9D03-83756ADC5209}" type="datetimeFigureOut">
               <a:rPr lang="zh-CN" altLang="en-US" smtClean="0"/>
-              <a:t>2022/10/24</a:t>
+              <a:t>2023/11/2</a:t>
             </a:fld>
             <a:endParaRPr lang="zh-CN" altLang="en-US"/>
           </a:p>
@@ -1736,7 +1737,7 @@
           <a:p>
             <a:fld id="{F0B9B6C9-3441-4C34-9D03-83756ADC5209}" type="datetimeFigureOut">
               <a:rPr lang="zh-CN" altLang="en-US" smtClean="0"/>
-              <a:t>2022/10/24</a:t>
+              <a:t>2023/11/2</a:t>
             </a:fld>
             <a:endParaRPr lang="zh-CN" altLang="en-US"/>
           </a:p>
@@ -1831,7 +1832,7 @@
           <a:p>
             <a:fld id="{F0B9B6C9-3441-4C34-9D03-83756ADC5209}" type="datetimeFigureOut">
               <a:rPr lang="zh-CN" altLang="en-US" smtClean="0"/>
-              <a:t>2022/10/24</a:t>
+              <a:t>2023/11/2</a:t>
             </a:fld>
             <a:endParaRPr lang="zh-CN" altLang="en-US"/>
           </a:p>
@@ -2108,7 +2109,7 @@
           <a:p>
             <a:fld id="{F0B9B6C9-3441-4C34-9D03-83756ADC5209}" type="datetimeFigureOut">
               <a:rPr lang="zh-CN" altLang="en-US" smtClean="0"/>
-              <a:t>2022/10/24</a:t>
+              <a:t>2023/11/2</a:t>
             </a:fld>
             <a:endParaRPr lang="zh-CN" altLang="en-US"/>
           </a:p>
@@ -2361,7 +2362,7 @@
           <a:p>
             <a:fld id="{F0B9B6C9-3441-4C34-9D03-83756ADC5209}" type="datetimeFigureOut">
               <a:rPr lang="zh-CN" altLang="en-US" smtClean="0"/>
-              <a:t>2022/10/24</a:t>
+              <a:t>2023/11/2</a:t>
             </a:fld>
             <a:endParaRPr lang="zh-CN" altLang="en-US"/>
           </a:p>
@@ -2574,7 +2575,7 @@
           <a:p>
             <a:fld id="{F0B9B6C9-3441-4C34-9D03-83756ADC5209}" type="datetimeFigureOut">
               <a:rPr lang="zh-CN" altLang="en-US" smtClean="0"/>
-              <a:t>2022/10/24</a:t>
+              <a:t>2023/11/2</a:t>
             </a:fld>
             <a:endParaRPr lang="zh-CN" altLang="en-US"/>
           </a:p>
@@ -10009,17 +10010,7 @@
                 <a:latin typeface="微软雅黑" pitchFamily="34" charset="-122"/>
                 <a:ea typeface="微软雅黑" pitchFamily="34" charset="-122"/>
               </a:rPr>
-              <a:t>可用</a:t>
-            </a:r>
-            <a:r>
-              <a:rPr lang="zh-CN" altLang="en-US" sz="1000" dirty="0" smtClean="0">
-                <a:solidFill>
-                  <a:srgbClr val="0070C0"/>
-                </a:solidFill>
-                <a:latin typeface="微软雅黑" pitchFamily="34" charset="-122"/>
-                <a:ea typeface="微软雅黑" pitchFamily="34" charset="-122"/>
-              </a:rPr>
-              <a:t>的</a:t>
+              <a:t>可用的</a:t>
             </a:r>
             <a:endParaRPr lang="en-US" altLang="zh-CN" sz="1000" dirty="0" smtClean="0">
               <a:solidFill>
@@ -10516,6 +10507,3989 @@
       <p:bldP spid="7" grpId="0"/>
       <p:bldP spid="10" grpId="0"/>
       <p:bldP spid="14" grpId="0"/>
+    </p:bldLst>
+  </p:timing>
+</p:sld>
+</file>
+
+<file path=ppt/slides/slide12.xml><?xml version="1.0" encoding="utf-8"?>
+<p:sld xmlns:a="http://schemas.openxmlformats.org/drawingml/2006/main" xmlns:r="http://schemas.openxmlformats.org/officeDocument/2006/relationships" xmlns:p="http://schemas.openxmlformats.org/presentationml/2006/main">
+  <p:cSld>
+    <p:spTree>
+      <p:nvGrpSpPr>
+        <p:cNvPr id="1" name=""/>
+        <p:cNvGrpSpPr/>
+        <p:nvPr/>
+      </p:nvGrpSpPr>
+      <p:grpSpPr>
+        <a:xfrm>
+          <a:off x="0" y="0"/>
+          <a:ext cx="0" cy="0"/>
+          <a:chOff x="0" y="0"/>
+          <a:chExt cx="0" cy="0"/>
+        </a:xfrm>
+      </p:grpSpPr>
+      <p:pic>
+        <p:nvPicPr>
+          <p:cNvPr id="28" name="Group 71"/>
+          <p:cNvPicPr>
+            <a:picLocks noChangeArrowheads="1"/>
+          </p:cNvPicPr>
+          <p:nvPr/>
+        </p:nvPicPr>
+        <p:blipFill>
+          <a:blip r:embed="rId2">
+            <a:grayscl/>
+            <a:extLst>
+              <a:ext uri="{28A0092B-C50C-407E-A947-70E740481C1C}">
+                <a14:useLocalDpi xmlns:a14="http://schemas.microsoft.com/office/drawing/2010/main" val="0"/>
+              </a:ext>
+            </a:extLst>
+          </a:blip>
+          <a:srcRect/>
+          <a:stretch>
+            <a:fillRect/>
+          </a:stretch>
+        </p:blipFill>
+        <p:spPr bwMode="auto">
+          <a:xfrm>
+            <a:off x="3816350" y="4632325"/>
+            <a:ext cx="2187575" cy="1006475"/>
+          </a:xfrm>
+          <a:prstGeom prst="rect">
+            <a:avLst/>
+          </a:prstGeom>
+          <a:noFill/>
+          <a:ln w="9525">
+            <a:noFill/>
+            <a:miter lim="800000"/>
+            <a:headEnd/>
+            <a:tailEnd/>
+          </a:ln>
+          <a:extLst>
+            <a:ext uri="{909E8E84-426E-40DD-AFC4-6F175D3DCCD1}">
+              <a14:hiddenFill xmlns:a14="http://schemas.microsoft.com/office/drawing/2010/main">
+                <a:solidFill>
+                  <a:srgbClr val="FFFFFF"/>
+                </a:solidFill>
+              </a14:hiddenFill>
+            </a:ext>
+          </a:extLst>
+        </p:spPr>
+      </p:pic>
+      <p:pic>
+        <p:nvPicPr>
+          <p:cNvPr id="29" name="Group 37"/>
+          <p:cNvPicPr>
+            <a:picLocks noChangeArrowheads="1"/>
+          </p:cNvPicPr>
+          <p:nvPr/>
+        </p:nvPicPr>
+        <p:blipFill>
+          <a:blip r:embed="rId3">
+            <a:grayscl/>
+            <a:extLst>
+              <a:ext uri="{28A0092B-C50C-407E-A947-70E740481C1C}">
+                <a14:useLocalDpi xmlns:a14="http://schemas.microsoft.com/office/drawing/2010/main" val="0"/>
+              </a:ext>
+            </a:extLst>
+          </a:blip>
+          <a:srcRect/>
+          <a:stretch>
+            <a:fillRect/>
+          </a:stretch>
+        </p:blipFill>
+        <p:spPr bwMode="auto">
+          <a:xfrm>
+            <a:off x="9064625" y="3810000"/>
+            <a:ext cx="1285875" cy="1103313"/>
+          </a:xfrm>
+          <a:prstGeom prst="rect">
+            <a:avLst/>
+          </a:prstGeom>
+          <a:noFill/>
+          <a:ln w="9525">
+            <a:noFill/>
+            <a:miter lim="800000"/>
+            <a:headEnd/>
+            <a:tailEnd/>
+          </a:ln>
+          <a:extLst>
+            <a:ext uri="{909E8E84-426E-40DD-AFC4-6F175D3DCCD1}">
+              <a14:hiddenFill xmlns:a14="http://schemas.microsoft.com/office/drawing/2010/main">
+                <a:solidFill>
+                  <a:srgbClr val="FFFFFF"/>
+                </a:solidFill>
+              </a14:hiddenFill>
+            </a:ext>
+          </a:extLst>
+        </p:spPr>
+      </p:pic>
+      <p:sp>
+        <p:nvSpPr>
+          <p:cNvPr id="30" name="Rectangle 38"/>
+          <p:cNvSpPr>
+            <a:spLocks noChangeArrowheads="1"/>
+          </p:cNvSpPr>
+          <p:nvPr/>
+        </p:nvSpPr>
+        <p:spPr bwMode="auto">
+          <a:xfrm>
+            <a:off x="10467975" y="4487863"/>
+            <a:ext cx="646113" cy="368300"/>
+          </a:xfrm>
+          <a:prstGeom prst="rect">
+            <a:avLst/>
+          </a:prstGeom>
+          <a:noFill/>
+          <a:ln>
+            <a:noFill/>
+          </a:ln>
+          <a:extLst>
+            <a:ext uri="{909E8E84-426E-40DD-AFC4-6F175D3DCCD1}">
+              <a14:hiddenFill xmlns:a14="http://schemas.microsoft.com/office/drawing/2010/main">
+                <a:solidFill>
+                  <a:srgbClr val="FFFFFF"/>
+                </a:solidFill>
+              </a14:hiddenFill>
+            </a:ext>
+            <a:ext uri="{91240B29-F687-4F45-9708-019B960494DF}">
+              <a14:hiddenLine xmlns:a14="http://schemas.microsoft.com/office/drawing/2010/main" w="9525">
+                <a:solidFill>
+                  <a:srgbClr val="000000"/>
+                </a:solidFill>
+                <a:miter lim="800000"/>
+                <a:headEnd/>
+                <a:tailEnd/>
+              </a14:hiddenLine>
+            </a:ext>
+          </a:extLst>
+        </p:spPr>
+        <p:txBody>
+          <a:bodyPr vert="horz" wrap="none" lIns="91440" tIns="45720" rIns="91440" bIns="45720" numCol="1" anchor="t" anchorCtr="0" compatLnSpc="1">
+            <a:prstTxWarp prst="textNoShape">
+              <a:avLst/>
+            </a:prstTxWarp>
+            <a:spAutoFit/>
+          </a:bodyPr>
+          <a:lstStyle/>
+          <a:p>
+            <a:pPr fontAlgn="base">
+              <a:spcBef>
+                <a:spcPct val="0"/>
+              </a:spcBef>
+              <a:spcAft>
+                <a:spcPct val="0"/>
+              </a:spcAft>
+            </a:pPr>
+            <a:r>
+              <a:rPr lang="zh-CN" altLang="en-US" b="1" dirty="0" smtClean="0">
+                <a:solidFill>
+                  <a:srgbClr val="595959"/>
+                </a:solidFill>
+                <a:latin typeface="微软雅黑" pitchFamily="34" charset="-122"/>
+                <a:ea typeface="微软雅黑" pitchFamily="34" charset="-122"/>
+                <a:cs typeface="宋体" pitchFamily="2" charset="-122"/>
+              </a:rPr>
+              <a:t>终点</a:t>
+            </a:r>
+            <a:endParaRPr lang="zh-CN" altLang="en-US" dirty="0" smtClean="0">
+              <a:solidFill>
+                <a:prstClr val="black"/>
+              </a:solidFill>
+              <a:latin typeface="Arial" pitchFamily="34" charset="0"/>
+              <a:cs typeface="宋体" pitchFamily="2" charset="-122"/>
+            </a:endParaRPr>
+          </a:p>
+        </p:txBody>
+      </p:sp>
+      <p:pic>
+        <p:nvPicPr>
+          <p:cNvPr id="31" name="Group 56"/>
+          <p:cNvPicPr>
+            <a:picLocks noChangeArrowheads="1"/>
+          </p:cNvPicPr>
+          <p:nvPr/>
+        </p:nvPicPr>
+        <p:blipFill>
+          <a:blip r:embed="rId4">
+            <a:grayscl/>
+            <a:extLst>
+              <a:ext uri="{28A0092B-C50C-407E-A947-70E740481C1C}">
+                <a14:useLocalDpi xmlns:a14="http://schemas.microsoft.com/office/drawing/2010/main" val="0"/>
+              </a:ext>
+            </a:extLst>
+          </a:blip>
+          <a:srcRect/>
+          <a:stretch>
+            <a:fillRect/>
+          </a:stretch>
+        </p:blipFill>
+        <p:spPr bwMode="auto">
+          <a:xfrm>
+            <a:off x="5980113" y="4164013"/>
+            <a:ext cx="517525" cy="1474787"/>
+          </a:xfrm>
+          <a:prstGeom prst="rect">
+            <a:avLst/>
+          </a:prstGeom>
+          <a:noFill/>
+          <a:ln w="9525">
+            <a:noFill/>
+            <a:miter lim="800000"/>
+            <a:headEnd/>
+            <a:tailEnd/>
+          </a:ln>
+          <a:extLst>
+            <a:ext uri="{909E8E84-426E-40DD-AFC4-6F175D3DCCD1}">
+              <a14:hiddenFill xmlns:a14="http://schemas.microsoft.com/office/drawing/2010/main">
+                <a:solidFill>
+                  <a:srgbClr val="FFFFFF"/>
+                </a:solidFill>
+              </a14:hiddenFill>
+            </a:ext>
+          </a:extLst>
+        </p:spPr>
+      </p:pic>
+      <p:pic>
+        <p:nvPicPr>
+          <p:cNvPr id="32" name="Group 63"/>
+          <p:cNvPicPr>
+            <a:picLocks noChangeArrowheads="1"/>
+          </p:cNvPicPr>
+          <p:nvPr/>
+        </p:nvPicPr>
+        <p:blipFill>
+          <a:blip r:embed="rId5">
+            <a:grayscl/>
+            <a:extLst>
+              <a:ext uri="{28A0092B-C50C-407E-A947-70E740481C1C}">
+                <a14:useLocalDpi xmlns:a14="http://schemas.microsoft.com/office/drawing/2010/main" val="0"/>
+              </a:ext>
+            </a:extLst>
+          </a:blip>
+          <a:srcRect/>
+          <a:stretch>
+            <a:fillRect/>
+          </a:stretch>
+        </p:blipFill>
+        <p:spPr bwMode="auto">
+          <a:xfrm>
+            <a:off x="2073275" y="2852738"/>
+            <a:ext cx="762000" cy="969962"/>
+          </a:xfrm>
+          <a:prstGeom prst="rect">
+            <a:avLst/>
+          </a:prstGeom>
+          <a:noFill/>
+          <a:ln w="9525">
+            <a:noFill/>
+            <a:miter lim="800000"/>
+            <a:headEnd/>
+            <a:tailEnd/>
+          </a:ln>
+          <a:extLst>
+            <a:ext uri="{909E8E84-426E-40DD-AFC4-6F175D3DCCD1}">
+              <a14:hiddenFill xmlns:a14="http://schemas.microsoft.com/office/drawing/2010/main">
+                <a:solidFill>
+                  <a:srgbClr val="FFFFFF"/>
+                </a:solidFill>
+              </a14:hiddenFill>
+            </a:ext>
+          </a:extLst>
+        </p:spPr>
+      </p:pic>
+      <p:pic>
+        <p:nvPicPr>
+          <p:cNvPr id="33" name="Group 68"/>
+          <p:cNvPicPr>
+            <a:picLocks noChangeArrowheads="1"/>
+          </p:cNvPicPr>
+          <p:nvPr/>
+        </p:nvPicPr>
+        <p:blipFill>
+          <a:blip r:embed="rId6">
+            <a:grayscl/>
+            <a:extLst>
+              <a:ext uri="{28A0092B-C50C-407E-A947-70E740481C1C}">
+                <a14:useLocalDpi xmlns:a14="http://schemas.microsoft.com/office/drawing/2010/main" val="0"/>
+              </a:ext>
+            </a:extLst>
+          </a:blip>
+          <a:srcRect/>
+          <a:stretch>
+            <a:fillRect/>
+          </a:stretch>
+        </p:blipFill>
+        <p:spPr bwMode="auto">
+          <a:xfrm>
+            <a:off x="2693988" y="3810000"/>
+            <a:ext cx="1158875" cy="963613"/>
+          </a:xfrm>
+          <a:prstGeom prst="rect">
+            <a:avLst/>
+          </a:prstGeom>
+          <a:noFill/>
+          <a:ln w="9525">
+            <a:noFill/>
+            <a:miter lim="800000"/>
+            <a:headEnd/>
+            <a:tailEnd/>
+          </a:ln>
+          <a:extLst>
+            <a:ext uri="{909E8E84-426E-40DD-AFC4-6F175D3DCCD1}">
+              <a14:hiddenFill xmlns:a14="http://schemas.microsoft.com/office/drawing/2010/main">
+                <a:solidFill>
+                  <a:srgbClr val="FFFFFF"/>
+                </a:solidFill>
+              </a14:hiddenFill>
+            </a:ext>
+          </a:extLst>
+        </p:spPr>
+      </p:pic>
+      <p:pic>
+        <p:nvPicPr>
+          <p:cNvPr id="34" name="Group 93"/>
+          <p:cNvPicPr>
+            <a:picLocks noChangeArrowheads="1"/>
+          </p:cNvPicPr>
+          <p:nvPr/>
+        </p:nvPicPr>
+        <p:blipFill>
+          <a:blip r:embed="rId7">
+            <a:grayscl/>
+            <a:extLst>
+              <a:ext uri="{28A0092B-C50C-407E-A947-70E740481C1C}">
+                <a14:useLocalDpi xmlns:a14="http://schemas.microsoft.com/office/drawing/2010/main" val="0"/>
+              </a:ext>
+            </a:extLst>
+          </a:blip>
+          <a:srcRect/>
+          <a:stretch>
+            <a:fillRect/>
+          </a:stretch>
+        </p:blipFill>
+        <p:spPr bwMode="auto">
+          <a:xfrm>
+            <a:off x="6357938" y="2852738"/>
+            <a:ext cx="1030287" cy="1285875"/>
+          </a:xfrm>
+          <a:prstGeom prst="rect">
+            <a:avLst/>
+          </a:prstGeom>
+          <a:noFill/>
+          <a:ln w="9525">
+            <a:noFill/>
+            <a:miter lim="800000"/>
+            <a:headEnd/>
+            <a:tailEnd/>
+          </a:ln>
+          <a:extLst>
+            <a:ext uri="{909E8E84-426E-40DD-AFC4-6F175D3DCCD1}">
+              <a14:hiddenFill xmlns:a14="http://schemas.microsoft.com/office/drawing/2010/main">
+                <a:solidFill>
+                  <a:srgbClr val="FFFFFF"/>
+                </a:solidFill>
+              </a14:hiddenFill>
+            </a:ext>
+          </a:extLst>
+        </p:spPr>
+      </p:pic>
+      <p:pic>
+        <p:nvPicPr>
+          <p:cNvPr id="35" name="Group 101"/>
+          <p:cNvPicPr>
+            <a:picLocks noChangeArrowheads="1"/>
+          </p:cNvPicPr>
+          <p:nvPr/>
+        </p:nvPicPr>
+        <p:blipFill>
+          <a:blip r:embed="rId8">
+            <a:grayscl/>
+            <a:extLst>
+              <a:ext uri="{28A0092B-C50C-407E-A947-70E740481C1C}">
+                <a14:useLocalDpi xmlns:a14="http://schemas.microsoft.com/office/drawing/2010/main" val="0"/>
+              </a:ext>
+            </a:extLst>
+          </a:blip>
+          <a:srcRect/>
+          <a:stretch>
+            <a:fillRect/>
+          </a:stretch>
+        </p:blipFill>
+        <p:spPr bwMode="auto">
+          <a:xfrm>
+            <a:off x="7613650" y="2852738"/>
+            <a:ext cx="1590675" cy="969962"/>
+          </a:xfrm>
+          <a:prstGeom prst="rect">
+            <a:avLst/>
+          </a:prstGeom>
+          <a:noFill/>
+          <a:ln w="9525">
+            <a:noFill/>
+            <a:miter lim="800000"/>
+            <a:headEnd/>
+            <a:tailEnd/>
+          </a:ln>
+          <a:extLst>
+            <a:ext uri="{909E8E84-426E-40DD-AFC4-6F175D3DCCD1}">
+              <a14:hiddenFill xmlns:a14="http://schemas.microsoft.com/office/drawing/2010/main">
+                <a:solidFill>
+                  <a:srgbClr val="FFFFFF"/>
+                </a:solidFill>
+              </a14:hiddenFill>
+            </a:ext>
+          </a:extLst>
+        </p:spPr>
+      </p:pic>
+      <p:pic>
+        <p:nvPicPr>
+          <p:cNvPr id="36" name="Group 131"/>
+          <p:cNvPicPr>
+            <a:picLocks noChangeArrowheads="1"/>
+          </p:cNvPicPr>
+          <p:nvPr/>
+        </p:nvPicPr>
+        <p:blipFill>
+          <a:blip r:embed="rId9">
+            <a:grayscl/>
+            <a:extLst>
+              <a:ext uri="{28A0092B-C50C-407E-A947-70E740481C1C}">
+                <a14:useLocalDpi xmlns:a14="http://schemas.microsoft.com/office/drawing/2010/main" val="0"/>
+              </a:ext>
+            </a:extLst>
+          </a:blip>
+          <a:srcRect/>
+          <a:stretch>
+            <a:fillRect/>
+          </a:stretch>
+        </p:blipFill>
+        <p:spPr bwMode="auto">
+          <a:xfrm>
+            <a:off x="1103313" y="2852738"/>
+            <a:ext cx="573087" cy="1152525"/>
+          </a:xfrm>
+          <a:prstGeom prst="rect">
+            <a:avLst/>
+          </a:prstGeom>
+          <a:noFill/>
+          <a:ln w="9525">
+            <a:noFill/>
+            <a:miter lim="800000"/>
+            <a:headEnd/>
+            <a:tailEnd/>
+          </a:ln>
+          <a:extLst>
+            <a:ext uri="{909E8E84-426E-40DD-AFC4-6F175D3DCCD1}">
+              <a14:hiddenFill xmlns:a14="http://schemas.microsoft.com/office/drawing/2010/main">
+                <a:solidFill>
+                  <a:srgbClr val="FFFFFF"/>
+                </a:solidFill>
+              </a14:hiddenFill>
+            </a:ext>
+          </a:extLst>
+        </p:spPr>
+      </p:pic>
+      <p:sp>
+        <p:nvSpPr>
+          <p:cNvPr id="37" name="Rectangle 132"/>
+          <p:cNvSpPr>
+            <a:spLocks noChangeArrowheads="1"/>
+          </p:cNvSpPr>
+          <p:nvPr/>
+        </p:nvSpPr>
+        <p:spPr bwMode="auto">
+          <a:xfrm>
+            <a:off x="454026" y="4083050"/>
+            <a:ext cx="1619249" cy="646331"/>
+          </a:xfrm>
+          <a:prstGeom prst="rect">
+            <a:avLst/>
+          </a:prstGeom>
+          <a:noFill/>
+          <a:ln>
+            <a:noFill/>
+          </a:ln>
+          <a:extLst>
+            <a:ext uri="{909E8E84-426E-40DD-AFC4-6F175D3DCCD1}">
+              <a14:hiddenFill xmlns:a14="http://schemas.microsoft.com/office/drawing/2010/main">
+                <a:solidFill>
+                  <a:srgbClr val="FFFFFF"/>
+                </a:solidFill>
+              </a14:hiddenFill>
+            </a:ext>
+            <a:ext uri="{91240B29-F687-4F45-9708-019B960494DF}">
+              <a14:hiddenLine xmlns:a14="http://schemas.microsoft.com/office/drawing/2010/main" w="9525">
+                <a:solidFill>
+                  <a:srgbClr val="000000"/>
+                </a:solidFill>
+                <a:miter lim="800000"/>
+                <a:headEnd/>
+                <a:tailEnd/>
+              </a14:hiddenLine>
+            </a:ext>
+          </a:extLst>
+        </p:spPr>
+        <p:txBody>
+          <a:bodyPr vert="horz" wrap="square" lIns="91440" tIns="45720" rIns="91440" bIns="45720" numCol="1" anchor="t" anchorCtr="0" compatLnSpc="1">
+            <a:prstTxWarp prst="textNoShape">
+              <a:avLst/>
+            </a:prstTxWarp>
+            <a:spAutoFit/>
+          </a:bodyPr>
+          <a:lstStyle/>
+          <a:p>
+            <a:pPr algn="dist" fontAlgn="base">
+              <a:spcBef>
+                <a:spcPct val="0"/>
+              </a:spcBef>
+              <a:spcAft>
+                <a:spcPct val="0"/>
+              </a:spcAft>
+            </a:pPr>
+            <a:r>
+              <a:rPr lang="zh-CN" altLang="en-US" b="1" dirty="0" smtClean="0">
+                <a:solidFill>
+                  <a:srgbClr val="595959"/>
+                </a:solidFill>
+                <a:latin typeface="微软雅黑" pitchFamily="34" charset="-122"/>
+                <a:ea typeface="微软雅黑" pitchFamily="34" charset="-122"/>
+                <a:cs typeface="宋体" pitchFamily="2" charset="-122"/>
+              </a:rPr>
+              <a:t>校内竞赛培训，从现在开始！</a:t>
+            </a:r>
+            <a:endParaRPr lang="en-US" altLang="zh-CN" b="1" dirty="0">
+              <a:solidFill>
+                <a:srgbClr val="595959"/>
+              </a:solidFill>
+              <a:latin typeface="微软雅黑" pitchFamily="34" charset="-122"/>
+              <a:ea typeface="微软雅黑" pitchFamily="34" charset="-122"/>
+              <a:cs typeface="宋体" pitchFamily="2" charset="-122"/>
+            </a:endParaRPr>
+          </a:p>
+        </p:txBody>
+      </p:sp>
+      <p:sp>
+        <p:nvSpPr>
+          <p:cNvPr id="38" name="Oval 140"/>
+          <p:cNvSpPr>
+            <a:spLocks noChangeAspect="1" noChangeArrowheads="1"/>
+          </p:cNvSpPr>
+          <p:nvPr/>
+        </p:nvSpPr>
+        <p:spPr bwMode="auto">
+          <a:xfrm flipH="1">
+            <a:off x="1658938" y="2597150"/>
+            <a:ext cx="647700" cy="649288"/>
+          </a:xfrm>
+          <a:prstGeom prst="ellipse">
+            <a:avLst/>
+          </a:prstGeom>
+          <a:solidFill>
+            <a:srgbClr val="FF5844"/>
+          </a:solidFill>
+          <a:ln>
+            <a:noFill/>
+          </a:ln>
+          <a:extLst>
+            <a:ext uri="{91240B29-F687-4F45-9708-019B960494DF}">
+              <a14:hiddenLine xmlns:a14="http://schemas.microsoft.com/office/drawing/2010/main" w="9525">
+                <a:solidFill>
+                  <a:srgbClr val="000000"/>
+                </a:solidFill>
+                <a:round/>
+                <a:headEnd/>
+                <a:tailEnd/>
+              </a14:hiddenLine>
+            </a:ext>
+          </a:extLst>
+        </p:spPr>
+        <p:txBody>
+          <a:bodyPr vert="horz" wrap="square" lIns="91440" tIns="45720" rIns="91440" bIns="45720" numCol="1" anchor="ctr" anchorCtr="0" compatLnSpc="1">
+            <a:prstTxWarp prst="textNoShape">
+              <a:avLst/>
+            </a:prstTxWarp>
+          </a:bodyPr>
+          <a:lstStyle/>
+          <a:p>
+            <a:pPr algn="ctr" fontAlgn="base">
+              <a:spcBef>
+                <a:spcPct val="0"/>
+              </a:spcBef>
+              <a:spcAft>
+                <a:spcPct val="0"/>
+              </a:spcAft>
+            </a:pPr>
+            <a:r>
+              <a:rPr lang="en-AU" altLang="zh-CN" sz="1000" b="1" dirty="0" smtClean="0">
+                <a:solidFill>
+                  <a:srgbClr val="FFFFFF"/>
+                </a:solidFill>
+                <a:latin typeface="微软雅黑" pitchFamily="34" charset="-122"/>
+                <a:ea typeface="微软雅黑" pitchFamily="34" charset="-122"/>
+                <a:cs typeface="宋体" pitchFamily="2" charset="-122"/>
+              </a:rPr>
+              <a:t>4.30</a:t>
+            </a:r>
+            <a:endParaRPr lang="zh-CN" altLang="zh-CN" sz="1000" dirty="0" smtClean="0">
+              <a:solidFill>
+                <a:prstClr val="black"/>
+              </a:solidFill>
+              <a:latin typeface="Arial" pitchFamily="34" charset="0"/>
+              <a:cs typeface="宋体" pitchFamily="2" charset="-122"/>
+            </a:endParaRPr>
+          </a:p>
+        </p:txBody>
+      </p:sp>
+      <p:sp>
+        <p:nvSpPr>
+          <p:cNvPr id="39" name="Oval 141"/>
+          <p:cNvSpPr>
+            <a:spLocks noChangeAspect="1" noChangeArrowheads="1"/>
+          </p:cNvSpPr>
+          <p:nvPr/>
+        </p:nvSpPr>
+        <p:spPr bwMode="auto">
+          <a:xfrm flipH="1">
+            <a:off x="2444750" y="3455988"/>
+            <a:ext cx="647700" cy="647700"/>
+          </a:xfrm>
+          <a:prstGeom prst="ellipse">
+            <a:avLst/>
+          </a:prstGeom>
+          <a:solidFill>
+            <a:srgbClr val="F6AA26"/>
+          </a:solidFill>
+          <a:ln>
+            <a:noFill/>
+          </a:ln>
+        </p:spPr>
+        <p:txBody>
+          <a:bodyPr vert="horz" wrap="square" lIns="91440" tIns="45720" rIns="91440" bIns="45720" numCol="1" anchor="ctr" anchorCtr="0" compatLnSpc="1">
+            <a:prstTxWarp prst="textNoShape">
+              <a:avLst/>
+            </a:prstTxWarp>
+          </a:bodyPr>
+          <a:lstStyle/>
+          <a:p>
+            <a:pPr marL="0" marR="0" lvl="0" indent="0" algn="ctr" defTabSz="914400" eaLnBrk="1" fontAlgn="base" latinLnBrk="0" hangingPunct="1">
+              <a:lnSpc>
+                <a:spcPct val="100000"/>
+              </a:lnSpc>
+              <a:spcBef>
+                <a:spcPct val="0"/>
+              </a:spcBef>
+              <a:spcAft>
+                <a:spcPct val="0"/>
+              </a:spcAft>
+              <a:buClrTx/>
+              <a:buSzTx/>
+              <a:buFontTx/>
+              <a:buNone/>
+              <a:tabLst/>
+              <a:defRPr/>
+            </a:pPr>
+            <a:r>
+              <a:rPr kumimoji="0" lang="en-AU" altLang="zh-CN" sz="1000" b="1" i="0" u="none" strike="noStrike" kern="0" cap="none" spc="0" normalizeH="0" baseline="0" noProof="0" dirty="0" smtClean="0">
+                <a:ln>
+                  <a:noFill/>
+                </a:ln>
+                <a:solidFill>
+                  <a:srgbClr val="FFFFFF"/>
+                </a:solidFill>
+                <a:effectLst/>
+                <a:uLnTx/>
+                <a:uFillTx/>
+                <a:latin typeface="微软雅黑" pitchFamily="34" charset="-122"/>
+                <a:ea typeface="微软雅黑" pitchFamily="34" charset="-122"/>
+                <a:cs typeface="宋体" pitchFamily="2" charset="-122"/>
+              </a:rPr>
+              <a:t>5.31</a:t>
+            </a:r>
+            <a:endParaRPr kumimoji="0" lang="zh-CN" altLang="zh-CN" sz="1000" b="0" i="0" u="none" strike="noStrike" kern="0" cap="none" spc="0" normalizeH="0" baseline="0" noProof="0" dirty="0" smtClean="0">
+              <a:ln>
+                <a:noFill/>
+              </a:ln>
+              <a:solidFill>
+                <a:prstClr val="black"/>
+              </a:solidFill>
+              <a:effectLst/>
+              <a:uLnTx/>
+              <a:uFillTx/>
+              <a:latin typeface="Arial" pitchFamily="34" charset="0"/>
+              <a:cs typeface="宋体" pitchFamily="2" charset="-122"/>
+            </a:endParaRPr>
+          </a:p>
+        </p:txBody>
+      </p:sp>
+      <p:sp>
+        <p:nvSpPr>
+          <p:cNvPr id="40" name="Oval 142"/>
+          <p:cNvSpPr>
+            <a:spLocks noChangeAspect="1" noChangeArrowheads="1"/>
+          </p:cNvSpPr>
+          <p:nvPr/>
+        </p:nvSpPr>
+        <p:spPr bwMode="auto">
+          <a:xfrm flipH="1">
+            <a:off x="3495675" y="4359275"/>
+            <a:ext cx="647700" cy="649288"/>
+          </a:xfrm>
+          <a:prstGeom prst="ellipse">
+            <a:avLst/>
+          </a:prstGeom>
+          <a:solidFill>
+            <a:srgbClr val="00939F"/>
+          </a:solidFill>
+          <a:ln>
+            <a:noFill/>
+          </a:ln>
+        </p:spPr>
+        <p:txBody>
+          <a:bodyPr vert="horz" wrap="square" lIns="91440" tIns="45720" rIns="91440" bIns="45720" numCol="1" anchor="ctr" anchorCtr="0" compatLnSpc="1">
+            <a:prstTxWarp prst="textNoShape">
+              <a:avLst/>
+            </a:prstTxWarp>
+          </a:bodyPr>
+          <a:lstStyle/>
+          <a:p>
+            <a:pPr marL="0" marR="0" lvl="0" indent="0" algn="ctr" defTabSz="914400" eaLnBrk="1" fontAlgn="base" latinLnBrk="0" hangingPunct="1">
+              <a:lnSpc>
+                <a:spcPct val="100000"/>
+              </a:lnSpc>
+              <a:spcBef>
+                <a:spcPct val="0"/>
+              </a:spcBef>
+              <a:spcAft>
+                <a:spcPct val="0"/>
+              </a:spcAft>
+              <a:buClrTx/>
+              <a:buSzTx/>
+              <a:buFontTx/>
+              <a:buNone/>
+              <a:tabLst/>
+              <a:defRPr/>
+            </a:pPr>
+            <a:r>
+              <a:rPr lang="en-AU" altLang="zh-CN" sz="1000" b="1" kern="0" dirty="0" smtClean="0">
+                <a:solidFill>
+                  <a:srgbClr val="FFFFFF"/>
+                </a:solidFill>
+                <a:latin typeface="微软雅黑" pitchFamily="34" charset="-122"/>
+                <a:ea typeface="微软雅黑" pitchFamily="34" charset="-122"/>
+                <a:cs typeface="宋体" pitchFamily="2" charset="-122"/>
+              </a:rPr>
+              <a:t>8</a:t>
+            </a:r>
+            <a:r>
+              <a:rPr kumimoji="0" lang="en-AU" altLang="zh-CN" sz="1000" b="1" i="0" u="none" strike="noStrike" kern="0" cap="none" spc="0" normalizeH="0" baseline="0" noProof="0" dirty="0" smtClean="0">
+                <a:ln>
+                  <a:noFill/>
+                </a:ln>
+                <a:solidFill>
+                  <a:srgbClr val="FFFFFF"/>
+                </a:solidFill>
+                <a:effectLst/>
+                <a:uLnTx/>
+                <a:uFillTx/>
+                <a:latin typeface="微软雅黑" pitchFamily="34" charset="-122"/>
+                <a:ea typeface="微软雅黑" pitchFamily="34" charset="-122"/>
+                <a:cs typeface="宋体" pitchFamily="2" charset="-122"/>
+              </a:rPr>
+              <a:t>.1</a:t>
+            </a:r>
+            <a:endParaRPr kumimoji="0" lang="zh-CN" altLang="zh-CN" sz="1000" b="0" i="0" u="none" strike="noStrike" kern="0" cap="none" spc="0" normalizeH="0" baseline="0" noProof="0" dirty="0" smtClean="0">
+              <a:ln>
+                <a:noFill/>
+              </a:ln>
+              <a:solidFill>
+                <a:prstClr val="black"/>
+              </a:solidFill>
+              <a:effectLst/>
+              <a:uLnTx/>
+              <a:uFillTx/>
+              <a:latin typeface="Arial" pitchFamily="34" charset="0"/>
+              <a:cs typeface="宋体" pitchFamily="2" charset="-122"/>
+            </a:endParaRPr>
+          </a:p>
+        </p:txBody>
+      </p:sp>
+      <p:sp>
+        <p:nvSpPr>
+          <p:cNvPr id="41" name="Oval 143"/>
+          <p:cNvSpPr>
+            <a:spLocks noChangeAspect="1" noChangeArrowheads="1"/>
+          </p:cNvSpPr>
+          <p:nvPr/>
+        </p:nvSpPr>
+        <p:spPr bwMode="auto">
+          <a:xfrm flipH="1">
+            <a:off x="5392738" y="5241925"/>
+            <a:ext cx="649287" cy="647700"/>
+          </a:xfrm>
+          <a:prstGeom prst="ellipse">
+            <a:avLst/>
+          </a:prstGeom>
+          <a:solidFill>
+            <a:srgbClr val="394754"/>
+          </a:solidFill>
+          <a:ln>
+            <a:noFill/>
+          </a:ln>
+        </p:spPr>
+        <p:txBody>
+          <a:bodyPr vert="horz" wrap="square" lIns="91440" tIns="45720" rIns="91440" bIns="45720" numCol="1" anchor="ctr" anchorCtr="0" compatLnSpc="1">
+            <a:prstTxWarp prst="textNoShape">
+              <a:avLst/>
+            </a:prstTxWarp>
+          </a:bodyPr>
+          <a:lstStyle/>
+          <a:p>
+            <a:pPr marL="0" marR="0" lvl="0" indent="0" algn="ctr" defTabSz="914400" eaLnBrk="1" fontAlgn="base" latinLnBrk="0" hangingPunct="1">
+              <a:lnSpc>
+                <a:spcPct val="100000"/>
+              </a:lnSpc>
+              <a:spcBef>
+                <a:spcPct val="0"/>
+              </a:spcBef>
+              <a:spcAft>
+                <a:spcPct val="0"/>
+              </a:spcAft>
+              <a:buClrTx/>
+              <a:buSzTx/>
+              <a:buFontTx/>
+              <a:buNone/>
+              <a:tabLst/>
+              <a:defRPr/>
+            </a:pPr>
+            <a:r>
+              <a:rPr kumimoji="0" lang="en-AU" altLang="zh-CN" sz="1000" b="1" i="0" u="none" strike="noStrike" kern="0" cap="none" spc="0" normalizeH="0" baseline="0" noProof="0" dirty="0" smtClean="0">
+                <a:ln>
+                  <a:noFill/>
+                </a:ln>
+                <a:solidFill>
+                  <a:srgbClr val="FFFFFF"/>
+                </a:solidFill>
+                <a:effectLst/>
+                <a:uLnTx/>
+                <a:uFillTx/>
+                <a:latin typeface="微软雅黑" pitchFamily="34" charset="-122"/>
+                <a:ea typeface="微软雅黑" pitchFamily="34" charset="-122"/>
+                <a:cs typeface="宋体" pitchFamily="2" charset="-122"/>
+              </a:rPr>
+              <a:t>8.15</a:t>
+            </a:r>
+            <a:endParaRPr kumimoji="0" lang="zh-CN" altLang="zh-CN" sz="1000" b="0" i="0" u="none" strike="noStrike" kern="0" cap="none" spc="0" normalizeH="0" baseline="0" noProof="0" dirty="0" smtClean="0">
+              <a:ln>
+                <a:noFill/>
+              </a:ln>
+              <a:solidFill>
+                <a:prstClr val="black"/>
+              </a:solidFill>
+              <a:effectLst/>
+              <a:uLnTx/>
+              <a:uFillTx/>
+              <a:latin typeface="Arial" pitchFamily="34" charset="0"/>
+              <a:cs typeface="宋体" pitchFamily="2" charset="-122"/>
+            </a:endParaRPr>
+          </a:p>
+        </p:txBody>
+      </p:sp>
+      <p:sp>
+        <p:nvSpPr>
+          <p:cNvPr id="42" name="Oval 144"/>
+          <p:cNvSpPr>
+            <a:spLocks noChangeAspect="1" noChangeArrowheads="1"/>
+          </p:cNvSpPr>
+          <p:nvPr/>
+        </p:nvSpPr>
+        <p:spPr bwMode="auto">
+          <a:xfrm flipH="1">
+            <a:off x="6092825" y="3816350"/>
+            <a:ext cx="647700" cy="647700"/>
+          </a:xfrm>
+          <a:prstGeom prst="ellipse">
+            <a:avLst/>
+          </a:prstGeom>
+          <a:solidFill>
+            <a:srgbClr val="00939F"/>
+          </a:solidFill>
+          <a:ln>
+            <a:noFill/>
+          </a:ln>
+        </p:spPr>
+        <p:txBody>
+          <a:bodyPr vert="horz" wrap="square" lIns="91440" tIns="45720" rIns="91440" bIns="45720" numCol="1" anchor="ctr" anchorCtr="0" compatLnSpc="1">
+            <a:prstTxWarp prst="textNoShape">
+              <a:avLst/>
+            </a:prstTxWarp>
+          </a:bodyPr>
+          <a:lstStyle/>
+          <a:p>
+            <a:pPr marL="0" marR="0" lvl="0" indent="0" algn="ctr" defTabSz="914400" eaLnBrk="1" fontAlgn="base" latinLnBrk="0" hangingPunct="1">
+              <a:lnSpc>
+                <a:spcPct val="100000"/>
+              </a:lnSpc>
+              <a:spcBef>
+                <a:spcPct val="0"/>
+              </a:spcBef>
+              <a:spcAft>
+                <a:spcPct val="0"/>
+              </a:spcAft>
+              <a:buClrTx/>
+              <a:buSzTx/>
+              <a:buFontTx/>
+              <a:buNone/>
+              <a:tabLst/>
+              <a:defRPr/>
+            </a:pPr>
+            <a:r>
+              <a:rPr kumimoji="0" lang="en-AU" altLang="zh-CN" sz="1000" b="1" i="0" u="none" strike="noStrike" kern="0" cap="none" spc="0" normalizeH="0" baseline="0" noProof="0" dirty="0" smtClean="0">
+                <a:ln>
+                  <a:noFill/>
+                </a:ln>
+                <a:solidFill>
+                  <a:srgbClr val="FFFFFF"/>
+                </a:solidFill>
+                <a:effectLst/>
+                <a:uLnTx/>
+                <a:uFillTx/>
+                <a:latin typeface="微软雅黑" pitchFamily="34" charset="-122"/>
+                <a:ea typeface="微软雅黑" pitchFamily="34" charset="-122"/>
+                <a:cs typeface="宋体" pitchFamily="2" charset="-122"/>
+              </a:rPr>
+              <a:t>8.18</a:t>
+            </a:r>
+            <a:endParaRPr kumimoji="0" lang="zh-CN" altLang="zh-CN" sz="1000" b="0" i="0" u="none" strike="noStrike" kern="0" cap="none" spc="0" normalizeH="0" baseline="0" noProof="0" dirty="0" smtClean="0">
+              <a:ln>
+                <a:noFill/>
+              </a:ln>
+              <a:solidFill>
+                <a:prstClr val="black"/>
+              </a:solidFill>
+              <a:effectLst/>
+              <a:uLnTx/>
+              <a:uFillTx/>
+              <a:latin typeface="Arial" pitchFamily="34" charset="0"/>
+              <a:cs typeface="宋体" pitchFamily="2" charset="-122"/>
+            </a:endParaRPr>
+          </a:p>
+        </p:txBody>
+      </p:sp>
+      <p:sp>
+        <p:nvSpPr>
+          <p:cNvPr id="43" name="Oval 145"/>
+          <p:cNvSpPr>
+            <a:spLocks noChangeAspect="1" noChangeArrowheads="1"/>
+          </p:cNvSpPr>
+          <p:nvPr/>
+        </p:nvSpPr>
+        <p:spPr bwMode="auto">
+          <a:xfrm flipH="1">
+            <a:off x="7169150" y="2603500"/>
+            <a:ext cx="647700" cy="647700"/>
+          </a:xfrm>
+          <a:prstGeom prst="ellipse">
+            <a:avLst/>
+          </a:prstGeom>
+          <a:solidFill>
+            <a:srgbClr val="F6AA26"/>
+          </a:solidFill>
+          <a:ln>
+            <a:noFill/>
+          </a:ln>
+        </p:spPr>
+        <p:txBody>
+          <a:bodyPr vert="horz" wrap="square" lIns="91440" tIns="45720" rIns="91440" bIns="45720" numCol="1" anchor="ctr" anchorCtr="0" compatLnSpc="1">
+            <a:prstTxWarp prst="textNoShape">
+              <a:avLst/>
+            </a:prstTxWarp>
+          </a:bodyPr>
+          <a:lstStyle/>
+          <a:p>
+            <a:pPr marL="0" marR="0" lvl="0" indent="0" algn="ctr" defTabSz="914400" eaLnBrk="1" fontAlgn="base" latinLnBrk="0" hangingPunct="1">
+              <a:lnSpc>
+                <a:spcPct val="100000"/>
+              </a:lnSpc>
+              <a:spcBef>
+                <a:spcPct val="0"/>
+              </a:spcBef>
+              <a:spcAft>
+                <a:spcPct val="0"/>
+              </a:spcAft>
+              <a:buClrTx/>
+              <a:buSzTx/>
+              <a:buFontTx/>
+              <a:buNone/>
+              <a:tabLst/>
+              <a:defRPr/>
+            </a:pPr>
+            <a:r>
+              <a:rPr kumimoji="0" lang="en-AU" altLang="zh-CN" sz="1000" b="1" i="0" u="none" strike="noStrike" kern="0" cap="none" spc="0" normalizeH="0" baseline="0" noProof="0" dirty="0" smtClean="0">
+                <a:ln>
+                  <a:noFill/>
+                </a:ln>
+                <a:solidFill>
+                  <a:srgbClr val="FFFFFF"/>
+                </a:solidFill>
+                <a:effectLst/>
+                <a:uLnTx/>
+                <a:uFillTx/>
+                <a:latin typeface="微软雅黑" pitchFamily="34" charset="-122"/>
+                <a:ea typeface="微软雅黑" pitchFamily="34" charset="-122"/>
+                <a:cs typeface="宋体" pitchFamily="2" charset="-122"/>
+              </a:rPr>
+              <a:t>8.19</a:t>
+            </a:r>
+            <a:endParaRPr kumimoji="0" lang="zh-CN" altLang="zh-CN" sz="1000" b="0" i="0" u="none" strike="noStrike" kern="0" cap="none" spc="0" normalizeH="0" baseline="0" noProof="0" dirty="0" smtClean="0">
+              <a:ln>
+                <a:noFill/>
+              </a:ln>
+              <a:solidFill>
+                <a:prstClr val="black"/>
+              </a:solidFill>
+              <a:effectLst/>
+              <a:uLnTx/>
+              <a:uFillTx/>
+              <a:latin typeface="Arial" pitchFamily="34" charset="0"/>
+              <a:cs typeface="宋体" pitchFamily="2" charset="-122"/>
+            </a:endParaRPr>
+          </a:p>
+        </p:txBody>
+      </p:sp>
+      <p:sp>
+        <p:nvSpPr>
+          <p:cNvPr id="44" name="Oval 146"/>
+          <p:cNvSpPr>
+            <a:spLocks noChangeAspect="1" noChangeArrowheads="1"/>
+          </p:cNvSpPr>
+          <p:nvPr/>
+        </p:nvSpPr>
+        <p:spPr bwMode="auto">
+          <a:xfrm flipH="1">
+            <a:off x="8818563" y="3470275"/>
+            <a:ext cx="647700" cy="647700"/>
+          </a:xfrm>
+          <a:prstGeom prst="ellipse">
+            <a:avLst/>
+          </a:prstGeom>
+          <a:solidFill>
+            <a:srgbClr val="EA552B"/>
+          </a:solidFill>
+          <a:ln>
+            <a:noFill/>
+          </a:ln>
+        </p:spPr>
+        <p:txBody>
+          <a:bodyPr vert="horz" wrap="square" lIns="91440" tIns="45720" rIns="91440" bIns="45720" numCol="1" anchor="ctr" anchorCtr="0" compatLnSpc="1">
+            <a:prstTxWarp prst="textNoShape">
+              <a:avLst/>
+            </a:prstTxWarp>
+          </a:bodyPr>
+          <a:lstStyle/>
+          <a:p>
+            <a:pPr marL="0" marR="0" lvl="0" indent="0" algn="ctr" defTabSz="914400" eaLnBrk="1" fontAlgn="base" latinLnBrk="0" hangingPunct="1">
+              <a:lnSpc>
+                <a:spcPct val="100000"/>
+              </a:lnSpc>
+              <a:spcBef>
+                <a:spcPct val="0"/>
+              </a:spcBef>
+              <a:spcAft>
+                <a:spcPct val="0"/>
+              </a:spcAft>
+              <a:buClrTx/>
+              <a:buSzTx/>
+              <a:buFontTx/>
+              <a:buNone/>
+              <a:tabLst/>
+              <a:defRPr/>
+            </a:pPr>
+            <a:r>
+              <a:rPr kumimoji="0" lang="en-AU" altLang="zh-CN" sz="1000" b="1" i="0" u="none" strike="noStrike" kern="0" cap="none" spc="0" normalizeH="0" baseline="0" noProof="0" dirty="0" smtClean="0">
+                <a:ln>
+                  <a:noFill/>
+                </a:ln>
+                <a:solidFill>
+                  <a:srgbClr val="FFFFFF"/>
+                </a:solidFill>
+                <a:effectLst/>
+                <a:uLnTx/>
+                <a:uFillTx/>
+                <a:latin typeface="微软雅黑" pitchFamily="34" charset="-122"/>
+                <a:ea typeface="微软雅黑" pitchFamily="34" charset="-122"/>
+                <a:cs typeface="宋体" pitchFamily="2" charset="-122"/>
+              </a:rPr>
+              <a:t>8.23</a:t>
+            </a:r>
+            <a:endParaRPr kumimoji="0" lang="zh-CN" altLang="zh-CN" sz="1000" b="0" i="0" u="none" strike="noStrike" kern="0" cap="none" spc="0" normalizeH="0" baseline="0" noProof="0" dirty="0" smtClean="0">
+              <a:ln>
+                <a:noFill/>
+              </a:ln>
+              <a:solidFill>
+                <a:prstClr val="black"/>
+              </a:solidFill>
+              <a:effectLst/>
+              <a:uLnTx/>
+              <a:uFillTx/>
+              <a:latin typeface="Arial" pitchFamily="34" charset="0"/>
+              <a:cs typeface="宋体" pitchFamily="2" charset="-122"/>
+            </a:endParaRPr>
+          </a:p>
+        </p:txBody>
+      </p:sp>
+      <p:sp>
+        <p:nvSpPr>
+          <p:cNvPr id="45" name="TextBox 35"/>
+          <p:cNvSpPr txBox="1">
+            <a:spLocks noChangeArrowheads="1"/>
+          </p:cNvSpPr>
+          <p:nvPr/>
+        </p:nvSpPr>
+        <p:spPr bwMode="auto">
+          <a:xfrm>
+            <a:off x="1052669" y="2191742"/>
+            <a:ext cx="2000250" cy="307777"/>
+          </a:xfrm>
+          <a:prstGeom prst="rect">
+            <a:avLst/>
+          </a:prstGeom>
+          <a:noFill/>
+          <a:ln>
+            <a:noFill/>
+          </a:ln>
+          <a:extLst>
+            <a:ext uri="{909E8E84-426E-40DD-AFC4-6F175D3DCCD1}">
+              <a14:hiddenFill xmlns:a14="http://schemas.microsoft.com/office/drawing/2010/main">
+                <a:solidFill>
+                  <a:srgbClr val="FFFFFF"/>
+                </a:solidFill>
+              </a14:hiddenFill>
+            </a:ext>
+            <a:ext uri="{91240B29-F687-4F45-9708-019B960494DF}">
+              <a14:hiddenLine xmlns:a14="http://schemas.microsoft.com/office/drawing/2010/main" w="9525">
+                <a:solidFill>
+                  <a:srgbClr val="000000"/>
+                </a:solidFill>
+                <a:miter lim="800000"/>
+                <a:headEnd/>
+                <a:tailEnd/>
+              </a14:hiddenLine>
+            </a:ext>
+          </a:extLst>
+        </p:spPr>
+        <p:txBody>
+          <a:bodyPr vert="horz" wrap="square" lIns="91440" tIns="45720" rIns="91440" bIns="45720" numCol="1" anchor="t" anchorCtr="0" compatLnSpc="1">
+            <a:prstTxWarp prst="textNoShape">
+              <a:avLst/>
+            </a:prstTxWarp>
+            <a:spAutoFit/>
+          </a:bodyPr>
+          <a:lstStyle>
+            <a:defPPr>
+              <a:defRPr lang="zh-CN"/>
+            </a:defPPr>
+            <a:lvl1pPr>
+              <a:defRPr sz="1400" kern="0">
+                <a:latin typeface="微软雅黑" pitchFamily="34" charset="-122"/>
+                <a:ea typeface="微软雅黑" pitchFamily="34" charset="-122"/>
+              </a:defRPr>
+            </a:lvl1pPr>
+          </a:lstStyle>
+          <a:p>
+            <a:pPr marL="0" marR="0" lvl="0" indent="0" algn="ctr" defTabSz="914400" eaLnBrk="1" fontAlgn="base" latinLnBrk="0" hangingPunct="1">
+              <a:lnSpc>
+                <a:spcPct val="100000"/>
+              </a:lnSpc>
+              <a:spcBef>
+                <a:spcPct val="0"/>
+              </a:spcBef>
+              <a:spcAft>
+                <a:spcPct val="0"/>
+              </a:spcAft>
+              <a:buClrTx/>
+              <a:buSzTx/>
+              <a:buFontTx/>
+              <a:buNone/>
+              <a:tabLst/>
+              <a:defRPr/>
+            </a:pPr>
+            <a:r>
+              <a:rPr kumimoji="0" lang="zh-CN" altLang="en-US" sz="1400" b="0" i="0" u="none" strike="noStrike" kern="0" cap="none" spc="0" normalizeH="0" baseline="0" noProof="0" dirty="0">
+                <a:ln>
+                  <a:noFill/>
+                </a:ln>
+                <a:solidFill>
+                  <a:prstClr val="black"/>
+                </a:solidFill>
+                <a:effectLst/>
+                <a:uLnTx/>
+                <a:uFillTx/>
+                <a:latin typeface="微软雅黑" pitchFamily="34" charset="-122"/>
+                <a:ea typeface="微软雅黑" pitchFamily="34" charset="-122"/>
+              </a:rPr>
+              <a:t>比赛报名截止</a:t>
+            </a:r>
+            <a:endParaRPr kumimoji="0" lang="en-US" altLang="zh-CN" sz="1400" b="0" i="0" u="none" strike="noStrike" kern="0" cap="none" spc="0" normalizeH="0" baseline="0" noProof="0" dirty="0">
+              <a:ln>
+                <a:noFill/>
+              </a:ln>
+              <a:solidFill>
+                <a:prstClr val="black"/>
+              </a:solidFill>
+              <a:effectLst/>
+              <a:uLnTx/>
+              <a:uFillTx/>
+              <a:latin typeface="微软雅黑" pitchFamily="34" charset="-122"/>
+              <a:ea typeface="微软雅黑" pitchFamily="34" charset="-122"/>
+            </a:endParaRPr>
+          </a:p>
+        </p:txBody>
+      </p:sp>
+      <p:sp>
+        <p:nvSpPr>
+          <p:cNvPr id="46" name="TextBox 35"/>
+          <p:cNvSpPr txBox="1">
+            <a:spLocks noChangeArrowheads="1"/>
+          </p:cNvSpPr>
+          <p:nvPr/>
+        </p:nvSpPr>
+        <p:spPr bwMode="auto">
+          <a:xfrm>
+            <a:off x="3115470" y="3581926"/>
+            <a:ext cx="2000250" cy="307777"/>
+          </a:xfrm>
+          <a:prstGeom prst="rect">
+            <a:avLst/>
+          </a:prstGeom>
+          <a:noFill/>
+          <a:ln>
+            <a:noFill/>
+          </a:ln>
+          <a:extLst>
+            <a:ext uri="{909E8E84-426E-40DD-AFC4-6F175D3DCCD1}">
+              <a14:hiddenFill xmlns:a14="http://schemas.microsoft.com/office/drawing/2010/main">
+                <a:solidFill>
+                  <a:srgbClr val="FFFFFF"/>
+                </a:solidFill>
+              </a14:hiddenFill>
+            </a:ext>
+            <a:ext uri="{91240B29-F687-4F45-9708-019B960494DF}">
+              <a14:hiddenLine xmlns:a14="http://schemas.microsoft.com/office/drawing/2010/main" w="9525">
+                <a:solidFill>
+                  <a:srgbClr val="000000"/>
+                </a:solidFill>
+                <a:miter lim="800000"/>
+                <a:headEnd/>
+                <a:tailEnd/>
+              </a14:hiddenLine>
+            </a:ext>
+          </a:extLst>
+        </p:spPr>
+        <p:txBody>
+          <a:bodyPr vert="horz" wrap="square" lIns="91440" tIns="45720" rIns="91440" bIns="45720" numCol="1" anchor="t" anchorCtr="0" compatLnSpc="1">
+            <a:prstTxWarp prst="textNoShape">
+              <a:avLst/>
+            </a:prstTxWarp>
+            <a:spAutoFit/>
+          </a:bodyPr>
+          <a:lstStyle>
+            <a:defPPr>
+              <a:defRPr lang="zh-CN"/>
+            </a:defPPr>
+            <a:lvl1pPr>
+              <a:defRPr sz="1400" kern="0">
+                <a:latin typeface="微软雅黑" pitchFamily="34" charset="-122"/>
+                <a:ea typeface="微软雅黑" pitchFamily="34" charset="-122"/>
+              </a:defRPr>
+            </a:lvl1pPr>
+          </a:lstStyle>
+          <a:p>
+            <a:pPr marL="0" marR="0" lvl="0" indent="0" defTabSz="914400" eaLnBrk="1" fontAlgn="base" latinLnBrk="0" hangingPunct="1">
+              <a:lnSpc>
+                <a:spcPct val="100000"/>
+              </a:lnSpc>
+              <a:spcBef>
+                <a:spcPct val="0"/>
+              </a:spcBef>
+              <a:spcAft>
+                <a:spcPct val="0"/>
+              </a:spcAft>
+              <a:buClrTx/>
+              <a:buSzTx/>
+              <a:buFontTx/>
+              <a:buNone/>
+              <a:tabLst/>
+              <a:defRPr/>
+            </a:pPr>
+            <a:r>
+              <a:rPr kumimoji="0" lang="zh-CN" altLang="en-US" sz="1400" b="0" i="0" u="none" strike="noStrike" kern="0" cap="none" spc="0" normalizeH="0" baseline="0" noProof="0" dirty="0">
+                <a:ln>
+                  <a:noFill/>
+                </a:ln>
+                <a:solidFill>
+                  <a:prstClr val="black"/>
+                </a:solidFill>
+                <a:effectLst/>
+                <a:uLnTx/>
+                <a:uFillTx/>
+                <a:latin typeface="微软雅黑" pitchFamily="34" charset="-122"/>
+                <a:ea typeface="微软雅黑" pitchFamily="34" charset="-122"/>
+              </a:rPr>
+              <a:t>初赛提交截止</a:t>
+            </a:r>
+            <a:endParaRPr kumimoji="0" lang="en-US" altLang="zh-CN" sz="1400" b="0" i="0" u="none" strike="noStrike" kern="0" cap="none" spc="0" normalizeH="0" baseline="0" noProof="0" dirty="0">
+              <a:ln>
+                <a:noFill/>
+              </a:ln>
+              <a:solidFill>
+                <a:prstClr val="black"/>
+              </a:solidFill>
+              <a:effectLst/>
+              <a:uLnTx/>
+              <a:uFillTx/>
+              <a:latin typeface="微软雅黑" pitchFamily="34" charset="-122"/>
+              <a:ea typeface="微软雅黑" pitchFamily="34" charset="-122"/>
+            </a:endParaRPr>
+          </a:p>
+        </p:txBody>
+      </p:sp>
+      <p:sp>
+        <p:nvSpPr>
+          <p:cNvPr id="47" name="TextBox 35"/>
+          <p:cNvSpPr txBox="1">
+            <a:spLocks noChangeArrowheads="1"/>
+          </p:cNvSpPr>
+          <p:nvPr/>
+        </p:nvSpPr>
+        <p:spPr bwMode="auto">
+          <a:xfrm>
+            <a:off x="2758962" y="5096103"/>
+            <a:ext cx="2000250" cy="523220"/>
+          </a:xfrm>
+          <a:prstGeom prst="rect">
+            <a:avLst/>
+          </a:prstGeom>
+          <a:noFill/>
+          <a:ln>
+            <a:noFill/>
+          </a:ln>
+          <a:extLst>
+            <a:ext uri="{909E8E84-426E-40DD-AFC4-6F175D3DCCD1}">
+              <a14:hiddenFill xmlns:a14="http://schemas.microsoft.com/office/drawing/2010/main">
+                <a:solidFill>
+                  <a:srgbClr val="FFFFFF"/>
+                </a:solidFill>
+              </a14:hiddenFill>
+            </a:ext>
+            <a:ext uri="{91240B29-F687-4F45-9708-019B960494DF}">
+              <a14:hiddenLine xmlns:a14="http://schemas.microsoft.com/office/drawing/2010/main" w="9525">
+                <a:solidFill>
+                  <a:srgbClr val="000000"/>
+                </a:solidFill>
+                <a:miter lim="800000"/>
+                <a:headEnd/>
+                <a:tailEnd/>
+              </a14:hiddenLine>
+            </a:ext>
+          </a:extLst>
+        </p:spPr>
+        <p:txBody>
+          <a:bodyPr vert="horz" wrap="square" lIns="91440" tIns="45720" rIns="91440" bIns="45720" numCol="1" anchor="t" anchorCtr="0" compatLnSpc="1">
+            <a:prstTxWarp prst="textNoShape">
+              <a:avLst/>
+            </a:prstTxWarp>
+            <a:spAutoFit/>
+          </a:bodyPr>
+          <a:lstStyle>
+            <a:defPPr>
+              <a:defRPr lang="zh-CN"/>
+            </a:defPPr>
+            <a:lvl1pPr>
+              <a:defRPr sz="1400" kern="0">
+                <a:latin typeface="微软雅黑" pitchFamily="34" charset="-122"/>
+                <a:ea typeface="微软雅黑" pitchFamily="34" charset="-122"/>
+              </a:defRPr>
+            </a:lvl1pPr>
+          </a:lstStyle>
+          <a:p>
+            <a:pPr marL="0" marR="0" lvl="0" indent="0" defTabSz="914400" eaLnBrk="1" fontAlgn="base" latinLnBrk="0" hangingPunct="1">
+              <a:lnSpc>
+                <a:spcPct val="100000"/>
+              </a:lnSpc>
+              <a:spcBef>
+                <a:spcPct val="0"/>
+              </a:spcBef>
+              <a:spcAft>
+                <a:spcPct val="0"/>
+              </a:spcAft>
+              <a:buClrTx/>
+              <a:buSzTx/>
+              <a:buFontTx/>
+              <a:buNone/>
+              <a:tabLst/>
+              <a:defRPr/>
+            </a:pPr>
+            <a:r>
+              <a:rPr kumimoji="0" lang="zh-CN" altLang="en-US" sz="1400" b="0" i="0" u="none" strike="noStrike" kern="0" cap="none" spc="0" normalizeH="0" baseline="0" noProof="0" dirty="0">
+                <a:ln>
+                  <a:noFill/>
+                </a:ln>
+                <a:solidFill>
+                  <a:prstClr val="black"/>
+                </a:solidFill>
+                <a:effectLst/>
+                <a:uLnTx/>
+                <a:uFillTx/>
+                <a:latin typeface="微软雅黑" pitchFamily="34" charset="-122"/>
+                <a:ea typeface="微软雅黑" pitchFamily="34" charset="-122"/>
+              </a:rPr>
+              <a:t>内核赛道决赛第一阶段提交截止</a:t>
+            </a:r>
+            <a:endParaRPr kumimoji="0" lang="en-US" altLang="zh-CN" sz="1400" b="0" i="0" u="none" strike="noStrike" kern="0" cap="none" spc="0" normalizeH="0" baseline="0" noProof="0" dirty="0">
+              <a:ln>
+                <a:noFill/>
+              </a:ln>
+              <a:solidFill>
+                <a:prstClr val="black"/>
+              </a:solidFill>
+              <a:effectLst/>
+              <a:uLnTx/>
+              <a:uFillTx/>
+              <a:latin typeface="微软雅黑" pitchFamily="34" charset="-122"/>
+              <a:ea typeface="微软雅黑" pitchFamily="34" charset="-122"/>
+            </a:endParaRPr>
+          </a:p>
+        </p:txBody>
+      </p:sp>
+      <p:sp>
+        <p:nvSpPr>
+          <p:cNvPr id="48" name="TextBox 35"/>
+          <p:cNvSpPr txBox="1">
+            <a:spLocks noChangeArrowheads="1"/>
+          </p:cNvSpPr>
+          <p:nvPr/>
+        </p:nvSpPr>
+        <p:spPr bwMode="auto">
+          <a:xfrm>
+            <a:off x="6766380" y="3889703"/>
+            <a:ext cx="1567996" cy="523220"/>
+          </a:xfrm>
+          <a:prstGeom prst="rect">
+            <a:avLst/>
+          </a:prstGeom>
+          <a:noFill/>
+          <a:ln>
+            <a:noFill/>
+          </a:ln>
+          <a:extLst>
+            <a:ext uri="{909E8E84-426E-40DD-AFC4-6F175D3DCCD1}">
+              <a14:hiddenFill xmlns:a14="http://schemas.microsoft.com/office/drawing/2010/main">
+                <a:solidFill>
+                  <a:srgbClr val="FFFFFF"/>
+                </a:solidFill>
+              </a14:hiddenFill>
+            </a:ext>
+            <a:ext uri="{91240B29-F687-4F45-9708-019B960494DF}">
+              <a14:hiddenLine xmlns:a14="http://schemas.microsoft.com/office/drawing/2010/main" w="9525">
+                <a:solidFill>
+                  <a:srgbClr val="000000"/>
+                </a:solidFill>
+                <a:miter lim="800000"/>
+                <a:headEnd/>
+                <a:tailEnd/>
+              </a14:hiddenLine>
+            </a:ext>
+          </a:extLst>
+        </p:spPr>
+        <p:txBody>
+          <a:bodyPr vert="horz" wrap="square" lIns="91440" tIns="45720" rIns="91440" bIns="45720" numCol="1" anchor="t" anchorCtr="0" compatLnSpc="1">
+            <a:prstTxWarp prst="textNoShape">
+              <a:avLst/>
+            </a:prstTxWarp>
+            <a:spAutoFit/>
+          </a:bodyPr>
+          <a:lstStyle>
+            <a:defPPr>
+              <a:defRPr lang="zh-CN"/>
+            </a:defPPr>
+            <a:lvl1pPr>
+              <a:defRPr sz="1400" kern="0">
+                <a:latin typeface="微软雅黑" pitchFamily="34" charset="-122"/>
+                <a:ea typeface="微软雅黑" pitchFamily="34" charset="-122"/>
+              </a:defRPr>
+            </a:lvl1pPr>
+          </a:lstStyle>
+          <a:p>
+            <a:pPr marL="0" marR="0" lvl="0" indent="0" defTabSz="914400" eaLnBrk="1" fontAlgn="base" latinLnBrk="0" hangingPunct="1">
+              <a:lnSpc>
+                <a:spcPct val="100000"/>
+              </a:lnSpc>
+              <a:spcBef>
+                <a:spcPct val="0"/>
+              </a:spcBef>
+              <a:spcAft>
+                <a:spcPct val="0"/>
+              </a:spcAft>
+              <a:buClrTx/>
+              <a:buSzTx/>
+              <a:buFontTx/>
+              <a:buNone/>
+              <a:tabLst/>
+              <a:defRPr/>
+            </a:pPr>
+            <a:r>
+              <a:rPr kumimoji="0" lang="zh-CN" altLang="en-US" sz="1400" b="0" i="0" u="none" strike="noStrike" kern="0" cap="none" spc="0" normalizeH="0" baseline="0" noProof="0" dirty="0">
+                <a:ln>
+                  <a:noFill/>
+                </a:ln>
+                <a:solidFill>
+                  <a:prstClr val="black"/>
+                </a:solidFill>
+                <a:effectLst/>
+                <a:uLnTx/>
+                <a:uFillTx/>
+                <a:latin typeface="微软雅黑" pitchFamily="34" charset="-122"/>
+                <a:ea typeface="微软雅黑" pitchFamily="34" charset="-122"/>
+              </a:rPr>
+              <a:t>功能赛道答辩、内核赛道现场赛</a:t>
+            </a:r>
+            <a:endParaRPr kumimoji="0" lang="en-US" altLang="zh-CN" sz="1400" b="0" i="0" u="none" strike="noStrike" kern="0" cap="none" spc="0" normalizeH="0" baseline="0" noProof="0" dirty="0">
+              <a:ln>
+                <a:noFill/>
+              </a:ln>
+              <a:solidFill>
+                <a:prstClr val="black"/>
+              </a:solidFill>
+              <a:effectLst/>
+              <a:uLnTx/>
+              <a:uFillTx/>
+              <a:latin typeface="微软雅黑" pitchFamily="34" charset="-122"/>
+              <a:ea typeface="微软雅黑" pitchFamily="34" charset="-122"/>
+            </a:endParaRPr>
+          </a:p>
+        </p:txBody>
+      </p:sp>
+      <p:sp>
+        <p:nvSpPr>
+          <p:cNvPr id="49" name="TextBox 35"/>
+          <p:cNvSpPr txBox="1">
+            <a:spLocks noChangeArrowheads="1"/>
+          </p:cNvSpPr>
+          <p:nvPr/>
+        </p:nvSpPr>
+        <p:spPr bwMode="auto">
+          <a:xfrm>
+            <a:off x="5092700" y="5940623"/>
+            <a:ext cx="2000250" cy="307777"/>
+          </a:xfrm>
+          <a:prstGeom prst="rect">
+            <a:avLst/>
+          </a:prstGeom>
+          <a:noFill/>
+          <a:ln>
+            <a:noFill/>
+          </a:ln>
+          <a:extLst>
+            <a:ext uri="{909E8E84-426E-40DD-AFC4-6F175D3DCCD1}">
+              <a14:hiddenFill xmlns:a14="http://schemas.microsoft.com/office/drawing/2010/main">
+                <a:solidFill>
+                  <a:srgbClr val="FFFFFF"/>
+                </a:solidFill>
+              </a14:hiddenFill>
+            </a:ext>
+            <a:ext uri="{91240B29-F687-4F45-9708-019B960494DF}">
+              <a14:hiddenLine xmlns:a14="http://schemas.microsoft.com/office/drawing/2010/main" w="9525">
+                <a:solidFill>
+                  <a:srgbClr val="000000"/>
+                </a:solidFill>
+                <a:miter lim="800000"/>
+                <a:headEnd/>
+                <a:tailEnd/>
+              </a14:hiddenLine>
+            </a:ext>
+          </a:extLst>
+        </p:spPr>
+        <p:txBody>
+          <a:bodyPr vert="horz" wrap="square" lIns="91440" tIns="45720" rIns="91440" bIns="45720" numCol="1" anchor="t" anchorCtr="0" compatLnSpc="1">
+            <a:prstTxWarp prst="textNoShape">
+              <a:avLst/>
+            </a:prstTxWarp>
+            <a:spAutoFit/>
+          </a:bodyPr>
+          <a:lstStyle/>
+          <a:p>
+            <a:pPr fontAlgn="base">
+              <a:spcBef>
+                <a:spcPct val="0"/>
+              </a:spcBef>
+              <a:spcAft>
+                <a:spcPct val="0"/>
+              </a:spcAft>
+            </a:pPr>
+            <a:r>
+              <a:rPr lang="zh-CN" altLang="en-US" sz="1400" kern="0" dirty="0" smtClean="0">
+                <a:solidFill>
+                  <a:prstClr val="black"/>
+                </a:solidFill>
+                <a:latin typeface="微软雅黑" pitchFamily="34" charset="-122"/>
+                <a:ea typeface="微软雅黑" pitchFamily="34" charset="-122"/>
+              </a:rPr>
+              <a:t>决赛</a:t>
+            </a:r>
+            <a:r>
+              <a:rPr lang="zh-CN" altLang="en-US" sz="1400" kern="0" dirty="0">
+                <a:solidFill>
+                  <a:prstClr val="black"/>
+                </a:solidFill>
+                <a:latin typeface="微软雅黑" pitchFamily="34" charset="-122"/>
+                <a:ea typeface="微软雅黑" pitchFamily="34" charset="-122"/>
+              </a:rPr>
+              <a:t>提交截止</a:t>
+            </a:r>
+            <a:endParaRPr lang="en-US" altLang="zh-CN" sz="1400" kern="0" dirty="0">
+              <a:solidFill>
+                <a:prstClr val="black"/>
+              </a:solidFill>
+              <a:latin typeface="微软雅黑" pitchFamily="34" charset="-122"/>
+              <a:ea typeface="微软雅黑" pitchFamily="34" charset="-122"/>
+            </a:endParaRPr>
+          </a:p>
+        </p:txBody>
+      </p:sp>
+      <p:sp>
+        <p:nvSpPr>
+          <p:cNvPr id="50" name="TextBox 35"/>
+          <p:cNvSpPr txBox="1">
+            <a:spLocks noChangeArrowheads="1"/>
+          </p:cNvSpPr>
+          <p:nvPr/>
+        </p:nvSpPr>
+        <p:spPr bwMode="auto">
+          <a:xfrm>
+            <a:off x="6492875" y="2270224"/>
+            <a:ext cx="2000250" cy="307777"/>
+          </a:xfrm>
+          <a:prstGeom prst="rect">
+            <a:avLst/>
+          </a:prstGeom>
+          <a:noFill/>
+          <a:ln>
+            <a:noFill/>
+          </a:ln>
+          <a:extLst>
+            <a:ext uri="{909E8E84-426E-40DD-AFC4-6F175D3DCCD1}">
+              <a14:hiddenFill xmlns:a14="http://schemas.microsoft.com/office/drawing/2010/main">
+                <a:solidFill>
+                  <a:srgbClr val="FFFFFF"/>
+                </a:solidFill>
+              </a14:hiddenFill>
+            </a:ext>
+            <a:ext uri="{91240B29-F687-4F45-9708-019B960494DF}">
+              <a14:hiddenLine xmlns:a14="http://schemas.microsoft.com/office/drawing/2010/main" w="9525">
+                <a:solidFill>
+                  <a:srgbClr val="000000"/>
+                </a:solidFill>
+                <a:miter lim="800000"/>
+                <a:headEnd/>
+                <a:tailEnd/>
+              </a14:hiddenLine>
+            </a:ext>
+          </a:extLst>
+        </p:spPr>
+        <p:txBody>
+          <a:bodyPr vert="horz" wrap="square" lIns="91440" tIns="45720" rIns="91440" bIns="45720" numCol="1" anchor="t" anchorCtr="0" compatLnSpc="1">
+            <a:prstTxWarp prst="textNoShape">
+              <a:avLst/>
+            </a:prstTxWarp>
+            <a:spAutoFit/>
+          </a:bodyPr>
+          <a:lstStyle>
+            <a:defPPr>
+              <a:defRPr lang="zh-CN"/>
+            </a:defPPr>
+            <a:lvl1pPr>
+              <a:defRPr sz="1400" kern="0">
+                <a:latin typeface="微软雅黑" pitchFamily="34" charset="-122"/>
+                <a:ea typeface="微软雅黑" pitchFamily="34" charset="-122"/>
+              </a:defRPr>
+            </a:lvl1pPr>
+          </a:lstStyle>
+          <a:p>
+            <a:pPr marL="0" marR="0" lvl="0" indent="0" algn="ctr" defTabSz="914400" eaLnBrk="1" fontAlgn="base" latinLnBrk="0" hangingPunct="1">
+              <a:lnSpc>
+                <a:spcPct val="100000"/>
+              </a:lnSpc>
+              <a:spcBef>
+                <a:spcPct val="0"/>
+              </a:spcBef>
+              <a:spcAft>
+                <a:spcPct val="0"/>
+              </a:spcAft>
+              <a:buClrTx/>
+              <a:buSzTx/>
+              <a:buFontTx/>
+              <a:buNone/>
+              <a:tabLst/>
+              <a:defRPr/>
+            </a:pPr>
+            <a:r>
+              <a:rPr kumimoji="0" lang="zh-CN" altLang="en-US" sz="1400" b="0" i="0" u="none" strike="noStrike" kern="0" cap="none" spc="0" normalizeH="0" baseline="0" noProof="0" dirty="0">
+                <a:ln>
+                  <a:noFill/>
+                </a:ln>
+                <a:solidFill>
+                  <a:prstClr val="black"/>
+                </a:solidFill>
+                <a:effectLst/>
+                <a:uLnTx/>
+                <a:uFillTx/>
+                <a:latin typeface="微软雅黑" pitchFamily="34" charset="-122"/>
+                <a:ea typeface="微软雅黑" pitchFamily="34" charset="-122"/>
+              </a:rPr>
+              <a:t>内核赛道答辩</a:t>
+            </a:r>
+            <a:endParaRPr kumimoji="0" lang="en-US" altLang="zh-CN" sz="1400" b="0" i="0" u="none" strike="noStrike" kern="0" cap="none" spc="0" normalizeH="0" baseline="0" noProof="0" dirty="0">
+              <a:ln>
+                <a:noFill/>
+              </a:ln>
+              <a:solidFill>
+                <a:prstClr val="black"/>
+              </a:solidFill>
+              <a:effectLst/>
+              <a:uLnTx/>
+              <a:uFillTx/>
+              <a:latin typeface="微软雅黑" pitchFamily="34" charset="-122"/>
+              <a:ea typeface="微软雅黑" pitchFamily="34" charset="-122"/>
+            </a:endParaRPr>
+          </a:p>
+        </p:txBody>
+      </p:sp>
+      <p:sp>
+        <p:nvSpPr>
+          <p:cNvPr id="51" name="TextBox 35"/>
+          <p:cNvSpPr txBox="1">
+            <a:spLocks noChangeArrowheads="1"/>
+          </p:cNvSpPr>
+          <p:nvPr/>
+        </p:nvSpPr>
+        <p:spPr bwMode="auto">
+          <a:xfrm>
+            <a:off x="9514764" y="3640236"/>
+            <a:ext cx="2000250" cy="307777"/>
+          </a:xfrm>
+          <a:prstGeom prst="rect">
+            <a:avLst/>
+          </a:prstGeom>
+          <a:noFill/>
+          <a:ln>
+            <a:noFill/>
+          </a:ln>
+          <a:extLst>
+            <a:ext uri="{909E8E84-426E-40DD-AFC4-6F175D3DCCD1}">
+              <a14:hiddenFill xmlns:a14="http://schemas.microsoft.com/office/drawing/2010/main">
+                <a:solidFill>
+                  <a:srgbClr val="FFFFFF"/>
+                </a:solidFill>
+              </a14:hiddenFill>
+            </a:ext>
+            <a:ext uri="{91240B29-F687-4F45-9708-019B960494DF}">
+              <a14:hiddenLine xmlns:a14="http://schemas.microsoft.com/office/drawing/2010/main" w="9525">
+                <a:solidFill>
+                  <a:srgbClr val="000000"/>
+                </a:solidFill>
+                <a:miter lim="800000"/>
+                <a:headEnd/>
+                <a:tailEnd/>
+              </a14:hiddenLine>
+            </a:ext>
+          </a:extLst>
+        </p:spPr>
+        <p:txBody>
+          <a:bodyPr vert="horz" wrap="square" lIns="91440" tIns="45720" rIns="91440" bIns="45720" numCol="1" anchor="t" anchorCtr="0" compatLnSpc="1">
+            <a:prstTxWarp prst="textNoShape">
+              <a:avLst/>
+            </a:prstTxWarp>
+            <a:spAutoFit/>
+          </a:bodyPr>
+          <a:lstStyle>
+            <a:defPPr>
+              <a:defRPr lang="zh-CN"/>
+            </a:defPPr>
+            <a:lvl1pPr>
+              <a:defRPr sz="1400" kern="0">
+                <a:latin typeface="微软雅黑" pitchFamily="34" charset="-122"/>
+                <a:ea typeface="微软雅黑" pitchFamily="34" charset="-122"/>
+              </a:defRPr>
+            </a:lvl1pPr>
+          </a:lstStyle>
+          <a:p>
+            <a:pPr marL="0" marR="0" lvl="0" indent="0" defTabSz="914400" eaLnBrk="1" fontAlgn="base" latinLnBrk="0" hangingPunct="1">
+              <a:lnSpc>
+                <a:spcPct val="100000"/>
+              </a:lnSpc>
+              <a:spcBef>
+                <a:spcPct val="0"/>
+              </a:spcBef>
+              <a:spcAft>
+                <a:spcPct val="0"/>
+              </a:spcAft>
+              <a:buClrTx/>
+              <a:buSzTx/>
+              <a:buFontTx/>
+              <a:buNone/>
+              <a:tabLst/>
+              <a:defRPr/>
+            </a:pPr>
+            <a:r>
+              <a:rPr kumimoji="0" lang="zh-CN" altLang="en-US" sz="1400" b="0" i="0" u="none" strike="noStrike" kern="0" cap="none" spc="0" normalizeH="0" baseline="0" noProof="0" dirty="0">
+                <a:ln>
+                  <a:noFill/>
+                </a:ln>
+                <a:solidFill>
+                  <a:prstClr val="black"/>
+                </a:solidFill>
+                <a:effectLst/>
+                <a:uLnTx/>
+                <a:uFillTx/>
+                <a:latin typeface="微软雅黑" pitchFamily="34" charset="-122"/>
+                <a:ea typeface="微软雅黑" pitchFamily="34" charset="-122"/>
+              </a:rPr>
+              <a:t>颁奖典礼</a:t>
+            </a:r>
+            <a:endParaRPr kumimoji="0" lang="en-US" altLang="zh-CN" sz="1400" b="0" i="0" u="none" strike="noStrike" kern="0" cap="none" spc="0" normalizeH="0" baseline="0" noProof="0" dirty="0">
+              <a:ln>
+                <a:noFill/>
+              </a:ln>
+              <a:solidFill>
+                <a:prstClr val="black"/>
+              </a:solidFill>
+              <a:effectLst/>
+              <a:uLnTx/>
+              <a:uFillTx/>
+              <a:latin typeface="微软雅黑" pitchFamily="34" charset="-122"/>
+              <a:ea typeface="微软雅黑" pitchFamily="34" charset="-122"/>
+            </a:endParaRPr>
+          </a:p>
+        </p:txBody>
+      </p:sp>
+    </p:spTree>
+    <p:extLst>
+      <p:ext uri="{BB962C8B-B14F-4D97-AF65-F5344CB8AC3E}">
+        <p14:creationId xmlns:p14="http://schemas.microsoft.com/office/powerpoint/2010/main" val="2723406518"/>
+      </p:ext>
+    </p:extLst>
+  </p:cSld>
+  <p:clrMapOvr>
+    <a:masterClrMapping/>
+  </p:clrMapOvr>
+  <p:timing>
+    <p:tnLst>
+      <p:par>
+        <p:cTn id="1" dur="indefinite" restart="never" nodeType="tmRoot">
+          <p:childTnLst>
+            <p:seq concurrent="1" nextAc="seek">
+              <p:cTn id="2" dur="indefinite" nodeType="mainSeq">
+                <p:childTnLst>
+                  <p:par>
+                    <p:cTn id="3" fill="hold">
+                      <p:stCondLst>
+                        <p:cond delay="indefinite"/>
+                        <p:cond evt="onBegin" delay="0">
+                          <p:tn val="2"/>
+                        </p:cond>
+                      </p:stCondLst>
+                      <p:childTnLst>
+                        <p:par>
+                          <p:cTn id="4" fill="hold">
+                            <p:stCondLst>
+                              <p:cond delay="0"/>
+                            </p:stCondLst>
+                            <p:childTnLst>
+                              <p:par>
+                                <p:cTn id="5" presetID="31" presetClass="entr" presetSubtype="0" fill="hold" grpId="0" nodeType="afterEffect">
+                                  <p:stCondLst>
+                                    <p:cond delay="0"/>
+                                  </p:stCondLst>
+                                  <p:childTnLst>
+                                    <p:set>
+                                      <p:cBhvr>
+                                        <p:cTn id="6" dur="1" fill="hold">
+                                          <p:stCondLst>
+                                            <p:cond delay="0"/>
+                                          </p:stCondLst>
+                                        </p:cTn>
+                                        <p:tgtEl>
+                                          <p:spTgt spid="37"/>
+                                        </p:tgtEl>
+                                        <p:attrNameLst>
+                                          <p:attrName>style.visibility</p:attrName>
+                                        </p:attrNameLst>
+                                      </p:cBhvr>
+                                      <p:to>
+                                        <p:strVal val="visible"/>
+                                      </p:to>
+                                    </p:set>
+                                    <p:anim calcmode="lin" valueType="num">
+                                      <p:cBhvr>
+                                        <p:cTn id="7" dur="1000" fill="hold"/>
+                                        <p:tgtEl>
+                                          <p:spTgt spid="37"/>
+                                        </p:tgtEl>
+                                        <p:attrNameLst>
+                                          <p:attrName>ppt_w</p:attrName>
+                                        </p:attrNameLst>
+                                      </p:cBhvr>
+                                      <p:tavLst>
+                                        <p:tav tm="0">
+                                          <p:val>
+                                            <p:fltVal val="0"/>
+                                          </p:val>
+                                        </p:tav>
+                                        <p:tav tm="100000">
+                                          <p:val>
+                                            <p:strVal val="#ppt_w"/>
+                                          </p:val>
+                                        </p:tav>
+                                      </p:tavLst>
+                                    </p:anim>
+                                    <p:anim calcmode="lin" valueType="num">
+                                      <p:cBhvr>
+                                        <p:cTn id="8" dur="1000" fill="hold"/>
+                                        <p:tgtEl>
+                                          <p:spTgt spid="37"/>
+                                        </p:tgtEl>
+                                        <p:attrNameLst>
+                                          <p:attrName>ppt_h</p:attrName>
+                                        </p:attrNameLst>
+                                      </p:cBhvr>
+                                      <p:tavLst>
+                                        <p:tav tm="0">
+                                          <p:val>
+                                            <p:fltVal val="0"/>
+                                          </p:val>
+                                        </p:tav>
+                                        <p:tav tm="100000">
+                                          <p:val>
+                                            <p:strVal val="#ppt_h"/>
+                                          </p:val>
+                                        </p:tav>
+                                      </p:tavLst>
+                                    </p:anim>
+                                    <p:anim calcmode="lin" valueType="num">
+                                      <p:cBhvr>
+                                        <p:cTn id="9" dur="1000" fill="hold"/>
+                                        <p:tgtEl>
+                                          <p:spTgt spid="37"/>
+                                        </p:tgtEl>
+                                        <p:attrNameLst>
+                                          <p:attrName>style.rotation</p:attrName>
+                                        </p:attrNameLst>
+                                      </p:cBhvr>
+                                      <p:tavLst>
+                                        <p:tav tm="0">
+                                          <p:val>
+                                            <p:fltVal val="90"/>
+                                          </p:val>
+                                        </p:tav>
+                                        <p:tav tm="100000">
+                                          <p:val>
+                                            <p:fltVal val="0"/>
+                                          </p:val>
+                                        </p:tav>
+                                      </p:tavLst>
+                                    </p:anim>
+                                    <p:animEffect transition="in" filter="fade">
+                                      <p:cBhvr>
+                                        <p:cTn id="10" dur="1000"/>
+                                        <p:tgtEl>
+                                          <p:spTgt spid="37"/>
+                                        </p:tgtEl>
+                                      </p:cBhvr>
+                                    </p:animEffect>
+                                  </p:childTnLst>
+                                </p:cTn>
+                              </p:par>
+                            </p:childTnLst>
+                          </p:cTn>
+                        </p:par>
+                        <p:par>
+                          <p:cTn id="11" fill="hold">
+                            <p:stCondLst>
+                              <p:cond delay="1000"/>
+                            </p:stCondLst>
+                            <p:childTnLst>
+                              <p:par>
+                                <p:cTn id="12" presetID="22" presetClass="entr" presetSubtype="4" fill="hold" nodeType="afterEffect">
+                                  <p:stCondLst>
+                                    <p:cond delay="0"/>
+                                  </p:stCondLst>
+                                  <p:childTnLst>
+                                    <p:set>
+                                      <p:cBhvr>
+                                        <p:cTn id="13" dur="1" fill="hold">
+                                          <p:stCondLst>
+                                            <p:cond delay="0"/>
+                                          </p:stCondLst>
+                                        </p:cTn>
+                                        <p:tgtEl>
+                                          <p:spTgt spid="36"/>
+                                        </p:tgtEl>
+                                        <p:attrNameLst>
+                                          <p:attrName>style.visibility</p:attrName>
+                                        </p:attrNameLst>
+                                      </p:cBhvr>
+                                      <p:to>
+                                        <p:strVal val="visible"/>
+                                      </p:to>
+                                    </p:set>
+                                    <p:animEffect transition="in" filter="wipe(down)">
+                                      <p:cBhvr>
+                                        <p:cTn id="14" dur="500"/>
+                                        <p:tgtEl>
+                                          <p:spTgt spid="36"/>
+                                        </p:tgtEl>
+                                      </p:cBhvr>
+                                    </p:animEffect>
+                                  </p:childTnLst>
+                                </p:cTn>
+                              </p:par>
+                            </p:childTnLst>
+                          </p:cTn>
+                        </p:par>
+                        <p:par>
+                          <p:cTn id="15" fill="hold">
+                            <p:stCondLst>
+                              <p:cond delay="1500"/>
+                            </p:stCondLst>
+                            <p:childTnLst>
+                              <p:par>
+                                <p:cTn id="16" presetID="23" presetClass="entr" presetSubtype="36" fill="hold" grpId="0" nodeType="afterEffect">
+                                  <p:stCondLst>
+                                    <p:cond delay="0"/>
+                                  </p:stCondLst>
+                                  <p:childTnLst>
+                                    <p:set>
+                                      <p:cBhvr>
+                                        <p:cTn id="17" dur="1" fill="hold">
+                                          <p:stCondLst>
+                                            <p:cond delay="0"/>
+                                          </p:stCondLst>
+                                        </p:cTn>
+                                        <p:tgtEl>
+                                          <p:spTgt spid="38"/>
+                                        </p:tgtEl>
+                                        <p:attrNameLst>
+                                          <p:attrName>style.visibility</p:attrName>
+                                        </p:attrNameLst>
+                                      </p:cBhvr>
+                                      <p:to>
+                                        <p:strVal val="visible"/>
+                                      </p:to>
+                                    </p:set>
+                                    <p:anim calcmode="lin" valueType="num">
+                                      <p:cBhvr>
+                                        <p:cTn id="18" dur="500" fill="hold"/>
+                                        <p:tgtEl>
+                                          <p:spTgt spid="38"/>
+                                        </p:tgtEl>
+                                        <p:attrNameLst>
+                                          <p:attrName>ppt_w</p:attrName>
+                                        </p:attrNameLst>
+                                      </p:cBhvr>
+                                      <p:tavLst>
+                                        <p:tav tm="0">
+                                          <p:val>
+                                            <p:strVal val="(6*min(max(#ppt_w*#ppt_h,.3),1)-7.4)/-.7*#ppt_w"/>
+                                          </p:val>
+                                        </p:tav>
+                                        <p:tav tm="100000">
+                                          <p:val>
+                                            <p:strVal val="#ppt_w"/>
+                                          </p:val>
+                                        </p:tav>
+                                      </p:tavLst>
+                                    </p:anim>
+                                    <p:anim calcmode="lin" valueType="num">
+                                      <p:cBhvr>
+                                        <p:cTn id="19" dur="500" fill="hold"/>
+                                        <p:tgtEl>
+                                          <p:spTgt spid="38"/>
+                                        </p:tgtEl>
+                                        <p:attrNameLst>
+                                          <p:attrName>ppt_h</p:attrName>
+                                        </p:attrNameLst>
+                                      </p:cBhvr>
+                                      <p:tavLst>
+                                        <p:tav tm="0">
+                                          <p:val>
+                                            <p:strVal val="(6*min(max(#ppt_w*#ppt_h,.3),1)-7.4)/-.7*#ppt_h"/>
+                                          </p:val>
+                                        </p:tav>
+                                        <p:tav tm="100000">
+                                          <p:val>
+                                            <p:strVal val="#ppt_h"/>
+                                          </p:val>
+                                        </p:tav>
+                                      </p:tavLst>
+                                    </p:anim>
+                                    <p:anim calcmode="lin" valueType="num">
+                                      <p:cBhvr>
+                                        <p:cTn id="20" dur="500" fill="hold"/>
+                                        <p:tgtEl>
+                                          <p:spTgt spid="38"/>
+                                        </p:tgtEl>
+                                        <p:attrNameLst>
+                                          <p:attrName>ppt_x</p:attrName>
+                                        </p:attrNameLst>
+                                      </p:cBhvr>
+                                      <p:tavLst>
+                                        <p:tav tm="0">
+                                          <p:val>
+                                            <p:fltVal val="0.5"/>
+                                          </p:val>
+                                        </p:tav>
+                                        <p:tav tm="100000">
+                                          <p:val>
+                                            <p:strVal val="#ppt_x"/>
+                                          </p:val>
+                                        </p:tav>
+                                      </p:tavLst>
+                                    </p:anim>
+                                    <p:anim calcmode="lin" valueType="num">
+                                      <p:cBhvr>
+                                        <p:cTn id="21" dur="500" fill="hold"/>
+                                        <p:tgtEl>
+                                          <p:spTgt spid="38"/>
+                                        </p:tgtEl>
+                                        <p:attrNameLst>
+                                          <p:attrName>ppt_y</p:attrName>
+                                        </p:attrNameLst>
+                                      </p:cBhvr>
+                                      <p:tavLst>
+                                        <p:tav tm="0">
+                                          <p:val>
+                                            <p:strVal val="1+(6*min(max(#ppt_w*#ppt_h,.3),1)-7.4)/-.7*#ppt_h/2"/>
+                                          </p:val>
+                                        </p:tav>
+                                        <p:tav tm="100000">
+                                          <p:val>
+                                            <p:strVal val="#ppt_y"/>
+                                          </p:val>
+                                        </p:tav>
+                                      </p:tavLst>
+                                    </p:anim>
+                                  </p:childTnLst>
+                                </p:cTn>
+                              </p:par>
+                            </p:childTnLst>
+                          </p:cTn>
+                        </p:par>
+                        <p:par>
+                          <p:cTn id="22" fill="hold">
+                            <p:stCondLst>
+                              <p:cond delay="2000"/>
+                            </p:stCondLst>
+                            <p:childTnLst>
+                              <p:par>
+                                <p:cTn id="23" presetID="2" presetClass="entr" presetSubtype="8" fill="hold" grpId="0" nodeType="afterEffect">
+                                  <p:stCondLst>
+                                    <p:cond delay="0"/>
+                                  </p:stCondLst>
+                                  <p:childTnLst>
+                                    <p:set>
+                                      <p:cBhvr>
+                                        <p:cTn id="24" dur="1" fill="hold">
+                                          <p:stCondLst>
+                                            <p:cond delay="0"/>
+                                          </p:stCondLst>
+                                        </p:cTn>
+                                        <p:tgtEl>
+                                          <p:spTgt spid="45"/>
+                                        </p:tgtEl>
+                                        <p:attrNameLst>
+                                          <p:attrName>style.visibility</p:attrName>
+                                        </p:attrNameLst>
+                                      </p:cBhvr>
+                                      <p:to>
+                                        <p:strVal val="visible"/>
+                                      </p:to>
+                                    </p:set>
+                                    <p:anim calcmode="lin" valueType="num">
+                                      <p:cBhvr additive="base">
+                                        <p:cTn id="25" dur="500" fill="hold"/>
+                                        <p:tgtEl>
+                                          <p:spTgt spid="45"/>
+                                        </p:tgtEl>
+                                        <p:attrNameLst>
+                                          <p:attrName>ppt_x</p:attrName>
+                                        </p:attrNameLst>
+                                      </p:cBhvr>
+                                      <p:tavLst>
+                                        <p:tav tm="0">
+                                          <p:val>
+                                            <p:strVal val="0-#ppt_w/2"/>
+                                          </p:val>
+                                        </p:tav>
+                                        <p:tav tm="100000">
+                                          <p:val>
+                                            <p:strVal val="#ppt_x"/>
+                                          </p:val>
+                                        </p:tav>
+                                      </p:tavLst>
+                                    </p:anim>
+                                    <p:anim calcmode="lin" valueType="num">
+                                      <p:cBhvr additive="base">
+                                        <p:cTn id="26" dur="500" fill="hold"/>
+                                        <p:tgtEl>
+                                          <p:spTgt spid="45"/>
+                                        </p:tgtEl>
+                                        <p:attrNameLst>
+                                          <p:attrName>ppt_y</p:attrName>
+                                        </p:attrNameLst>
+                                      </p:cBhvr>
+                                      <p:tavLst>
+                                        <p:tav tm="0">
+                                          <p:val>
+                                            <p:strVal val="#ppt_y"/>
+                                          </p:val>
+                                        </p:tav>
+                                        <p:tav tm="100000">
+                                          <p:val>
+                                            <p:strVal val="#ppt_y"/>
+                                          </p:val>
+                                        </p:tav>
+                                      </p:tavLst>
+                                    </p:anim>
+                                  </p:childTnLst>
+                                </p:cTn>
+                              </p:par>
+                            </p:childTnLst>
+                          </p:cTn>
+                        </p:par>
+                        <p:par>
+                          <p:cTn id="27" fill="hold">
+                            <p:stCondLst>
+                              <p:cond delay="2500"/>
+                            </p:stCondLst>
+                            <p:childTnLst>
+                              <p:par>
+                                <p:cTn id="28" presetID="22" presetClass="entr" presetSubtype="8" fill="hold" nodeType="afterEffect">
+                                  <p:stCondLst>
+                                    <p:cond delay="0"/>
+                                  </p:stCondLst>
+                                  <p:childTnLst>
+                                    <p:set>
+                                      <p:cBhvr>
+                                        <p:cTn id="29" dur="1" fill="hold">
+                                          <p:stCondLst>
+                                            <p:cond delay="0"/>
+                                          </p:stCondLst>
+                                        </p:cTn>
+                                        <p:tgtEl>
+                                          <p:spTgt spid="32"/>
+                                        </p:tgtEl>
+                                        <p:attrNameLst>
+                                          <p:attrName>style.visibility</p:attrName>
+                                        </p:attrNameLst>
+                                      </p:cBhvr>
+                                      <p:to>
+                                        <p:strVal val="visible"/>
+                                      </p:to>
+                                    </p:set>
+                                    <p:animEffect transition="in" filter="wipe(left)">
+                                      <p:cBhvr>
+                                        <p:cTn id="30" dur="500"/>
+                                        <p:tgtEl>
+                                          <p:spTgt spid="32"/>
+                                        </p:tgtEl>
+                                      </p:cBhvr>
+                                    </p:animEffect>
+                                  </p:childTnLst>
+                                </p:cTn>
+                              </p:par>
+                            </p:childTnLst>
+                          </p:cTn>
+                        </p:par>
+                        <p:par>
+                          <p:cTn id="31" fill="hold">
+                            <p:stCondLst>
+                              <p:cond delay="3000"/>
+                            </p:stCondLst>
+                            <p:childTnLst>
+                              <p:par>
+                                <p:cTn id="32" presetID="23" presetClass="entr" presetSubtype="36" fill="hold" grpId="0" nodeType="afterEffect">
+                                  <p:stCondLst>
+                                    <p:cond delay="0"/>
+                                  </p:stCondLst>
+                                  <p:childTnLst>
+                                    <p:set>
+                                      <p:cBhvr>
+                                        <p:cTn id="33" dur="1" fill="hold">
+                                          <p:stCondLst>
+                                            <p:cond delay="0"/>
+                                          </p:stCondLst>
+                                        </p:cTn>
+                                        <p:tgtEl>
+                                          <p:spTgt spid="39"/>
+                                        </p:tgtEl>
+                                        <p:attrNameLst>
+                                          <p:attrName>style.visibility</p:attrName>
+                                        </p:attrNameLst>
+                                      </p:cBhvr>
+                                      <p:to>
+                                        <p:strVal val="visible"/>
+                                      </p:to>
+                                    </p:set>
+                                    <p:anim calcmode="lin" valueType="num">
+                                      <p:cBhvr>
+                                        <p:cTn id="34" dur="500" fill="hold"/>
+                                        <p:tgtEl>
+                                          <p:spTgt spid="39"/>
+                                        </p:tgtEl>
+                                        <p:attrNameLst>
+                                          <p:attrName>ppt_w</p:attrName>
+                                        </p:attrNameLst>
+                                      </p:cBhvr>
+                                      <p:tavLst>
+                                        <p:tav tm="0">
+                                          <p:val>
+                                            <p:strVal val="(6*min(max(#ppt_w*#ppt_h,.3),1)-7.4)/-.7*#ppt_w"/>
+                                          </p:val>
+                                        </p:tav>
+                                        <p:tav tm="100000">
+                                          <p:val>
+                                            <p:strVal val="#ppt_w"/>
+                                          </p:val>
+                                        </p:tav>
+                                      </p:tavLst>
+                                    </p:anim>
+                                    <p:anim calcmode="lin" valueType="num">
+                                      <p:cBhvr>
+                                        <p:cTn id="35" dur="500" fill="hold"/>
+                                        <p:tgtEl>
+                                          <p:spTgt spid="39"/>
+                                        </p:tgtEl>
+                                        <p:attrNameLst>
+                                          <p:attrName>ppt_h</p:attrName>
+                                        </p:attrNameLst>
+                                      </p:cBhvr>
+                                      <p:tavLst>
+                                        <p:tav tm="0">
+                                          <p:val>
+                                            <p:strVal val="(6*min(max(#ppt_w*#ppt_h,.3),1)-7.4)/-.7*#ppt_h"/>
+                                          </p:val>
+                                        </p:tav>
+                                        <p:tav tm="100000">
+                                          <p:val>
+                                            <p:strVal val="#ppt_h"/>
+                                          </p:val>
+                                        </p:tav>
+                                      </p:tavLst>
+                                    </p:anim>
+                                    <p:anim calcmode="lin" valueType="num">
+                                      <p:cBhvr>
+                                        <p:cTn id="36" dur="500" fill="hold"/>
+                                        <p:tgtEl>
+                                          <p:spTgt spid="39"/>
+                                        </p:tgtEl>
+                                        <p:attrNameLst>
+                                          <p:attrName>ppt_x</p:attrName>
+                                        </p:attrNameLst>
+                                      </p:cBhvr>
+                                      <p:tavLst>
+                                        <p:tav tm="0">
+                                          <p:val>
+                                            <p:fltVal val="0.5"/>
+                                          </p:val>
+                                        </p:tav>
+                                        <p:tav tm="100000">
+                                          <p:val>
+                                            <p:strVal val="#ppt_x"/>
+                                          </p:val>
+                                        </p:tav>
+                                      </p:tavLst>
+                                    </p:anim>
+                                    <p:anim calcmode="lin" valueType="num">
+                                      <p:cBhvr>
+                                        <p:cTn id="37" dur="500" fill="hold"/>
+                                        <p:tgtEl>
+                                          <p:spTgt spid="39"/>
+                                        </p:tgtEl>
+                                        <p:attrNameLst>
+                                          <p:attrName>ppt_y</p:attrName>
+                                        </p:attrNameLst>
+                                      </p:cBhvr>
+                                      <p:tavLst>
+                                        <p:tav tm="0">
+                                          <p:val>
+                                            <p:strVal val="1+(6*min(max(#ppt_w*#ppt_h,.3),1)-7.4)/-.7*#ppt_h/2"/>
+                                          </p:val>
+                                        </p:tav>
+                                        <p:tav tm="100000">
+                                          <p:val>
+                                            <p:strVal val="#ppt_y"/>
+                                          </p:val>
+                                        </p:tav>
+                                      </p:tavLst>
+                                    </p:anim>
+                                  </p:childTnLst>
+                                </p:cTn>
+                              </p:par>
+                            </p:childTnLst>
+                          </p:cTn>
+                        </p:par>
+                        <p:par>
+                          <p:cTn id="38" fill="hold">
+                            <p:stCondLst>
+                              <p:cond delay="3500"/>
+                            </p:stCondLst>
+                            <p:childTnLst>
+                              <p:par>
+                                <p:cTn id="39" presetID="2" presetClass="entr" presetSubtype="2" fill="hold" grpId="0" nodeType="afterEffect">
+                                  <p:stCondLst>
+                                    <p:cond delay="0"/>
+                                  </p:stCondLst>
+                                  <p:childTnLst>
+                                    <p:set>
+                                      <p:cBhvr>
+                                        <p:cTn id="40" dur="1" fill="hold">
+                                          <p:stCondLst>
+                                            <p:cond delay="0"/>
+                                          </p:stCondLst>
+                                        </p:cTn>
+                                        <p:tgtEl>
+                                          <p:spTgt spid="46"/>
+                                        </p:tgtEl>
+                                        <p:attrNameLst>
+                                          <p:attrName>style.visibility</p:attrName>
+                                        </p:attrNameLst>
+                                      </p:cBhvr>
+                                      <p:to>
+                                        <p:strVal val="visible"/>
+                                      </p:to>
+                                    </p:set>
+                                    <p:anim calcmode="lin" valueType="num">
+                                      <p:cBhvr additive="base">
+                                        <p:cTn id="41" dur="500" fill="hold"/>
+                                        <p:tgtEl>
+                                          <p:spTgt spid="46"/>
+                                        </p:tgtEl>
+                                        <p:attrNameLst>
+                                          <p:attrName>ppt_x</p:attrName>
+                                        </p:attrNameLst>
+                                      </p:cBhvr>
+                                      <p:tavLst>
+                                        <p:tav tm="0">
+                                          <p:val>
+                                            <p:strVal val="1+#ppt_w/2"/>
+                                          </p:val>
+                                        </p:tav>
+                                        <p:tav tm="100000">
+                                          <p:val>
+                                            <p:strVal val="#ppt_x"/>
+                                          </p:val>
+                                        </p:tav>
+                                      </p:tavLst>
+                                    </p:anim>
+                                    <p:anim calcmode="lin" valueType="num">
+                                      <p:cBhvr additive="base">
+                                        <p:cTn id="42" dur="500" fill="hold"/>
+                                        <p:tgtEl>
+                                          <p:spTgt spid="46"/>
+                                        </p:tgtEl>
+                                        <p:attrNameLst>
+                                          <p:attrName>ppt_y</p:attrName>
+                                        </p:attrNameLst>
+                                      </p:cBhvr>
+                                      <p:tavLst>
+                                        <p:tav tm="0">
+                                          <p:val>
+                                            <p:strVal val="#ppt_y"/>
+                                          </p:val>
+                                        </p:tav>
+                                        <p:tav tm="100000">
+                                          <p:val>
+                                            <p:strVal val="#ppt_y"/>
+                                          </p:val>
+                                        </p:tav>
+                                      </p:tavLst>
+                                    </p:anim>
+                                  </p:childTnLst>
+                                </p:cTn>
+                              </p:par>
+                            </p:childTnLst>
+                          </p:cTn>
+                        </p:par>
+                        <p:par>
+                          <p:cTn id="43" fill="hold">
+                            <p:stCondLst>
+                              <p:cond delay="4000"/>
+                            </p:stCondLst>
+                            <p:childTnLst>
+                              <p:par>
+                                <p:cTn id="44" presetID="22" presetClass="entr" presetSubtype="8" fill="hold" nodeType="afterEffect">
+                                  <p:stCondLst>
+                                    <p:cond delay="0"/>
+                                  </p:stCondLst>
+                                  <p:childTnLst>
+                                    <p:set>
+                                      <p:cBhvr>
+                                        <p:cTn id="45" dur="1" fill="hold">
+                                          <p:stCondLst>
+                                            <p:cond delay="0"/>
+                                          </p:stCondLst>
+                                        </p:cTn>
+                                        <p:tgtEl>
+                                          <p:spTgt spid="33"/>
+                                        </p:tgtEl>
+                                        <p:attrNameLst>
+                                          <p:attrName>style.visibility</p:attrName>
+                                        </p:attrNameLst>
+                                      </p:cBhvr>
+                                      <p:to>
+                                        <p:strVal val="visible"/>
+                                      </p:to>
+                                    </p:set>
+                                    <p:animEffect transition="in" filter="wipe(left)">
+                                      <p:cBhvr>
+                                        <p:cTn id="46" dur="500"/>
+                                        <p:tgtEl>
+                                          <p:spTgt spid="33"/>
+                                        </p:tgtEl>
+                                      </p:cBhvr>
+                                    </p:animEffect>
+                                  </p:childTnLst>
+                                </p:cTn>
+                              </p:par>
+                            </p:childTnLst>
+                          </p:cTn>
+                        </p:par>
+                        <p:par>
+                          <p:cTn id="47" fill="hold">
+                            <p:stCondLst>
+                              <p:cond delay="4500"/>
+                            </p:stCondLst>
+                            <p:childTnLst>
+                              <p:par>
+                                <p:cTn id="48" presetID="23" presetClass="entr" presetSubtype="36" fill="hold" grpId="0" nodeType="afterEffect">
+                                  <p:stCondLst>
+                                    <p:cond delay="0"/>
+                                  </p:stCondLst>
+                                  <p:childTnLst>
+                                    <p:set>
+                                      <p:cBhvr>
+                                        <p:cTn id="49" dur="1" fill="hold">
+                                          <p:stCondLst>
+                                            <p:cond delay="0"/>
+                                          </p:stCondLst>
+                                        </p:cTn>
+                                        <p:tgtEl>
+                                          <p:spTgt spid="40"/>
+                                        </p:tgtEl>
+                                        <p:attrNameLst>
+                                          <p:attrName>style.visibility</p:attrName>
+                                        </p:attrNameLst>
+                                      </p:cBhvr>
+                                      <p:to>
+                                        <p:strVal val="visible"/>
+                                      </p:to>
+                                    </p:set>
+                                    <p:anim calcmode="lin" valueType="num">
+                                      <p:cBhvr>
+                                        <p:cTn id="50" dur="500" fill="hold"/>
+                                        <p:tgtEl>
+                                          <p:spTgt spid="40"/>
+                                        </p:tgtEl>
+                                        <p:attrNameLst>
+                                          <p:attrName>ppt_w</p:attrName>
+                                        </p:attrNameLst>
+                                      </p:cBhvr>
+                                      <p:tavLst>
+                                        <p:tav tm="0">
+                                          <p:val>
+                                            <p:strVal val="(6*min(max(#ppt_w*#ppt_h,.3),1)-7.4)/-.7*#ppt_w"/>
+                                          </p:val>
+                                        </p:tav>
+                                        <p:tav tm="100000">
+                                          <p:val>
+                                            <p:strVal val="#ppt_w"/>
+                                          </p:val>
+                                        </p:tav>
+                                      </p:tavLst>
+                                    </p:anim>
+                                    <p:anim calcmode="lin" valueType="num">
+                                      <p:cBhvr>
+                                        <p:cTn id="51" dur="500" fill="hold"/>
+                                        <p:tgtEl>
+                                          <p:spTgt spid="40"/>
+                                        </p:tgtEl>
+                                        <p:attrNameLst>
+                                          <p:attrName>ppt_h</p:attrName>
+                                        </p:attrNameLst>
+                                      </p:cBhvr>
+                                      <p:tavLst>
+                                        <p:tav tm="0">
+                                          <p:val>
+                                            <p:strVal val="(6*min(max(#ppt_w*#ppt_h,.3),1)-7.4)/-.7*#ppt_h"/>
+                                          </p:val>
+                                        </p:tav>
+                                        <p:tav tm="100000">
+                                          <p:val>
+                                            <p:strVal val="#ppt_h"/>
+                                          </p:val>
+                                        </p:tav>
+                                      </p:tavLst>
+                                    </p:anim>
+                                    <p:anim calcmode="lin" valueType="num">
+                                      <p:cBhvr>
+                                        <p:cTn id="52" dur="500" fill="hold"/>
+                                        <p:tgtEl>
+                                          <p:spTgt spid="40"/>
+                                        </p:tgtEl>
+                                        <p:attrNameLst>
+                                          <p:attrName>ppt_x</p:attrName>
+                                        </p:attrNameLst>
+                                      </p:cBhvr>
+                                      <p:tavLst>
+                                        <p:tav tm="0">
+                                          <p:val>
+                                            <p:fltVal val="0.5"/>
+                                          </p:val>
+                                        </p:tav>
+                                        <p:tav tm="100000">
+                                          <p:val>
+                                            <p:strVal val="#ppt_x"/>
+                                          </p:val>
+                                        </p:tav>
+                                      </p:tavLst>
+                                    </p:anim>
+                                    <p:anim calcmode="lin" valueType="num">
+                                      <p:cBhvr>
+                                        <p:cTn id="53" dur="500" fill="hold"/>
+                                        <p:tgtEl>
+                                          <p:spTgt spid="40"/>
+                                        </p:tgtEl>
+                                        <p:attrNameLst>
+                                          <p:attrName>ppt_y</p:attrName>
+                                        </p:attrNameLst>
+                                      </p:cBhvr>
+                                      <p:tavLst>
+                                        <p:tav tm="0">
+                                          <p:val>
+                                            <p:strVal val="1+(6*min(max(#ppt_w*#ppt_h,.3),1)-7.4)/-.7*#ppt_h/2"/>
+                                          </p:val>
+                                        </p:tav>
+                                        <p:tav tm="100000">
+                                          <p:val>
+                                            <p:strVal val="#ppt_y"/>
+                                          </p:val>
+                                        </p:tav>
+                                      </p:tavLst>
+                                    </p:anim>
+                                  </p:childTnLst>
+                                </p:cTn>
+                              </p:par>
+                            </p:childTnLst>
+                          </p:cTn>
+                        </p:par>
+                        <p:par>
+                          <p:cTn id="54" fill="hold">
+                            <p:stCondLst>
+                              <p:cond delay="5000"/>
+                            </p:stCondLst>
+                            <p:childTnLst>
+                              <p:par>
+                                <p:cTn id="55" presetID="2" presetClass="entr" presetSubtype="12" fill="hold" grpId="0" nodeType="afterEffect">
+                                  <p:stCondLst>
+                                    <p:cond delay="0"/>
+                                  </p:stCondLst>
+                                  <p:childTnLst>
+                                    <p:set>
+                                      <p:cBhvr>
+                                        <p:cTn id="56" dur="1" fill="hold">
+                                          <p:stCondLst>
+                                            <p:cond delay="0"/>
+                                          </p:stCondLst>
+                                        </p:cTn>
+                                        <p:tgtEl>
+                                          <p:spTgt spid="47"/>
+                                        </p:tgtEl>
+                                        <p:attrNameLst>
+                                          <p:attrName>style.visibility</p:attrName>
+                                        </p:attrNameLst>
+                                      </p:cBhvr>
+                                      <p:to>
+                                        <p:strVal val="visible"/>
+                                      </p:to>
+                                    </p:set>
+                                    <p:anim calcmode="lin" valueType="num">
+                                      <p:cBhvr additive="base">
+                                        <p:cTn id="57" dur="500" fill="hold"/>
+                                        <p:tgtEl>
+                                          <p:spTgt spid="47"/>
+                                        </p:tgtEl>
+                                        <p:attrNameLst>
+                                          <p:attrName>ppt_x</p:attrName>
+                                        </p:attrNameLst>
+                                      </p:cBhvr>
+                                      <p:tavLst>
+                                        <p:tav tm="0">
+                                          <p:val>
+                                            <p:strVal val="0-#ppt_w/2"/>
+                                          </p:val>
+                                        </p:tav>
+                                        <p:tav tm="100000">
+                                          <p:val>
+                                            <p:strVal val="#ppt_x"/>
+                                          </p:val>
+                                        </p:tav>
+                                      </p:tavLst>
+                                    </p:anim>
+                                    <p:anim calcmode="lin" valueType="num">
+                                      <p:cBhvr additive="base">
+                                        <p:cTn id="58" dur="500" fill="hold"/>
+                                        <p:tgtEl>
+                                          <p:spTgt spid="47"/>
+                                        </p:tgtEl>
+                                        <p:attrNameLst>
+                                          <p:attrName>ppt_y</p:attrName>
+                                        </p:attrNameLst>
+                                      </p:cBhvr>
+                                      <p:tavLst>
+                                        <p:tav tm="0">
+                                          <p:val>
+                                            <p:strVal val="1+#ppt_h/2"/>
+                                          </p:val>
+                                        </p:tav>
+                                        <p:tav tm="100000">
+                                          <p:val>
+                                            <p:strVal val="#ppt_y"/>
+                                          </p:val>
+                                        </p:tav>
+                                      </p:tavLst>
+                                    </p:anim>
+                                  </p:childTnLst>
+                                </p:cTn>
+                              </p:par>
+                            </p:childTnLst>
+                          </p:cTn>
+                        </p:par>
+                        <p:par>
+                          <p:cTn id="59" fill="hold">
+                            <p:stCondLst>
+                              <p:cond delay="5500"/>
+                            </p:stCondLst>
+                            <p:childTnLst>
+                              <p:par>
+                                <p:cTn id="60" presetID="22" presetClass="entr" presetSubtype="8" fill="hold" nodeType="afterEffect">
+                                  <p:stCondLst>
+                                    <p:cond delay="0"/>
+                                  </p:stCondLst>
+                                  <p:childTnLst>
+                                    <p:set>
+                                      <p:cBhvr>
+                                        <p:cTn id="61" dur="1" fill="hold">
+                                          <p:stCondLst>
+                                            <p:cond delay="0"/>
+                                          </p:stCondLst>
+                                        </p:cTn>
+                                        <p:tgtEl>
+                                          <p:spTgt spid="28"/>
+                                        </p:tgtEl>
+                                        <p:attrNameLst>
+                                          <p:attrName>style.visibility</p:attrName>
+                                        </p:attrNameLst>
+                                      </p:cBhvr>
+                                      <p:to>
+                                        <p:strVal val="visible"/>
+                                      </p:to>
+                                    </p:set>
+                                    <p:animEffect transition="in" filter="wipe(left)">
+                                      <p:cBhvr>
+                                        <p:cTn id="62" dur="500"/>
+                                        <p:tgtEl>
+                                          <p:spTgt spid="28"/>
+                                        </p:tgtEl>
+                                      </p:cBhvr>
+                                    </p:animEffect>
+                                  </p:childTnLst>
+                                </p:cTn>
+                              </p:par>
+                            </p:childTnLst>
+                          </p:cTn>
+                        </p:par>
+                        <p:par>
+                          <p:cTn id="63" fill="hold">
+                            <p:stCondLst>
+                              <p:cond delay="6000"/>
+                            </p:stCondLst>
+                            <p:childTnLst>
+                              <p:par>
+                                <p:cTn id="64" presetID="23" presetClass="entr" presetSubtype="36" fill="hold" grpId="0" nodeType="afterEffect">
+                                  <p:stCondLst>
+                                    <p:cond delay="0"/>
+                                  </p:stCondLst>
+                                  <p:childTnLst>
+                                    <p:set>
+                                      <p:cBhvr>
+                                        <p:cTn id="65" dur="1" fill="hold">
+                                          <p:stCondLst>
+                                            <p:cond delay="0"/>
+                                          </p:stCondLst>
+                                        </p:cTn>
+                                        <p:tgtEl>
+                                          <p:spTgt spid="41"/>
+                                        </p:tgtEl>
+                                        <p:attrNameLst>
+                                          <p:attrName>style.visibility</p:attrName>
+                                        </p:attrNameLst>
+                                      </p:cBhvr>
+                                      <p:to>
+                                        <p:strVal val="visible"/>
+                                      </p:to>
+                                    </p:set>
+                                    <p:anim calcmode="lin" valueType="num">
+                                      <p:cBhvr>
+                                        <p:cTn id="66" dur="500" fill="hold"/>
+                                        <p:tgtEl>
+                                          <p:spTgt spid="41"/>
+                                        </p:tgtEl>
+                                        <p:attrNameLst>
+                                          <p:attrName>ppt_w</p:attrName>
+                                        </p:attrNameLst>
+                                      </p:cBhvr>
+                                      <p:tavLst>
+                                        <p:tav tm="0">
+                                          <p:val>
+                                            <p:strVal val="(6*min(max(#ppt_w*#ppt_h,.3),1)-7.4)/-.7*#ppt_w"/>
+                                          </p:val>
+                                        </p:tav>
+                                        <p:tav tm="100000">
+                                          <p:val>
+                                            <p:strVal val="#ppt_w"/>
+                                          </p:val>
+                                        </p:tav>
+                                      </p:tavLst>
+                                    </p:anim>
+                                    <p:anim calcmode="lin" valueType="num">
+                                      <p:cBhvr>
+                                        <p:cTn id="67" dur="500" fill="hold"/>
+                                        <p:tgtEl>
+                                          <p:spTgt spid="41"/>
+                                        </p:tgtEl>
+                                        <p:attrNameLst>
+                                          <p:attrName>ppt_h</p:attrName>
+                                        </p:attrNameLst>
+                                      </p:cBhvr>
+                                      <p:tavLst>
+                                        <p:tav tm="0">
+                                          <p:val>
+                                            <p:strVal val="(6*min(max(#ppt_w*#ppt_h,.3),1)-7.4)/-.7*#ppt_h"/>
+                                          </p:val>
+                                        </p:tav>
+                                        <p:tav tm="100000">
+                                          <p:val>
+                                            <p:strVal val="#ppt_h"/>
+                                          </p:val>
+                                        </p:tav>
+                                      </p:tavLst>
+                                    </p:anim>
+                                    <p:anim calcmode="lin" valueType="num">
+                                      <p:cBhvr>
+                                        <p:cTn id="68" dur="500" fill="hold"/>
+                                        <p:tgtEl>
+                                          <p:spTgt spid="41"/>
+                                        </p:tgtEl>
+                                        <p:attrNameLst>
+                                          <p:attrName>ppt_x</p:attrName>
+                                        </p:attrNameLst>
+                                      </p:cBhvr>
+                                      <p:tavLst>
+                                        <p:tav tm="0">
+                                          <p:val>
+                                            <p:fltVal val="0.5"/>
+                                          </p:val>
+                                        </p:tav>
+                                        <p:tav tm="100000">
+                                          <p:val>
+                                            <p:strVal val="#ppt_x"/>
+                                          </p:val>
+                                        </p:tav>
+                                      </p:tavLst>
+                                    </p:anim>
+                                    <p:anim calcmode="lin" valueType="num">
+                                      <p:cBhvr>
+                                        <p:cTn id="69" dur="500" fill="hold"/>
+                                        <p:tgtEl>
+                                          <p:spTgt spid="41"/>
+                                        </p:tgtEl>
+                                        <p:attrNameLst>
+                                          <p:attrName>ppt_y</p:attrName>
+                                        </p:attrNameLst>
+                                      </p:cBhvr>
+                                      <p:tavLst>
+                                        <p:tav tm="0">
+                                          <p:val>
+                                            <p:strVal val="1+(6*min(max(#ppt_w*#ppt_h,.3),1)-7.4)/-.7*#ppt_h/2"/>
+                                          </p:val>
+                                        </p:tav>
+                                        <p:tav tm="100000">
+                                          <p:val>
+                                            <p:strVal val="#ppt_y"/>
+                                          </p:val>
+                                        </p:tav>
+                                      </p:tavLst>
+                                    </p:anim>
+                                  </p:childTnLst>
+                                </p:cTn>
+                              </p:par>
+                            </p:childTnLst>
+                          </p:cTn>
+                        </p:par>
+                        <p:par>
+                          <p:cTn id="70" fill="hold">
+                            <p:stCondLst>
+                              <p:cond delay="6500"/>
+                            </p:stCondLst>
+                            <p:childTnLst>
+                              <p:par>
+                                <p:cTn id="71" presetID="2" presetClass="entr" presetSubtype="6" fill="hold" grpId="0" nodeType="afterEffect">
+                                  <p:stCondLst>
+                                    <p:cond delay="0"/>
+                                  </p:stCondLst>
+                                  <p:childTnLst>
+                                    <p:set>
+                                      <p:cBhvr>
+                                        <p:cTn id="72" dur="1" fill="hold">
+                                          <p:stCondLst>
+                                            <p:cond delay="0"/>
+                                          </p:stCondLst>
+                                        </p:cTn>
+                                        <p:tgtEl>
+                                          <p:spTgt spid="49"/>
+                                        </p:tgtEl>
+                                        <p:attrNameLst>
+                                          <p:attrName>style.visibility</p:attrName>
+                                        </p:attrNameLst>
+                                      </p:cBhvr>
+                                      <p:to>
+                                        <p:strVal val="visible"/>
+                                      </p:to>
+                                    </p:set>
+                                    <p:anim calcmode="lin" valueType="num">
+                                      <p:cBhvr additive="base">
+                                        <p:cTn id="73" dur="500" fill="hold"/>
+                                        <p:tgtEl>
+                                          <p:spTgt spid="49"/>
+                                        </p:tgtEl>
+                                        <p:attrNameLst>
+                                          <p:attrName>ppt_x</p:attrName>
+                                        </p:attrNameLst>
+                                      </p:cBhvr>
+                                      <p:tavLst>
+                                        <p:tav tm="0">
+                                          <p:val>
+                                            <p:strVal val="1+#ppt_w/2"/>
+                                          </p:val>
+                                        </p:tav>
+                                        <p:tav tm="100000">
+                                          <p:val>
+                                            <p:strVal val="#ppt_x"/>
+                                          </p:val>
+                                        </p:tav>
+                                      </p:tavLst>
+                                    </p:anim>
+                                    <p:anim calcmode="lin" valueType="num">
+                                      <p:cBhvr additive="base">
+                                        <p:cTn id="74" dur="500" fill="hold"/>
+                                        <p:tgtEl>
+                                          <p:spTgt spid="49"/>
+                                        </p:tgtEl>
+                                        <p:attrNameLst>
+                                          <p:attrName>ppt_y</p:attrName>
+                                        </p:attrNameLst>
+                                      </p:cBhvr>
+                                      <p:tavLst>
+                                        <p:tav tm="0">
+                                          <p:val>
+                                            <p:strVal val="1+#ppt_h/2"/>
+                                          </p:val>
+                                        </p:tav>
+                                        <p:tav tm="100000">
+                                          <p:val>
+                                            <p:strVal val="#ppt_y"/>
+                                          </p:val>
+                                        </p:tav>
+                                      </p:tavLst>
+                                    </p:anim>
+                                  </p:childTnLst>
+                                </p:cTn>
+                              </p:par>
+                            </p:childTnLst>
+                          </p:cTn>
+                        </p:par>
+                        <p:par>
+                          <p:cTn id="75" fill="hold">
+                            <p:stCondLst>
+                              <p:cond delay="7000"/>
+                            </p:stCondLst>
+                            <p:childTnLst>
+                              <p:par>
+                                <p:cTn id="76" presetID="22" presetClass="entr" presetSubtype="4" fill="hold" nodeType="afterEffect">
+                                  <p:stCondLst>
+                                    <p:cond delay="0"/>
+                                  </p:stCondLst>
+                                  <p:childTnLst>
+                                    <p:set>
+                                      <p:cBhvr>
+                                        <p:cTn id="77" dur="1" fill="hold">
+                                          <p:stCondLst>
+                                            <p:cond delay="0"/>
+                                          </p:stCondLst>
+                                        </p:cTn>
+                                        <p:tgtEl>
+                                          <p:spTgt spid="31"/>
+                                        </p:tgtEl>
+                                        <p:attrNameLst>
+                                          <p:attrName>style.visibility</p:attrName>
+                                        </p:attrNameLst>
+                                      </p:cBhvr>
+                                      <p:to>
+                                        <p:strVal val="visible"/>
+                                      </p:to>
+                                    </p:set>
+                                    <p:animEffect transition="in" filter="wipe(down)">
+                                      <p:cBhvr>
+                                        <p:cTn id="78" dur="500"/>
+                                        <p:tgtEl>
+                                          <p:spTgt spid="31"/>
+                                        </p:tgtEl>
+                                      </p:cBhvr>
+                                    </p:animEffect>
+                                  </p:childTnLst>
+                                </p:cTn>
+                              </p:par>
+                            </p:childTnLst>
+                          </p:cTn>
+                        </p:par>
+                        <p:par>
+                          <p:cTn id="79" fill="hold">
+                            <p:stCondLst>
+                              <p:cond delay="7500"/>
+                            </p:stCondLst>
+                            <p:childTnLst>
+                              <p:par>
+                                <p:cTn id="80" presetID="23" presetClass="entr" presetSubtype="36" fill="hold" grpId="0" nodeType="afterEffect">
+                                  <p:stCondLst>
+                                    <p:cond delay="0"/>
+                                  </p:stCondLst>
+                                  <p:childTnLst>
+                                    <p:set>
+                                      <p:cBhvr>
+                                        <p:cTn id="81" dur="1" fill="hold">
+                                          <p:stCondLst>
+                                            <p:cond delay="0"/>
+                                          </p:stCondLst>
+                                        </p:cTn>
+                                        <p:tgtEl>
+                                          <p:spTgt spid="42"/>
+                                        </p:tgtEl>
+                                        <p:attrNameLst>
+                                          <p:attrName>style.visibility</p:attrName>
+                                        </p:attrNameLst>
+                                      </p:cBhvr>
+                                      <p:to>
+                                        <p:strVal val="visible"/>
+                                      </p:to>
+                                    </p:set>
+                                    <p:anim calcmode="lin" valueType="num">
+                                      <p:cBhvr>
+                                        <p:cTn id="82" dur="500" fill="hold"/>
+                                        <p:tgtEl>
+                                          <p:spTgt spid="42"/>
+                                        </p:tgtEl>
+                                        <p:attrNameLst>
+                                          <p:attrName>ppt_w</p:attrName>
+                                        </p:attrNameLst>
+                                      </p:cBhvr>
+                                      <p:tavLst>
+                                        <p:tav tm="0">
+                                          <p:val>
+                                            <p:strVal val="(6*min(max(#ppt_w*#ppt_h,.3),1)-7.4)/-.7*#ppt_w"/>
+                                          </p:val>
+                                        </p:tav>
+                                        <p:tav tm="100000">
+                                          <p:val>
+                                            <p:strVal val="#ppt_w"/>
+                                          </p:val>
+                                        </p:tav>
+                                      </p:tavLst>
+                                    </p:anim>
+                                    <p:anim calcmode="lin" valueType="num">
+                                      <p:cBhvr>
+                                        <p:cTn id="83" dur="500" fill="hold"/>
+                                        <p:tgtEl>
+                                          <p:spTgt spid="42"/>
+                                        </p:tgtEl>
+                                        <p:attrNameLst>
+                                          <p:attrName>ppt_h</p:attrName>
+                                        </p:attrNameLst>
+                                      </p:cBhvr>
+                                      <p:tavLst>
+                                        <p:tav tm="0">
+                                          <p:val>
+                                            <p:strVal val="(6*min(max(#ppt_w*#ppt_h,.3),1)-7.4)/-.7*#ppt_h"/>
+                                          </p:val>
+                                        </p:tav>
+                                        <p:tav tm="100000">
+                                          <p:val>
+                                            <p:strVal val="#ppt_h"/>
+                                          </p:val>
+                                        </p:tav>
+                                      </p:tavLst>
+                                    </p:anim>
+                                    <p:anim calcmode="lin" valueType="num">
+                                      <p:cBhvr>
+                                        <p:cTn id="84" dur="500" fill="hold"/>
+                                        <p:tgtEl>
+                                          <p:spTgt spid="42"/>
+                                        </p:tgtEl>
+                                        <p:attrNameLst>
+                                          <p:attrName>ppt_x</p:attrName>
+                                        </p:attrNameLst>
+                                      </p:cBhvr>
+                                      <p:tavLst>
+                                        <p:tav tm="0">
+                                          <p:val>
+                                            <p:fltVal val="0.5"/>
+                                          </p:val>
+                                        </p:tav>
+                                        <p:tav tm="100000">
+                                          <p:val>
+                                            <p:strVal val="#ppt_x"/>
+                                          </p:val>
+                                        </p:tav>
+                                      </p:tavLst>
+                                    </p:anim>
+                                    <p:anim calcmode="lin" valueType="num">
+                                      <p:cBhvr>
+                                        <p:cTn id="85" dur="500" fill="hold"/>
+                                        <p:tgtEl>
+                                          <p:spTgt spid="42"/>
+                                        </p:tgtEl>
+                                        <p:attrNameLst>
+                                          <p:attrName>ppt_y</p:attrName>
+                                        </p:attrNameLst>
+                                      </p:cBhvr>
+                                      <p:tavLst>
+                                        <p:tav tm="0">
+                                          <p:val>
+                                            <p:strVal val="1+(6*min(max(#ppt_w*#ppt_h,.3),1)-7.4)/-.7*#ppt_h/2"/>
+                                          </p:val>
+                                        </p:tav>
+                                        <p:tav tm="100000">
+                                          <p:val>
+                                            <p:strVal val="#ppt_y"/>
+                                          </p:val>
+                                        </p:tav>
+                                      </p:tavLst>
+                                    </p:anim>
+                                  </p:childTnLst>
+                                </p:cTn>
+                              </p:par>
+                            </p:childTnLst>
+                          </p:cTn>
+                        </p:par>
+                        <p:par>
+                          <p:cTn id="86" fill="hold">
+                            <p:stCondLst>
+                              <p:cond delay="8000"/>
+                            </p:stCondLst>
+                            <p:childTnLst>
+                              <p:par>
+                                <p:cTn id="87" presetID="2" presetClass="entr" presetSubtype="2" fill="hold" grpId="0" nodeType="afterEffect">
+                                  <p:stCondLst>
+                                    <p:cond delay="0"/>
+                                  </p:stCondLst>
+                                  <p:childTnLst>
+                                    <p:set>
+                                      <p:cBhvr>
+                                        <p:cTn id="88" dur="1" fill="hold">
+                                          <p:stCondLst>
+                                            <p:cond delay="0"/>
+                                          </p:stCondLst>
+                                        </p:cTn>
+                                        <p:tgtEl>
+                                          <p:spTgt spid="48"/>
+                                        </p:tgtEl>
+                                        <p:attrNameLst>
+                                          <p:attrName>style.visibility</p:attrName>
+                                        </p:attrNameLst>
+                                      </p:cBhvr>
+                                      <p:to>
+                                        <p:strVal val="visible"/>
+                                      </p:to>
+                                    </p:set>
+                                    <p:anim calcmode="lin" valueType="num">
+                                      <p:cBhvr additive="base">
+                                        <p:cTn id="89" dur="500" fill="hold"/>
+                                        <p:tgtEl>
+                                          <p:spTgt spid="48"/>
+                                        </p:tgtEl>
+                                        <p:attrNameLst>
+                                          <p:attrName>ppt_x</p:attrName>
+                                        </p:attrNameLst>
+                                      </p:cBhvr>
+                                      <p:tavLst>
+                                        <p:tav tm="0">
+                                          <p:val>
+                                            <p:strVal val="1+#ppt_w/2"/>
+                                          </p:val>
+                                        </p:tav>
+                                        <p:tav tm="100000">
+                                          <p:val>
+                                            <p:strVal val="#ppt_x"/>
+                                          </p:val>
+                                        </p:tav>
+                                      </p:tavLst>
+                                    </p:anim>
+                                    <p:anim calcmode="lin" valueType="num">
+                                      <p:cBhvr additive="base">
+                                        <p:cTn id="90" dur="500" fill="hold"/>
+                                        <p:tgtEl>
+                                          <p:spTgt spid="48"/>
+                                        </p:tgtEl>
+                                        <p:attrNameLst>
+                                          <p:attrName>ppt_y</p:attrName>
+                                        </p:attrNameLst>
+                                      </p:cBhvr>
+                                      <p:tavLst>
+                                        <p:tav tm="0">
+                                          <p:val>
+                                            <p:strVal val="#ppt_y"/>
+                                          </p:val>
+                                        </p:tav>
+                                        <p:tav tm="100000">
+                                          <p:val>
+                                            <p:strVal val="#ppt_y"/>
+                                          </p:val>
+                                        </p:tav>
+                                      </p:tavLst>
+                                    </p:anim>
+                                  </p:childTnLst>
+                                </p:cTn>
+                              </p:par>
+                            </p:childTnLst>
+                          </p:cTn>
+                        </p:par>
+                        <p:par>
+                          <p:cTn id="91" fill="hold">
+                            <p:stCondLst>
+                              <p:cond delay="8500"/>
+                            </p:stCondLst>
+                            <p:childTnLst>
+                              <p:par>
+                                <p:cTn id="92" presetID="22" presetClass="entr" presetSubtype="4" fill="hold" nodeType="afterEffect">
+                                  <p:stCondLst>
+                                    <p:cond delay="0"/>
+                                  </p:stCondLst>
+                                  <p:childTnLst>
+                                    <p:set>
+                                      <p:cBhvr>
+                                        <p:cTn id="93" dur="1" fill="hold">
+                                          <p:stCondLst>
+                                            <p:cond delay="0"/>
+                                          </p:stCondLst>
+                                        </p:cTn>
+                                        <p:tgtEl>
+                                          <p:spTgt spid="34"/>
+                                        </p:tgtEl>
+                                        <p:attrNameLst>
+                                          <p:attrName>style.visibility</p:attrName>
+                                        </p:attrNameLst>
+                                      </p:cBhvr>
+                                      <p:to>
+                                        <p:strVal val="visible"/>
+                                      </p:to>
+                                    </p:set>
+                                    <p:animEffect transition="in" filter="wipe(down)">
+                                      <p:cBhvr>
+                                        <p:cTn id="94" dur="500"/>
+                                        <p:tgtEl>
+                                          <p:spTgt spid="34"/>
+                                        </p:tgtEl>
+                                      </p:cBhvr>
+                                    </p:animEffect>
+                                  </p:childTnLst>
+                                </p:cTn>
+                              </p:par>
+                            </p:childTnLst>
+                          </p:cTn>
+                        </p:par>
+                        <p:par>
+                          <p:cTn id="95" fill="hold">
+                            <p:stCondLst>
+                              <p:cond delay="9000"/>
+                            </p:stCondLst>
+                            <p:childTnLst>
+                              <p:par>
+                                <p:cTn id="96" presetID="23" presetClass="entr" presetSubtype="36" fill="hold" grpId="0" nodeType="afterEffect">
+                                  <p:stCondLst>
+                                    <p:cond delay="0"/>
+                                  </p:stCondLst>
+                                  <p:childTnLst>
+                                    <p:set>
+                                      <p:cBhvr>
+                                        <p:cTn id="97" dur="1" fill="hold">
+                                          <p:stCondLst>
+                                            <p:cond delay="0"/>
+                                          </p:stCondLst>
+                                        </p:cTn>
+                                        <p:tgtEl>
+                                          <p:spTgt spid="43"/>
+                                        </p:tgtEl>
+                                        <p:attrNameLst>
+                                          <p:attrName>style.visibility</p:attrName>
+                                        </p:attrNameLst>
+                                      </p:cBhvr>
+                                      <p:to>
+                                        <p:strVal val="visible"/>
+                                      </p:to>
+                                    </p:set>
+                                    <p:anim calcmode="lin" valueType="num">
+                                      <p:cBhvr>
+                                        <p:cTn id="98" dur="500" fill="hold"/>
+                                        <p:tgtEl>
+                                          <p:spTgt spid="43"/>
+                                        </p:tgtEl>
+                                        <p:attrNameLst>
+                                          <p:attrName>ppt_w</p:attrName>
+                                        </p:attrNameLst>
+                                      </p:cBhvr>
+                                      <p:tavLst>
+                                        <p:tav tm="0">
+                                          <p:val>
+                                            <p:strVal val="(6*min(max(#ppt_w*#ppt_h,.3),1)-7.4)/-.7*#ppt_w"/>
+                                          </p:val>
+                                        </p:tav>
+                                        <p:tav tm="100000">
+                                          <p:val>
+                                            <p:strVal val="#ppt_w"/>
+                                          </p:val>
+                                        </p:tav>
+                                      </p:tavLst>
+                                    </p:anim>
+                                    <p:anim calcmode="lin" valueType="num">
+                                      <p:cBhvr>
+                                        <p:cTn id="99" dur="500" fill="hold"/>
+                                        <p:tgtEl>
+                                          <p:spTgt spid="43"/>
+                                        </p:tgtEl>
+                                        <p:attrNameLst>
+                                          <p:attrName>ppt_h</p:attrName>
+                                        </p:attrNameLst>
+                                      </p:cBhvr>
+                                      <p:tavLst>
+                                        <p:tav tm="0">
+                                          <p:val>
+                                            <p:strVal val="(6*min(max(#ppt_w*#ppt_h,.3),1)-7.4)/-.7*#ppt_h"/>
+                                          </p:val>
+                                        </p:tav>
+                                        <p:tav tm="100000">
+                                          <p:val>
+                                            <p:strVal val="#ppt_h"/>
+                                          </p:val>
+                                        </p:tav>
+                                      </p:tavLst>
+                                    </p:anim>
+                                    <p:anim calcmode="lin" valueType="num">
+                                      <p:cBhvr>
+                                        <p:cTn id="100" dur="500" fill="hold"/>
+                                        <p:tgtEl>
+                                          <p:spTgt spid="43"/>
+                                        </p:tgtEl>
+                                        <p:attrNameLst>
+                                          <p:attrName>ppt_x</p:attrName>
+                                        </p:attrNameLst>
+                                      </p:cBhvr>
+                                      <p:tavLst>
+                                        <p:tav tm="0">
+                                          <p:val>
+                                            <p:fltVal val="0.5"/>
+                                          </p:val>
+                                        </p:tav>
+                                        <p:tav tm="100000">
+                                          <p:val>
+                                            <p:strVal val="#ppt_x"/>
+                                          </p:val>
+                                        </p:tav>
+                                      </p:tavLst>
+                                    </p:anim>
+                                    <p:anim calcmode="lin" valueType="num">
+                                      <p:cBhvr>
+                                        <p:cTn id="101" dur="500" fill="hold"/>
+                                        <p:tgtEl>
+                                          <p:spTgt spid="43"/>
+                                        </p:tgtEl>
+                                        <p:attrNameLst>
+                                          <p:attrName>ppt_y</p:attrName>
+                                        </p:attrNameLst>
+                                      </p:cBhvr>
+                                      <p:tavLst>
+                                        <p:tav tm="0">
+                                          <p:val>
+                                            <p:strVal val="1+(6*min(max(#ppt_w*#ppt_h,.3),1)-7.4)/-.7*#ppt_h/2"/>
+                                          </p:val>
+                                        </p:tav>
+                                        <p:tav tm="100000">
+                                          <p:val>
+                                            <p:strVal val="#ppt_y"/>
+                                          </p:val>
+                                        </p:tav>
+                                      </p:tavLst>
+                                    </p:anim>
+                                  </p:childTnLst>
+                                </p:cTn>
+                              </p:par>
+                            </p:childTnLst>
+                          </p:cTn>
+                        </p:par>
+                        <p:par>
+                          <p:cTn id="102" fill="hold">
+                            <p:stCondLst>
+                              <p:cond delay="9500"/>
+                            </p:stCondLst>
+                            <p:childTnLst>
+                              <p:par>
+                                <p:cTn id="103" presetID="2" presetClass="entr" presetSubtype="1" fill="hold" grpId="0" nodeType="afterEffect">
+                                  <p:stCondLst>
+                                    <p:cond delay="0"/>
+                                  </p:stCondLst>
+                                  <p:childTnLst>
+                                    <p:set>
+                                      <p:cBhvr>
+                                        <p:cTn id="104" dur="1" fill="hold">
+                                          <p:stCondLst>
+                                            <p:cond delay="0"/>
+                                          </p:stCondLst>
+                                        </p:cTn>
+                                        <p:tgtEl>
+                                          <p:spTgt spid="50"/>
+                                        </p:tgtEl>
+                                        <p:attrNameLst>
+                                          <p:attrName>style.visibility</p:attrName>
+                                        </p:attrNameLst>
+                                      </p:cBhvr>
+                                      <p:to>
+                                        <p:strVal val="visible"/>
+                                      </p:to>
+                                    </p:set>
+                                    <p:anim calcmode="lin" valueType="num">
+                                      <p:cBhvr additive="base">
+                                        <p:cTn id="105" dur="500" fill="hold"/>
+                                        <p:tgtEl>
+                                          <p:spTgt spid="50"/>
+                                        </p:tgtEl>
+                                        <p:attrNameLst>
+                                          <p:attrName>ppt_x</p:attrName>
+                                        </p:attrNameLst>
+                                      </p:cBhvr>
+                                      <p:tavLst>
+                                        <p:tav tm="0">
+                                          <p:val>
+                                            <p:strVal val="#ppt_x"/>
+                                          </p:val>
+                                        </p:tav>
+                                        <p:tav tm="100000">
+                                          <p:val>
+                                            <p:strVal val="#ppt_x"/>
+                                          </p:val>
+                                        </p:tav>
+                                      </p:tavLst>
+                                    </p:anim>
+                                    <p:anim calcmode="lin" valueType="num">
+                                      <p:cBhvr additive="base">
+                                        <p:cTn id="106" dur="500" fill="hold"/>
+                                        <p:tgtEl>
+                                          <p:spTgt spid="50"/>
+                                        </p:tgtEl>
+                                        <p:attrNameLst>
+                                          <p:attrName>ppt_y</p:attrName>
+                                        </p:attrNameLst>
+                                      </p:cBhvr>
+                                      <p:tavLst>
+                                        <p:tav tm="0">
+                                          <p:val>
+                                            <p:strVal val="0-#ppt_h/2"/>
+                                          </p:val>
+                                        </p:tav>
+                                        <p:tav tm="100000">
+                                          <p:val>
+                                            <p:strVal val="#ppt_y"/>
+                                          </p:val>
+                                        </p:tav>
+                                      </p:tavLst>
+                                    </p:anim>
+                                  </p:childTnLst>
+                                </p:cTn>
+                              </p:par>
+                            </p:childTnLst>
+                          </p:cTn>
+                        </p:par>
+                        <p:par>
+                          <p:cTn id="107" fill="hold">
+                            <p:stCondLst>
+                              <p:cond delay="10000"/>
+                            </p:stCondLst>
+                            <p:childTnLst>
+                              <p:par>
+                                <p:cTn id="108" presetID="22" presetClass="entr" presetSubtype="8" fill="hold" nodeType="afterEffect">
+                                  <p:stCondLst>
+                                    <p:cond delay="0"/>
+                                  </p:stCondLst>
+                                  <p:childTnLst>
+                                    <p:set>
+                                      <p:cBhvr>
+                                        <p:cTn id="109" dur="1" fill="hold">
+                                          <p:stCondLst>
+                                            <p:cond delay="0"/>
+                                          </p:stCondLst>
+                                        </p:cTn>
+                                        <p:tgtEl>
+                                          <p:spTgt spid="35"/>
+                                        </p:tgtEl>
+                                        <p:attrNameLst>
+                                          <p:attrName>style.visibility</p:attrName>
+                                        </p:attrNameLst>
+                                      </p:cBhvr>
+                                      <p:to>
+                                        <p:strVal val="visible"/>
+                                      </p:to>
+                                    </p:set>
+                                    <p:animEffect transition="in" filter="wipe(left)">
+                                      <p:cBhvr>
+                                        <p:cTn id="110" dur="500"/>
+                                        <p:tgtEl>
+                                          <p:spTgt spid="35"/>
+                                        </p:tgtEl>
+                                      </p:cBhvr>
+                                    </p:animEffect>
+                                  </p:childTnLst>
+                                </p:cTn>
+                              </p:par>
+                            </p:childTnLst>
+                          </p:cTn>
+                        </p:par>
+                        <p:par>
+                          <p:cTn id="111" fill="hold">
+                            <p:stCondLst>
+                              <p:cond delay="10500"/>
+                            </p:stCondLst>
+                            <p:childTnLst>
+                              <p:par>
+                                <p:cTn id="112" presetID="23" presetClass="entr" presetSubtype="36" fill="hold" grpId="0" nodeType="afterEffect">
+                                  <p:stCondLst>
+                                    <p:cond delay="0"/>
+                                  </p:stCondLst>
+                                  <p:childTnLst>
+                                    <p:set>
+                                      <p:cBhvr>
+                                        <p:cTn id="113" dur="1" fill="hold">
+                                          <p:stCondLst>
+                                            <p:cond delay="0"/>
+                                          </p:stCondLst>
+                                        </p:cTn>
+                                        <p:tgtEl>
+                                          <p:spTgt spid="44"/>
+                                        </p:tgtEl>
+                                        <p:attrNameLst>
+                                          <p:attrName>style.visibility</p:attrName>
+                                        </p:attrNameLst>
+                                      </p:cBhvr>
+                                      <p:to>
+                                        <p:strVal val="visible"/>
+                                      </p:to>
+                                    </p:set>
+                                    <p:anim calcmode="lin" valueType="num">
+                                      <p:cBhvr>
+                                        <p:cTn id="114" dur="500" fill="hold"/>
+                                        <p:tgtEl>
+                                          <p:spTgt spid="44"/>
+                                        </p:tgtEl>
+                                        <p:attrNameLst>
+                                          <p:attrName>ppt_w</p:attrName>
+                                        </p:attrNameLst>
+                                      </p:cBhvr>
+                                      <p:tavLst>
+                                        <p:tav tm="0">
+                                          <p:val>
+                                            <p:strVal val="(6*min(max(#ppt_w*#ppt_h,.3),1)-7.4)/-.7*#ppt_w"/>
+                                          </p:val>
+                                        </p:tav>
+                                        <p:tav tm="100000">
+                                          <p:val>
+                                            <p:strVal val="#ppt_w"/>
+                                          </p:val>
+                                        </p:tav>
+                                      </p:tavLst>
+                                    </p:anim>
+                                    <p:anim calcmode="lin" valueType="num">
+                                      <p:cBhvr>
+                                        <p:cTn id="115" dur="500" fill="hold"/>
+                                        <p:tgtEl>
+                                          <p:spTgt spid="44"/>
+                                        </p:tgtEl>
+                                        <p:attrNameLst>
+                                          <p:attrName>ppt_h</p:attrName>
+                                        </p:attrNameLst>
+                                      </p:cBhvr>
+                                      <p:tavLst>
+                                        <p:tav tm="0">
+                                          <p:val>
+                                            <p:strVal val="(6*min(max(#ppt_w*#ppt_h,.3),1)-7.4)/-.7*#ppt_h"/>
+                                          </p:val>
+                                        </p:tav>
+                                        <p:tav tm="100000">
+                                          <p:val>
+                                            <p:strVal val="#ppt_h"/>
+                                          </p:val>
+                                        </p:tav>
+                                      </p:tavLst>
+                                    </p:anim>
+                                    <p:anim calcmode="lin" valueType="num">
+                                      <p:cBhvr>
+                                        <p:cTn id="116" dur="500" fill="hold"/>
+                                        <p:tgtEl>
+                                          <p:spTgt spid="44"/>
+                                        </p:tgtEl>
+                                        <p:attrNameLst>
+                                          <p:attrName>ppt_x</p:attrName>
+                                        </p:attrNameLst>
+                                      </p:cBhvr>
+                                      <p:tavLst>
+                                        <p:tav tm="0">
+                                          <p:val>
+                                            <p:fltVal val="0.5"/>
+                                          </p:val>
+                                        </p:tav>
+                                        <p:tav tm="100000">
+                                          <p:val>
+                                            <p:strVal val="#ppt_x"/>
+                                          </p:val>
+                                        </p:tav>
+                                      </p:tavLst>
+                                    </p:anim>
+                                    <p:anim calcmode="lin" valueType="num">
+                                      <p:cBhvr>
+                                        <p:cTn id="117" dur="500" fill="hold"/>
+                                        <p:tgtEl>
+                                          <p:spTgt spid="44"/>
+                                        </p:tgtEl>
+                                        <p:attrNameLst>
+                                          <p:attrName>ppt_y</p:attrName>
+                                        </p:attrNameLst>
+                                      </p:cBhvr>
+                                      <p:tavLst>
+                                        <p:tav tm="0">
+                                          <p:val>
+                                            <p:strVal val="1+(6*min(max(#ppt_w*#ppt_h,.3),1)-7.4)/-.7*#ppt_h/2"/>
+                                          </p:val>
+                                        </p:tav>
+                                        <p:tav tm="100000">
+                                          <p:val>
+                                            <p:strVal val="#ppt_y"/>
+                                          </p:val>
+                                        </p:tav>
+                                      </p:tavLst>
+                                    </p:anim>
+                                  </p:childTnLst>
+                                </p:cTn>
+                              </p:par>
+                            </p:childTnLst>
+                          </p:cTn>
+                        </p:par>
+                        <p:par>
+                          <p:cTn id="118" fill="hold">
+                            <p:stCondLst>
+                              <p:cond delay="11000"/>
+                            </p:stCondLst>
+                            <p:childTnLst>
+                              <p:par>
+                                <p:cTn id="119" presetID="2" presetClass="entr" presetSubtype="2" fill="hold" grpId="0" nodeType="afterEffect">
+                                  <p:stCondLst>
+                                    <p:cond delay="0"/>
+                                  </p:stCondLst>
+                                  <p:childTnLst>
+                                    <p:set>
+                                      <p:cBhvr>
+                                        <p:cTn id="120" dur="1" fill="hold">
+                                          <p:stCondLst>
+                                            <p:cond delay="0"/>
+                                          </p:stCondLst>
+                                        </p:cTn>
+                                        <p:tgtEl>
+                                          <p:spTgt spid="51"/>
+                                        </p:tgtEl>
+                                        <p:attrNameLst>
+                                          <p:attrName>style.visibility</p:attrName>
+                                        </p:attrNameLst>
+                                      </p:cBhvr>
+                                      <p:to>
+                                        <p:strVal val="visible"/>
+                                      </p:to>
+                                    </p:set>
+                                    <p:anim calcmode="lin" valueType="num">
+                                      <p:cBhvr additive="base">
+                                        <p:cTn id="121" dur="500" fill="hold"/>
+                                        <p:tgtEl>
+                                          <p:spTgt spid="51"/>
+                                        </p:tgtEl>
+                                        <p:attrNameLst>
+                                          <p:attrName>ppt_x</p:attrName>
+                                        </p:attrNameLst>
+                                      </p:cBhvr>
+                                      <p:tavLst>
+                                        <p:tav tm="0">
+                                          <p:val>
+                                            <p:strVal val="1+#ppt_w/2"/>
+                                          </p:val>
+                                        </p:tav>
+                                        <p:tav tm="100000">
+                                          <p:val>
+                                            <p:strVal val="#ppt_x"/>
+                                          </p:val>
+                                        </p:tav>
+                                      </p:tavLst>
+                                    </p:anim>
+                                    <p:anim calcmode="lin" valueType="num">
+                                      <p:cBhvr additive="base">
+                                        <p:cTn id="122" dur="500" fill="hold"/>
+                                        <p:tgtEl>
+                                          <p:spTgt spid="51"/>
+                                        </p:tgtEl>
+                                        <p:attrNameLst>
+                                          <p:attrName>ppt_y</p:attrName>
+                                        </p:attrNameLst>
+                                      </p:cBhvr>
+                                      <p:tavLst>
+                                        <p:tav tm="0">
+                                          <p:val>
+                                            <p:strVal val="#ppt_y"/>
+                                          </p:val>
+                                        </p:tav>
+                                        <p:tav tm="100000">
+                                          <p:val>
+                                            <p:strVal val="#ppt_y"/>
+                                          </p:val>
+                                        </p:tav>
+                                      </p:tavLst>
+                                    </p:anim>
+                                  </p:childTnLst>
+                                </p:cTn>
+                              </p:par>
+                            </p:childTnLst>
+                          </p:cTn>
+                        </p:par>
+                        <p:par>
+                          <p:cTn id="123" fill="hold">
+                            <p:stCondLst>
+                              <p:cond delay="11500"/>
+                            </p:stCondLst>
+                            <p:childTnLst>
+                              <p:par>
+                                <p:cTn id="124" presetID="22" presetClass="entr" presetSubtype="8" fill="hold" nodeType="afterEffect">
+                                  <p:stCondLst>
+                                    <p:cond delay="0"/>
+                                  </p:stCondLst>
+                                  <p:childTnLst>
+                                    <p:set>
+                                      <p:cBhvr>
+                                        <p:cTn id="125" dur="1" fill="hold">
+                                          <p:stCondLst>
+                                            <p:cond delay="0"/>
+                                          </p:stCondLst>
+                                        </p:cTn>
+                                        <p:tgtEl>
+                                          <p:spTgt spid="29"/>
+                                        </p:tgtEl>
+                                        <p:attrNameLst>
+                                          <p:attrName>style.visibility</p:attrName>
+                                        </p:attrNameLst>
+                                      </p:cBhvr>
+                                      <p:to>
+                                        <p:strVal val="visible"/>
+                                      </p:to>
+                                    </p:set>
+                                    <p:animEffect transition="in" filter="wipe(left)">
+                                      <p:cBhvr>
+                                        <p:cTn id="126" dur="500"/>
+                                        <p:tgtEl>
+                                          <p:spTgt spid="29"/>
+                                        </p:tgtEl>
+                                      </p:cBhvr>
+                                    </p:animEffect>
+                                  </p:childTnLst>
+                                </p:cTn>
+                              </p:par>
+                            </p:childTnLst>
+                          </p:cTn>
+                        </p:par>
+                        <p:par>
+                          <p:cTn id="127" fill="hold">
+                            <p:stCondLst>
+                              <p:cond delay="12000"/>
+                            </p:stCondLst>
+                            <p:childTnLst>
+                              <p:par>
+                                <p:cTn id="128" presetID="31" presetClass="entr" presetSubtype="0" fill="hold" grpId="0" nodeType="afterEffect">
+                                  <p:stCondLst>
+                                    <p:cond delay="0"/>
+                                  </p:stCondLst>
+                                  <p:childTnLst>
+                                    <p:set>
+                                      <p:cBhvr>
+                                        <p:cTn id="129" dur="1" fill="hold">
+                                          <p:stCondLst>
+                                            <p:cond delay="0"/>
+                                          </p:stCondLst>
+                                        </p:cTn>
+                                        <p:tgtEl>
+                                          <p:spTgt spid="30"/>
+                                        </p:tgtEl>
+                                        <p:attrNameLst>
+                                          <p:attrName>style.visibility</p:attrName>
+                                        </p:attrNameLst>
+                                      </p:cBhvr>
+                                      <p:to>
+                                        <p:strVal val="visible"/>
+                                      </p:to>
+                                    </p:set>
+                                    <p:anim calcmode="lin" valueType="num">
+                                      <p:cBhvr>
+                                        <p:cTn id="130" dur="1000" fill="hold"/>
+                                        <p:tgtEl>
+                                          <p:spTgt spid="30"/>
+                                        </p:tgtEl>
+                                        <p:attrNameLst>
+                                          <p:attrName>ppt_w</p:attrName>
+                                        </p:attrNameLst>
+                                      </p:cBhvr>
+                                      <p:tavLst>
+                                        <p:tav tm="0">
+                                          <p:val>
+                                            <p:fltVal val="0"/>
+                                          </p:val>
+                                        </p:tav>
+                                        <p:tav tm="100000">
+                                          <p:val>
+                                            <p:strVal val="#ppt_w"/>
+                                          </p:val>
+                                        </p:tav>
+                                      </p:tavLst>
+                                    </p:anim>
+                                    <p:anim calcmode="lin" valueType="num">
+                                      <p:cBhvr>
+                                        <p:cTn id="131" dur="1000" fill="hold"/>
+                                        <p:tgtEl>
+                                          <p:spTgt spid="30"/>
+                                        </p:tgtEl>
+                                        <p:attrNameLst>
+                                          <p:attrName>ppt_h</p:attrName>
+                                        </p:attrNameLst>
+                                      </p:cBhvr>
+                                      <p:tavLst>
+                                        <p:tav tm="0">
+                                          <p:val>
+                                            <p:fltVal val="0"/>
+                                          </p:val>
+                                        </p:tav>
+                                        <p:tav tm="100000">
+                                          <p:val>
+                                            <p:strVal val="#ppt_h"/>
+                                          </p:val>
+                                        </p:tav>
+                                      </p:tavLst>
+                                    </p:anim>
+                                    <p:anim calcmode="lin" valueType="num">
+                                      <p:cBhvr>
+                                        <p:cTn id="132" dur="1000" fill="hold"/>
+                                        <p:tgtEl>
+                                          <p:spTgt spid="30"/>
+                                        </p:tgtEl>
+                                        <p:attrNameLst>
+                                          <p:attrName>style.rotation</p:attrName>
+                                        </p:attrNameLst>
+                                      </p:cBhvr>
+                                      <p:tavLst>
+                                        <p:tav tm="0">
+                                          <p:val>
+                                            <p:fltVal val="90"/>
+                                          </p:val>
+                                        </p:tav>
+                                        <p:tav tm="100000">
+                                          <p:val>
+                                            <p:fltVal val="0"/>
+                                          </p:val>
+                                        </p:tav>
+                                      </p:tavLst>
+                                    </p:anim>
+                                    <p:animEffect transition="in" filter="fade">
+                                      <p:cBhvr>
+                                        <p:cTn id="133" dur="1000"/>
+                                        <p:tgtEl>
+                                          <p:spTgt spid="30"/>
+                                        </p:tgtEl>
+                                      </p:cBhvr>
+                                    </p:animEffect>
+                                  </p:childTnLst>
+                                </p:cTn>
+                              </p:par>
+                            </p:childTnLst>
+                          </p:cTn>
+                        </p:par>
+                      </p:childTnLst>
+                    </p:cTn>
+                  </p:par>
+                </p:childTnLst>
+              </p:cTn>
+              <p:prevCondLst>
+                <p:cond evt="onPrev" delay="0">
+                  <p:tgtEl>
+                    <p:sldTgt/>
+                  </p:tgtEl>
+                </p:cond>
+              </p:prevCondLst>
+              <p:nextCondLst>
+                <p:cond evt="onNext" delay="0">
+                  <p:tgtEl>
+                    <p:sldTgt/>
+                  </p:tgtEl>
+                </p:cond>
+              </p:nextCondLst>
+            </p:seq>
+          </p:childTnLst>
+        </p:cTn>
+      </p:par>
+    </p:tnLst>
+    <p:bldLst>
+      <p:bldP spid="30" grpId="0"/>
+      <p:bldP spid="37" grpId="0"/>
+      <p:bldP spid="38" grpId="0" animBg="1"/>
+      <p:bldP spid="39" grpId="0" animBg="1"/>
+      <p:bldP spid="40" grpId="0" animBg="1"/>
+      <p:bldP spid="41" grpId="0" animBg="1"/>
+      <p:bldP spid="42" grpId="0" animBg="1"/>
+      <p:bldP spid="43" grpId="0" animBg="1"/>
+      <p:bldP spid="44" grpId="0" animBg="1"/>
+      <p:bldP spid="45" grpId="0"/>
+      <p:bldP spid="46" grpId="0"/>
+      <p:bldP spid="47" grpId="0"/>
+      <p:bldP spid="48" grpId="0"/>
+      <p:bldP spid="49" grpId="0"/>
+      <p:bldP spid="50" grpId="0"/>
+      <p:bldP spid="51" grpId="0"/>
     </p:bldLst>
   </p:timing>
 </p:sld>
